--- a/Documentation/Presentations/ACCU/How low can you go.pptx
+++ b/Documentation/Presentations/ACCU/How low can you go.pptx
@@ -17,15 +17,17 @@
     <p:sldId id="262" r:id="rId11"/>
     <p:sldId id="263" r:id="rId12"/>
     <p:sldId id="264" r:id="rId13"/>
-    <p:sldId id="265" r:id="rId14"/>
-    <p:sldId id="266" r:id="rId15"/>
-    <p:sldId id="267" r:id="rId16"/>
-    <p:sldId id="275" r:id="rId17"/>
-    <p:sldId id="268" r:id="rId18"/>
-    <p:sldId id="276" r:id="rId19"/>
-    <p:sldId id="269" r:id="rId20"/>
-    <p:sldId id="274" r:id="rId21"/>
-    <p:sldId id="270" r:id="rId22"/>
+    <p:sldId id="277" r:id="rId14"/>
+    <p:sldId id="265" r:id="rId15"/>
+    <p:sldId id="266" r:id="rId16"/>
+    <p:sldId id="267" r:id="rId17"/>
+    <p:sldId id="275" r:id="rId18"/>
+    <p:sldId id="278" r:id="rId19"/>
+    <p:sldId id="268" r:id="rId20"/>
+    <p:sldId id="276" r:id="rId21"/>
+    <p:sldId id="269" r:id="rId22"/>
+    <p:sldId id="274" r:id="rId23"/>
+    <p:sldId id="270" r:id="rId24"/>
   </p:sldIdLst>
   <p:sldSz cx="12192000" cy="6858000"/>
   <p:notesSz cx="6858000" cy="9144000"/>
@@ -328,7 +330,7 @@
           <a:p>
             <a:fld id="{4AAD347D-5ACD-4C99-B74B-A9C85AD731AF}" type="datetimeFigureOut">
               <a:rPr lang="en-US" smtClean="0"/>
-              <a:t>10/20/2015</a:t>
+              <a:t>10/21/2015</a:t>
             </a:fld>
             <a:endParaRPr lang="en-US" dirty="0"/>
           </a:p>
@@ -609,7 +611,7 @@
           <a:p>
             <a:fld id="{4509A250-FF31-4206-8172-F9D3106AACB1}" type="datetimeFigureOut">
               <a:rPr lang="en-US" smtClean="0"/>
-              <a:t>10/20/2015</a:t>
+              <a:t>10/21/2015</a:t>
             </a:fld>
             <a:endParaRPr lang="en-US" dirty="0"/>
           </a:p>
@@ -801,7 +803,7 @@
           <a:p>
             <a:fld id="{4509A250-FF31-4206-8172-F9D3106AACB1}" type="datetimeFigureOut">
               <a:rPr lang="en-US" smtClean="0"/>
-              <a:t>10/20/2015</a:t>
+              <a:t>10/21/2015</a:t>
             </a:fld>
             <a:endParaRPr lang="en-US" dirty="0"/>
           </a:p>
@@ -1062,7 +1064,7 @@
           <a:p>
             <a:fld id="{4509A250-FF31-4206-8172-F9D3106AACB1}" type="datetimeFigureOut">
               <a:rPr lang="en-US" smtClean="0"/>
-              <a:t>10/20/2015</a:t>
+              <a:t>10/21/2015</a:t>
             </a:fld>
             <a:endParaRPr lang="en-US" dirty="0"/>
           </a:p>
@@ -1488,7 +1490,7 @@
           <a:p>
             <a:fld id="{4509A250-FF31-4206-8172-F9D3106AACB1}" type="datetimeFigureOut">
               <a:rPr lang="en-US" smtClean="0"/>
-              <a:t>10/20/2015</a:t>
+              <a:t>10/21/2015</a:t>
             </a:fld>
             <a:endParaRPr lang="en-US" dirty="0"/>
           </a:p>
@@ -2034,7 +2036,7 @@
           <a:p>
             <a:fld id="{4509A250-FF31-4206-8172-F9D3106AACB1}" type="datetimeFigureOut">
               <a:rPr lang="en-US" smtClean="0"/>
-              <a:t>10/20/2015</a:t>
+              <a:t>10/21/2015</a:t>
             </a:fld>
             <a:endParaRPr lang="en-US" dirty="0"/>
           </a:p>
@@ -2866,7 +2868,7 @@
           <a:p>
             <a:fld id="{4509A250-FF31-4206-8172-F9D3106AACB1}" type="datetimeFigureOut">
               <a:rPr lang="en-US" smtClean="0"/>
-              <a:t>10/20/2015</a:t>
+              <a:t>10/21/2015</a:t>
             </a:fld>
             <a:endParaRPr lang="en-US" dirty="0"/>
           </a:p>
@@ -3037,7 +3039,7 @@
           <a:p>
             <a:fld id="{4509A250-FF31-4206-8172-F9D3106AACB1}" type="datetimeFigureOut">
               <a:rPr lang="en-US" smtClean="0"/>
-              <a:t>10/20/2015</a:t>
+              <a:t>10/21/2015</a:t>
             </a:fld>
             <a:endParaRPr lang="en-US" dirty="0"/>
           </a:p>
@@ -3217,7 +3219,7 @@
           <a:p>
             <a:fld id="{4509A250-FF31-4206-8172-F9D3106AACB1}" type="datetimeFigureOut">
               <a:rPr lang="en-US" smtClean="0"/>
-              <a:t>10/20/2015</a:t>
+              <a:t>10/21/2015</a:t>
             </a:fld>
             <a:endParaRPr lang="en-US" dirty="0"/>
           </a:p>
@@ -3387,7 +3389,7 @@
           <a:p>
             <a:fld id="{4509A250-FF31-4206-8172-F9D3106AACB1}" type="datetimeFigureOut">
               <a:rPr lang="en-US" smtClean="0"/>
-              <a:t>10/20/2015</a:t>
+              <a:t>10/21/2015</a:t>
             </a:fld>
             <a:endParaRPr lang="en-US" dirty="0"/>
           </a:p>
@@ -3644,7 +3646,7 @@
           <a:p>
             <a:fld id="{4509A250-FF31-4206-8172-F9D3106AACB1}" type="datetimeFigureOut">
               <a:rPr lang="en-US" smtClean="0"/>
-              <a:t>10/20/2015</a:t>
+              <a:t>10/21/2015</a:t>
             </a:fld>
             <a:endParaRPr lang="en-US" dirty="0"/>
           </a:p>
@@ -3876,7 +3878,7 @@
           <a:p>
             <a:fld id="{4509A250-FF31-4206-8172-F9D3106AACB1}" type="datetimeFigureOut">
               <a:rPr lang="en-US" smtClean="0"/>
-              <a:t>10/20/2015</a:t>
+              <a:t>10/21/2015</a:t>
             </a:fld>
             <a:endParaRPr lang="en-US" dirty="0"/>
           </a:p>
@@ -4269,7 +4271,7 @@
           <a:p>
             <a:fld id="{4509A250-FF31-4206-8172-F9D3106AACB1}" type="datetimeFigureOut">
               <a:rPr lang="en-US" smtClean="0"/>
-              <a:t>10/20/2015</a:t>
+              <a:t>10/21/2015</a:t>
             </a:fld>
             <a:endParaRPr lang="en-US" dirty="0"/>
           </a:p>
@@ -4387,7 +4389,7 @@
           <a:p>
             <a:fld id="{4509A250-FF31-4206-8172-F9D3106AACB1}" type="datetimeFigureOut">
               <a:rPr lang="en-US" smtClean="0"/>
-              <a:t>10/20/2015</a:t>
+              <a:t>10/21/2015</a:t>
             </a:fld>
             <a:endParaRPr lang="en-US" dirty="0"/>
           </a:p>
@@ -4482,7 +4484,7 @@
           <a:p>
             <a:fld id="{4509A250-FF31-4206-8172-F9D3106AACB1}" type="datetimeFigureOut">
               <a:rPr lang="en-US" smtClean="0"/>
-              <a:t>10/20/2015</a:t>
+              <a:t>10/21/2015</a:t>
             </a:fld>
             <a:endParaRPr lang="en-US" dirty="0"/>
           </a:p>
@@ -4755,7 +4757,7 @@
           <a:p>
             <a:fld id="{4509A250-FF31-4206-8172-F9D3106AACB1}" type="datetimeFigureOut">
               <a:rPr lang="en-US" smtClean="0"/>
-              <a:t>10/20/2015</a:t>
+              <a:t>10/21/2015</a:t>
             </a:fld>
             <a:endParaRPr lang="en-US" dirty="0"/>
           </a:p>
@@ -5036,7 +5038,7 @@
           <a:p>
             <a:fld id="{4509A250-FF31-4206-8172-F9D3106AACB1}" type="datetimeFigureOut">
               <a:rPr lang="en-US" smtClean="0"/>
-              <a:t>10/20/2015</a:t>
+              <a:t>10/21/2015</a:t>
             </a:fld>
             <a:endParaRPr lang="en-US" dirty="0"/>
           </a:p>
@@ -5276,7 +5278,7 @@
           <a:p>
             <a:fld id="{4509A250-FF31-4206-8172-F9D3106AACB1}" type="datetimeFigureOut">
               <a:rPr lang="en-US" smtClean="0"/>
-              <a:t>10/20/2015</a:t>
+              <a:t>10/21/2015</a:t>
             </a:fld>
             <a:endParaRPr lang="en-US" dirty="0"/>
           </a:p>
@@ -8151,7 +8153,7 @@
           <a:p>
             <a:r>
               <a:rPr lang="en-GB" dirty="0" smtClean="0"/>
-              <a:t>Education: University</a:t>
+              <a:t>Example: (New) National Curriculum</a:t>
             </a:r>
             <a:endParaRPr lang="en-GB" dirty="0"/>
           </a:p>
@@ -8167,82 +8169,83 @@
             <p:ph idx="1"/>
           </p:nvPr>
         </p:nvSpPr>
-        <p:spPr>
-          <a:xfrm>
-            <a:off x="1103312" y="2052918"/>
-            <a:ext cx="9725109" cy="4195481"/>
-          </a:xfrm>
-        </p:spPr>
+        <p:spPr/>
         <p:txBody>
           <a:bodyPr>
-            <a:normAutofit fontScale="92500" lnSpcReduction="10000"/>
+            <a:normAutofit fontScale="92500" lnSpcReduction="20000"/>
           </a:bodyPr>
           <a:lstStyle/>
           <a:p>
             <a:r>
               <a:rPr lang="en-GB" dirty="0" smtClean="0"/>
-              <a:t>Computer architecture / low level topics often perceived as the hardest</a:t>
-            </a:r>
-          </a:p>
-          <a:p>
-            <a:r>
-              <a:rPr lang="en-GB" dirty="0" smtClean="0"/>
-              <a:t>Closely linked to compilers and hardware </a:t>
+              <a:t>Extract </a:t>
+            </a:r>
+            <a:r>
+              <a:rPr lang="en-GB" dirty="0"/>
+              <a:t>from </a:t>
+            </a:r>
+            <a:r>
+              <a:rPr lang="en-GB" dirty="0">
+                <a:hlinkClick r:id="rId2"/>
+              </a:rPr>
+              <a:t>https://</a:t>
+            </a:r>
+            <a:r>
+              <a:rPr lang="en-GB" dirty="0" smtClean="0">
+                <a:hlinkClick r:id="rId2"/>
+              </a:rPr>
+              <a:t>www.gov.uk/government/publications/national-curriculum-in-england-computing-programmes-of-study/national-curriculum-in-england-computing-programmes-of-study</a:t>
+            </a:r>
+            <a:r>
+              <a:rPr lang="en-GB" dirty="0" smtClean="0"/>
+              <a:t> </a:t>
+            </a:r>
+          </a:p>
+          <a:p>
+            <a:r>
+              <a:rPr lang="en-GB" dirty="0" smtClean="0"/>
+              <a:t>KS3:</a:t>
             </a:r>
           </a:p>
           <a:p>
             <a:pPr lvl="1"/>
             <a:r>
               <a:rPr lang="en-GB" dirty="0" smtClean="0"/>
-              <a:t>But taught separately! </a:t>
+              <a:t>understand </a:t>
+            </a:r>
+            <a:r>
+              <a:rPr lang="en-GB" dirty="0"/>
+              <a:t>simple Boolean logic [for example, AND, OR and NOT] and some of </a:t>
+            </a:r>
+            <a:r>
+              <a:rPr lang="en-GB" b="1" dirty="0"/>
+              <a:t>its uses in circuits and programming</a:t>
+            </a:r>
+            <a:r>
+              <a:rPr lang="en-GB" dirty="0"/>
+              <a:t>; understand how numbers can be represented in binary, and be able to carry out simple operations on binary numbers [for example, binary addition, and conversion between binary and decimal]</a:t>
             </a:r>
           </a:p>
           <a:p>
             <a:pPr lvl="1"/>
             <a:r>
-              <a:rPr lang="en-GB" dirty="0" smtClean="0"/>
-              <a:t>Hardware is often only covered by CSE / EE courses and not any in CS!</a:t>
+              <a:rPr lang="en-GB" b="1" dirty="0"/>
+              <a:t>understand the hardware and software components that make up computer systems, and how they communicate with one another and with other systems</a:t>
             </a:r>
           </a:p>
           <a:p>
             <a:pPr lvl="1"/>
             <a:r>
-              <a:rPr lang="en-GB" dirty="0" smtClean="0"/>
-              <a:t>Compilers taught totally independently – no cross linking of topics</a:t>
-            </a:r>
-          </a:p>
-          <a:p>
-            <a:r>
-              <a:rPr lang="en-GB" dirty="0" smtClean="0"/>
-              <a:t>Little to no follow-through modules</a:t>
-            </a:r>
-          </a:p>
-          <a:p>
-            <a:r>
-              <a:rPr lang="en-GB" dirty="0" smtClean="0"/>
-              <a:t>Little to no emphasis on why low level understanding is important</a:t>
-            </a:r>
-          </a:p>
-          <a:p>
-            <a:pPr lvl="1"/>
-            <a:r>
-              <a:rPr lang="en-GB" dirty="0" smtClean="0"/>
-              <a:t>And/or useful!</a:t>
-            </a:r>
-          </a:p>
-          <a:p>
-            <a:r>
-              <a:rPr lang="en-GB" dirty="0" smtClean="0"/>
-              <a:t>Wide perception that high level dev is the only worthwhile career path</a:t>
-            </a:r>
-            <a:endParaRPr lang="en-GB" dirty="0"/>
+              <a:rPr lang="en-GB" dirty="0"/>
+              <a:t>understand how instructions are stored and executed within a computer system; understand how data of various types (including text, sounds and pictures) can be represented and manipulated digitally, in the form of binary digits</a:t>
+            </a:r>
           </a:p>
         </p:txBody>
       </p:sp>
     </p:spTree>
     <p:extLst>
       <p:ext uri="{BB962C8B-B14F-4D97-AF65-F5344CB8AC3E}">
-        <p14:creationId xmlns:p14="http://schemas.microsoft.com/office/powerpoint/2010/main" val="1600419224"/>
+        <p14:creationId xmlns:p14="http://schemas.microsoft.com/office/powerpoint/2010/main" val="3341191451"/>
       </p:ext>
     </p:extLst>
   </p:cSld>
@@ -8494,232 +8497,6 @@
                                           <p:spTgt spid="3">
                                             <p:txEl>
                                               <p:pRg st="4" end="4"/>
-                                            </p:txEl>
-                                          </p:spTgt>
-                                        </p:tgtEl>
-                                      </p:cBhvr>
-                                    </p:animEffect>
-                                  </p:childTnLst>
-                                </p:cTn>
-                              </p:par>
-                            </p:childTnLst>
-                          </p:cTn>
-                        </p:par>
-                      </p:childTnLst>
-                    </p:cTn>
-                  </p:par>
-                  <p:par>
-                    <p:cTn id="22" fill="hold">
-                      <p:stCondLst>
-                        <p:cond delay="indefinite"/>
-                      </p:stCondLst>
-                      <p:childTnLst>
-                        <p:par>
-                          <p:cTn id="23" fill="hold">
-                            <p:stCondLst>
-                              <p:cond delay="0"/>
-                            </p:stCondLst>
-                            <p:childTnLst>
-                              <p:par>
-                                <p:cTn id="24" presetID="10" presetClass="entr" presetSubtype="0" fill="hold" grpId="0" nodeType="clickEffect">
-                                  <p:stCondLst>
-                                    <p:cond delay="0"/>
-                                  </p:stCondLst>
-                                  <p:childTnLst>
-                                    <p:set>
-                                      <p:cBhvr>
-                                        <p:cTn id="25" dur="1" fill="hold">
-                                          <p:stCondLst>
-                                            <p:cond delay="0"/>
-                                          </p:stCondLst>
-                                        </p:cTn>
-                                        <p:tgtEl>
-                                          <p:spTgt spid="3">
-                                            <p:txEl>
-                                              <p:pRg st="5" end="5"/>
-                                            </p:txEl>
-                                          </p:spTgt>
-                                        </p:tgtEl>
-                                        <p:attrNameLst>
-                                          <p:attrName>style.visibility</p:attrName>
-                                        </p:attrNameLst>
-                                      </p:cBhvr>
-                                      <p:to>
-                                        <p:strVal val="visible"/>
-                                      </p:to>
-                                    </p:set>
-                                    <p:animEffect transition="in" filter="fade">
-                                      <p:cBhvr>
-                                        <p:cTn id="26" dur="500"/>
-                                        <p:tgtEl>
-                                          <p:spTgt spid="3">
-                                            <p:txEl>
-                                              <p:pRg st="5" end="5"/>
-                                            </p:txEl>
-                                          </p:spTgt>
-                                        </p:tgtEl>
-                                      </p:cBhvr>
-                                    </p:animEffect>
-                                  </p:childTnLst>
-                                </p:cTn>
-                              </p:par>
-                            </p:childTnLst>
-                          </p:cTn>
-                        </p:par>
-                      </p:childTnLst>
-                    </p:cTn>
-                  </p:par>
-                  <p:par>
-                    <p:cTn id="27" fill="hold">
-                      <p:stCondLst>
-                        <p:cond delay="indefinite"/>
-                      </p:stCondLst>
-                      <p:childTnLst>
-                        <p:par>
-                          <p:cTn id="28" fill="hold">
-                            <p:stCondLst>
-                              <p:cond delay="0"/>
-                            </p:stCondLst>
-                            <p:childTnLst>
-                              <p:par>
-                                <p:cTn id="29" presetID="10" presetClass="entr" presetSubtype="0" fill="hold" grpId="0" nodeType="clickEffect">
-                                  <p:stCondLst>
-                                    <p:cond delay="0"/>
-                                  </p:stCondLst>
-                                  <p:childTnLst>
-                                    <p:set>
-                                      <p:cBhvr>
-                                        <p:cTn id="30" dur="1" fill="hold">
-                                          <p:stCondLst>
-                                            <p:cond delay="0"/>
-                                          </p:stCondLst>
-                                        </p:cTn>
-                                        <p:tgtEl>
-                                          <p:spTgt spid="3">
-                                            <p:txEl>
-                                              <p:pRg st="6" end="6"/>
-                                            </p:txEl>
-                                          </p:spTgt>
-                                        </p:tgtEl>
-                                        <p:attrNameLst>
-                                          <p:attrName>style.visibility</p:attrName>
-                                        </p:attrNameLst>
-                                      </p:cBhvr>
-                                      <p:to>
-                                        <p:strVal val="visible"/>
-                                      </p:to>
-                                    </p:set>
-                                    <p:animEffect transition="in" filter="fade">
-                                      <p:cBhvr>
-                                        <p:cTn id="31" dur="500"/>
-                                        <p:tgtEl>
-                                          <p:spTgt spid="3">
-                                            <p:txEl>
-                                              <p:pRg st="6" end="6"/>
-                                            </p:txEl>
-                                          </p:spTgt>
-                                        </p:tgtEl>
-                                      </p:cBhvr>
-                                    </p:animEffect>
-                                  </p:childTnLst>
-                                </p:cTn>
-                              </p:par>
-                              <p:par>
-                                <p:cTn id="32" presetID="10" presetClass="entr" presetSubtype="0" fill="hold" grpId="0" nodeType="withEffect">
-                                  <p:stCondLst>
-                                    <p:cond delay="0"/>
-                                  </p:stCondLst>
-                                  <p:childTnLst>
-                                    <p:set>
-                                      <p:cBhvr>
-                                        <p:cTn id="33" dur="1" fill="hold">
-                                          <p:stCondLst>
-                                            <p:cond delay="0"/>
-                                          </p:stCondLst>
-                                        </p:cTn>
-                                        <p:tgtEl>
-                                          <p:spTgt spid="3">
-                                            <p:txEl>
-                                              <p:pRg st="7" end="7"/>
-                                            </p:txEl>
-                                          </p:spTgt>
-                                        </p:tgtEl>
-                                        <p:attrNameLst>
-                                          <p:attrName>style.visibility</p:attrName>
-                                        </p:attrNameLst>
-                                      </p:cBhvr>
-                                      <p:to>
-                                        <p:strVal val="visible"/>
-                                      </p:to>
-                                    </p:set>
-                                    <p:animEffect transition="in" filter="fade">
-                                      <p:cBhvr>
-                                        <p:cTn id="34" dur="500"/>
-                                        <p:tgtEl>
-                                          <p:spTgt spid="3">
-                                            <p:txEl>
-                                              <p:pRg st="7" end="7"/>
-                                            </p:txEl>
-                                          </p:spTgt>
-                                        </p:tgtEl>
-                                      </p:cBhvr>
-                                    </p:animEffect>
-                                  </p:childTnLst>
-                                </p:cTn>
-                              </p:par>
-                            </p:childTnLst>
-                          </p:cTn>
-                        </p:par>
-                      </p:childTnLst>
-                    </p:cTn>
-                  </p:par>
-                  <p:par>
-                    <p:cTn id="35" fill="hold">
-                      <p:stCondLst>
-                        <p:cond delay="indefinite"/>
-                      </p:stCondLst>
-                      <p:childTnLst>
-                        <p:par>
-                          <p:cTn id="36" fill="hold">
-                            <p:stCondLst>
-                              <p:cond delay="0"/>
-                            </p:stCondLst>
-                            <p:childTnLst>
-                              <p:par>
-                                <p:cTn id="37" presetID="10" presetClass="entr" presetSubtype="0" fill="hold" grpId="0" nodeType="clickEffect">
-                                  <p:stCondLst>
-                                    <p:cond delay="0"/>
-                                  </p:stCondLst>
-                                  <p:childTnLst>
-                                    <p:set>
-                                      <p:cBhvr>
-                                        <p:cTn id="38" dur="1" fill="hold">
-                                          <p:stCondLst>
-                                            <p:cond delay="0"/>
-                                          </p:stCondLst>
-                                        </p:cTn>
-                                        <p:tgtEl>
-                                          <p:spTgt spid="3">
-                                            <p:txEl>
-                                              <p:pRg st="8" end="8"/>
-                                            </p:txEl>
-                                          </p:spTgt>
-                                        </p:tgtEl>
-                                        <p:attrNameLst>
-                                          <p:attrName>style.visibility</p:attrName>
-                                        </p:attrNameLst>
-                                      </p:cBhvr>
-                                      <p:to>
-                                        <p:strVal val="visible"/>
-                                      </p:to>
-                                    </p:set>
-                                    <p:animEffect transition="in" filter="fade">
-                                      <p:cBhvr>
-                                        <p:cTn id="39" dur="500"/>
-                                        <p:tgtEl>
-                                          <p:spTgt spid="3">
-                                            <p:txEl>
-                                              <p:pRg st="8" end="8"/>
                                             </p:txEl>
                                           </p:spTgt>
                                         </p:tgtEl>
@@ -8796,7 +8573,7 @@
           <a:p>
             <a:r>
               <a:rPr lang="en-GB" dirty="0" smtClean="0"/>
-              <a:t>Tackling the problems</a:t>
+              <a:t>Education: University</a:t>
             </a:r>
             <a:endParaRPr lang="en-GB" dirty="0"/>
           </a:p>
@@ -8812,77 +8589,73 @@
             <p:ph idx="1"/>
           </p:nvPr>
         </p:nvSpPr>
-        <p:spPr/>
+        <p:spPr>
+          <a:xfrm>
+            <a:off x="1103312" y="2052918"/>
+            <a:ext cx="9725109" cy="4195481"/>
+          </a:xfrm>
+        </p:spPr>
         <p:txBody>
           <a:bodyPr>
-            <a:normAutofit/>
+            <a:normAutofit fontScale="92500" lnSpcReduction="10000"/>
           </a:bodyPr>
           <a:lstStyle/>
           <a:p>
             <a:r>
               <a:rPr lang="en-GB" dirty="0" smtClean="0"/>
-              <a:t>Stop trying </a:t>
-            </a:r>
-            <a:r>
-              <a:rPr lang="en-GB" dirty="0"/>
-              <a:t>to </a:t>
-            </a:r>
-            <a:r>
-              <a:rPr lang="en-GB" dirty="0" smtClean="0"/>
-              <a:t>mollycoddle students</a:t>
+              <a:t>Computer architecture / low level topics often perceived as the hardest</a:t>
+            </a:r>
+          </a:p>
+          <a:p>
+            <a:r>
+              <a:rPr lang="en-GB" dirty="0" smtClean="0"/>
+              <a:t>Closely linked to compilers and hardware </a:t>
             </a:r>
           </a:p>
           <a:p>
             <a:pPr lvl="1"/>
             <a:r>
               <a:rPr lang="en-GB" dirty="0" smtClean="0"/>
-              <a:t>Let them wreck some hardware with bad software</a:t>
+              <a:t>But taught separately! </a:t>
             </a:r>
           </a:p>
           <a:p>
             <a:pPr lvl="1"/>
             <a:r>
               <a:rPr lang="en-GB" dirty="0" smtClean="0"/>
-              <a:t>Let them hack (in both senses of the word)</a:t>
-            </a:r>
-          </a:p>
-          <a:p>
-            <a:r>
-              <a:rPr lang="en-GB" dirty="0" smtClean="0"/>
-              <a:t>Introduce low-level ideas in a more relevant context : IoT</a:t>
-            </a:r>
-          </a:p>
-          <a:p>
-            <a:r>
-              <a:rPr lang="en-GB" dirty="0" smtClean="0"/>
-              <a:t>Start teaching practical low-level/OS dev not just theory! </a:t>
+              <a:t>Hardware is often only covered by CSE / EE courses and not any in CS!</a:t>
             </a:r>
           </a:p>
           <a:p>
             <a:pPr lvl="1"/>
             <a:r>
               <a:rPr lang="en-GB" dirty="0" smtClean="0"/>
-              <a:t>Most computer architecture and OS stuff is never actually implemented by students</a:t>
+              <a:t>Compilers taught totally independently – no cross linking of topics</a:t>
+            </a:r>
+          </a:p>
+          <a:p>
+            <a:r>
+              <a:rPr lang="en-GB" dirty="0" smtClean="0"/>
+              <a:t>Little to no follow-through modules</a:t>
+            </a:r>
+          </a:p>
+          <a:p>
+            <a:r>
+              <a:rPr lang="en-GB" dirty="0" smtClean="0"/>
+              <a:t>Little to no emphasis on why low level understanding is important</a:t>
             </a:r>
           </a:p>
           <a:p>
             <a:pPr lvl="1"/>
             <a:r>
               <a:rPr lang="en-GB" dirty="0" smtClean="0"/>
-              <a:t>Hands-on development makes it easier to understand / visualise</a:t>
-            </a:r>
-          </a:p>
-          <a:p>
-            <a:pPr lvl="1"/>
-            <a:r>
-              <a:rPr lang="en-GB" dirty="0" smtClean="0"/>
-              <a:t>Hands-on makes it interesting and students can extend their work</a:t>
-            </a:r>
-          </a:p>
-          <a:p>
-            <a:r>
-              <a:rPr lang="en-GB" dirty="0" smtClean="0"/>
-              <a:t>Start pointing out the links between high and low level</a:t>
+              <a:t>And/or useful!</a:t>
+            </a:r>
+          </a:p>
+          <a:p>
+            <a:r>
+              <a:rPr lang="en-GB" dirty="0" smtClean="0"/>
+              <a:t>Wide perception that high level dev is the only worthwhile career path</a:t>
             </a:r>
             <a:endParaRPr lang="en-GB" dirty="0"/>
           </a:p>
@@ -8891,7 +8664,7 @@
     </p:spTree>
     <p:extLst>
       <p:ext uri="{BB962C8B-B14F-4D97-AF65-F5344CB8AC3E}">
-        <p14:creationId xmlns:p14="http://schemas.microsoft.com/office/powerpoint/2010/main" val="873230993"/>
+        <p14:creationId xmlns:p14="http://schemas.microsoft.com/office/powerpoint/2010/main" val="1600419224"/>
       </p:ext>
     </p:extLst>
   </p:cSld>
@@ -8961,15 +8734,33 @@
                                   </p:childTnLst>
                                 </p:cTn>
                               </p:par>
+                            </p:childTnLst>
+                          </p:cTn>
+                        </p:par>
+                      </p:childTnLst>
+                    </p:cTn>
+                  </p:par>
+                  <p:par>
+                    <p:cTn id="8" fill="hold">
+                      <p:stCondLst>
+                        <p:cond delay="indefinite"/>
+                      </p:stCondLst>
+                      <p:childTnLst>
+                        <p:par>
+                          <p:cTn id="9" fill="hold">
+                            <p:stCondLst>
+                              <p:cond delay="0"/>
+                            </p:stCondLst>
+                            <p:childTnLst>
                               <p:par>
-                                <p:cTn id="8" presetID="10" presetClass="entr" presetSubtype="0" fill="hold" grpId="0" nodeType="withEffect">
+                                <p:cTn id="10" presetID="10" presetClass="entr" presetSubtype="0" fill="hold" grpId="0" nodeType="clickEffect">
                                   <p:stCondLst>
                                     <p:cond delay="0"/>
                                   </p:stCondLst>
                                   <p:childTnLst>
                                     <p:set>
                                       <p:cBhvr>
-                                        <p:cTn id="9" dur="1" fill="hold">
+                                        <p:cTn id="11" dur="1" fill="hold">
                                           <p:stCondLst>
                                             <p:cond delay="0"/>
                                           </p:stCondLst>
@@ -8991,7 +8782,7 @@
                                     </p:set>
                                     <p:animEffect transition="in" filter="fade">
                                       <p:cBhvr>
-                                        <p:cTn id="10" dur="500"/>
+                                        <p:cTn id="12" dur="500"/>
                                         <p:tgtEl>
                                           <p:spTgt spid="3">
                                             <p:txEl>
@@ -9005,14 +8796,14 @@
                                 </p:cTn>
                               </p:par>
                               <p:par>
-                                <p:cTn id="11" presetID="10" presetClass="entr" presetSubtype="0" fill="hold" grpId="0" nodeType="withEffect">
+                                <p:cTn id="13" presetID="10" presetClass="entr" presetSubtype="0" fill="hold" grpId="0" nodeType="withEffect">
                                   <p:stCondLst>
                                     <p:cond delay="0"/>
                                   </p:stCondLst>
                                   <p:childTnLst>
                                     <p:set>
                                       <p:cBhvr>
-                                        <p:cTn id="12" dur="1" fill="hold">
+                                        <p:cTn id="14" dur="1" fill="hold">
                                           <p:stCondLst>
                                             <p:cond delay="0"/>
                                           </p:stCondLst>
@@ -9034,11 +8825,97 @@
                                     </p:set>
                                     <p:animEffect transition="in" filter="fade">
                                       <p:cBhvr>
-                                        <p:cTn id="13" dur="500"/>
+                                        <p:cTn id="15" dur="500"/>
                                         <p:tgtEl>
                                           <p:spTgt spid="3">
                                             <p:txEl>
                                               <p:pRg st="2" end="2"/>
+                                            </p:txEl>
+                                          </p:spTgt>
+                                        </p:tgtEl>
+                                      </p:cBhvr>
+                                    </p:animEffect>
+                                  </p:childTnLst>
+                                </p:cTn>
+                              </p:par>
+                              <p:par>
+                                <p:cTn id="16" presetID="10" presetClass="entr" presetSubtype="0" fill="hold" grpId="0" nodeType="withEffect">
+                                  <p:stCondLst>
+                                    <p:cond delay="0"/>
+                                  </p:stCondLst>
+                                  <p:childTnLst>
+                                    <p:set>
+                                      <p:cBhvr>
+                                        <p:cTn id="17" dur="1" fill="hold">
+                                          <p:stCondLst>
+                                            <p:cond delay="0"/>
+                                          </p:stCondLst>
+                                        </p:cTn>
+                                        <p:tgtEl>
+                                          <p:spTgt spid="3">
+                                            <p:txEl>
+                                              <p:pRg st="3" end="3"/>
+                                            </p:txEl>
+                                          </p:spTgt>
+                                        </p:tgtEl>
+                                        <p:attrNameLst>
+                                          <p:attrName>style.visibility</p:attrName>
+                                        </p:attrNameLst>
+                                      </p:cBhvr>
+                                      <p:to>
+                                        <p:strVal val="visible"/>
+                                      </p:to>
+                                    </p:set>
+                                    <p:animEffect transition="in" filter="fade">
+                                      <p:cBhvr>
+                                        <p:cTn id="18" dur="500"/>
+                                        <p:tgtEl>
+                                          <p:spTgt spid="3">
+                                            <p:txEl>
+                                              <p:pRg st="3" end="3"/>
+                                            </p:txEl>
+                                          </p:spTgt>
+                                        </p:tgtEl>
+                                      </p:cBhvr>
+                                    </p:animEffect>
+                                  </p:childTnLst>
+                                </p:cTn>
+                              </p:par>
+                              <p:par>
+                                <p:cTn id="19" presetID="10" presetClass="entr" presetSubtype="0" fill="hold" grpId="0" nodeType="withEffect">
+                                  <p:stCondLst>
+                                    <p:cond delay="0"/>
+                                  </p:stCondLst>
+                                  <p:childTnLst>
+                                    <p:set>
+                                      <p:cBhvr>
+                                        <p:cTn id="20" dur="1" fill="hold">
+                                          <p:stCondLst>
+                                            <p:cond delay="0"/>
+                                          </p:stCondLst>
+                                        </p:cTn>
+                                        <p:tgtEl>
+                                          <p:spTgt spid="3">
+                                            <p:txEl>
+                                              <p:pRg st="4" end="4"/>
+                                            </p:txEl>
+                                          </p:spTgt>
+                                        </p:tgtEl>
+                                        <p:attrNameLst>
+                                          <p:attrName>style.visibility</p:attrName>
+                                        </p:attrNameLst>
+                                      </p:cBhvr>
+                                      <p:to>
+                                        <p:strVal val="visible"/>
+                                      </p:to>
+                                    </p:set>
+                                    <p:animEffect transition="in" filter="fade">
+                                      <p:cBhvr>
+                                        <p:cTn id="21" dur="500"/>
+                                        <p:tgtEl>
+                                          <p:spTgt spid="3">
+                                            <p:txEl>
+                                              <p:pRg st="4" end="4"/>
                                             </p:txEl>
                                           </p:spTgt>
                                         </p:tgtEl>
@@ -9054,26 +8931,26 @@
                     </p:cTn>
                   </p:par>
                   <p:par>
-                    <p:cTn id="14" fill="hold">
+                    <p:cTn id="22" fill="hold">
                       <p:stCondLst>
                         <p:cond delay="indefinite"/>
                       </p:stCondLst>
                       <p:childTnLst>
                         <p:par>
-                          <p:cTn id="15" fill="hold">
+                          <p:cTn id="23" fill="hold">
                             <p:stCondLst>
                               <p:cond delay="0"/>
                             </p:stCondLst>
                             <p:childTnLst>
                               <p:par>
-                                <p:cTn id="16" presetID="10" presetClass="entr" presetSubtype="0" fill="hold" grpId="0" nodeType="clickEffect">
+                                <p:cTn id="24" presetID="10" presetClass="entr" presetSubtype="0" fill="hold" grpId="0" nodeType="clickEffect">
                                   <p:stCondLst>
                                     <p:cond delay="0"/>
                                   </p:stCondLst>
                                   <p:childTnLst>
                                     <p:set>
                                       <p:cBhvr>
-                                        <p:cTn id="17" dur="1" fill="hold">
+                                        <p:cTn id="25" dur="1" fill="hold">
                                           <p:stCondLst>
                                             <p:cond delay="0"/>
                                           </p:stCondLst>
@@ -9081,7 +8958,7 @@
                                         <p:tgtEl>
                                           <p:spTgt spid="3">
                                             <p:txEl>
-                                              <p:pRg st="3" end="3"/>
+                                              <p:pRg st="5" end="5"/>
                                             </p:txEl>
                                           </p:spTgt>
                                         </p:tgtEl>
@@ -9095,11 +8972,11 @@
                                     </p:set>
                                     <p:animEffect transition="in" filter="fade">
                                       <p:cBhvr>
-                                        <p:cTn id="18" dur="500"/>
-                                        <p:tgtEl>
-                                          <p:spTgt spid="3">
-                                            <p:txEl>
-                                              <p:pRg st="3" end="3"/>
+                                        <p:cTn id="26" dur="500"/>
+                                        <p:tgtEl>
+                                          <p:spTgt spid="3">
+                                            <p:txEl>
+                                              <p:pRg st="5" end="5"/>
                                             </p:txEl>
                                           </p:spTgt>
                                         </p:tgtEl>
@@ -9115,26 +8992,26 @@
                     </p:cTn>
                   </p:par>
                   <p:par>
-                    <p:cTn id="19" fill="hold">
+                    <p:cTn id="27" fill="hold">
                       <p:stCondLst>
                         <p:cond delay="indefinite"/>
                       </p:stCondLst>
                       <p:childTnLst>
                         <p:par>
-                          <p:cTn id="20" fill="hold">
+                          <p:cTn id="28" fill="hold">
                             <p:stCondLst>
                               <p:cond delay="0"/>
                             </p:stCondLst>
                             <p:childTnLst>
                               <p:par>
-                                <p:cTn id="21" presetID="10" presetClass="entr" presetSubtype="0" fill="hold" grpId="0" nodeType="clickEffect">
+                                <p:cTn id="29" presetID="10" presetClass="entr" presetSubtype="0" fill="hold" grpId="0" nodeType="clickEffect">
                                   <p:stCondLst>
                                     <p:cond delay="0"/>
                                   </p:stCondLst>
                                   <p:childTnLst>
                                     <p:set>
                                       <p:cBhvr>
-                                        <p:cTn id="22" dur="1" fill="hold">
+                                        <p:cTn id="30" dur="1" fill="hold">
                                           <p:stCondLst>
                                             <p:cond delay="0"/>
                                           </p:stCondLst>
@@ -9142,7 +9019,7 @@
                                         <p:tgtEl>
                                           <p:spTgt spid="3">
                                             <p:txEl>
-                                              <p:pRg st="4" end="4"/>
+                                              <p:pRg st="6" end="6"/>
                                             </p:txEl>
                                           </p:spTgt>
                                         </p:tgtEl>
@@ -9156,11 +9033,11 @@
                                     </p:set>
                                     <p:animEffect transition="in" filter="fade">
                                       <p:cBhvr>
-                                        <p:cTn id="23" dur="500"/>
-                                        <p:tgtEl>
-                                          <p:spTgt spid="3">
-                                            <p:txEl>
-                                              <p:pRg st="4" end="4"/>
+                                        <p:cTn id="31" dur="500"/>
+                                        <p:tgtEl>
+                                          <p:spTgt spid="3">
+                                            <p:txEl>
+                                              <p:pRg st="6" end="6"/>
                                             </p:txEl>
                                           </p:spTgt>
                                         </p:tgtEl>
@@ -9170,14 +9047,14 @@
                                 </p:cTn>
                               </p:par>
                               <p:par>
-                                <p:cTn id="24" presetID="10" presetClass="entr" presetSubtype="0" fill="hold" grpId="0" nodeType="withEffect">
+                                <p:cTn id="32" presetID="10" presetClass="entr" presetSubtype="0" fill="hold" grpId="0" nodeType="withEffect">
                                   <p:stCondLst>
                                     <p:cond delay="0"/>
                                   </p:stCondLst>
                                   <p:childTnLst>
                                     <p:set>
                                       <p:cBhvr>
-                                        <p:cTn id="25" dur="1" fill="hold">
+                                        <p:cTn id="33" dur="1" fill="hold">
                                           <p:stCondLst>
                                             <p:cond delay="0"/>
                                           </p:stCondLst>
@@ -9185,7 +9062,7 @@
                                         <p:tgtEl>
                                           <p:spTgt spid="3">
                                             <p:txEl>
-                                              <p:pRg st="5" end="5"/>
+                                              <p:pRg st="7" end="7"/>
                                             </p:txEl>
                                           </p:spTgt>
                                         </p:tgtEl>
@@ -9199,93 +9076,7 @@
                                     </p:set>
                                     <p:animEffect transition="in" filter="fade">
                                       <p:cBhvr>
-                                        <p:cTn id="26" dur="500"/>
-                                        <p:tgtEl>
-                                          <p:spTgt spid="3">
-                                            <p:txEl>
-                                              <p:pRg st="5" end="5"/>
-                                            </p:txEl>
-                                          </p:spTgt>
-                                        </p:tgtEl>
-                                      </p:cBhvr>
-                                    </p:animEffect>
-                                  </p:childTnLst>
-                                </p:cTn>
-                              </p:par>
-                              <p:par>
-                                <p:cTn id="27" presetID="10" presetClass="entr" presetSubtype="0" fill="hold" grpId="0" nodeType="withEffect">
-                                  <p:stCondLst>
-                                    <p:cond delay="0"/>
-                                  </p:stCondLst>
-                                  <p:childTnLst>
-                                    <p:set>
-                                      <p:cBhvr>
-                                        <p:cTn id="28" dur="1" fill="hold">
-                                          <p:stCondLst>
-                                            <p:cond delay="0"/>
-                                          </p:stCondLst>
-                                        </p:cTn>
-                                        <p:tgtEl>
-                                          <p:spTgt spid="3">
-                                            <p:txEl>
-                                              <p:pRg st="6" end="6"/>
-                                            </p:txEl>
-                                          </p:spTgt>
-                                        </p:tgtEl>
-                                        <p:attrNameLst>
-                                          <p:attrName>style.visibility</p:attrName>
-                                        </p:attrNameLst>
-                                      </p:cBhvr>
-                                      <p:to>
-                                        <p:strVal val="visible"/>
-                                      </p:to>
-                                    </p:set>
-                                    <p:animEffect transition="in" filter="fade">
-                                      <p:cBhvr>
-                                        <p:cTn id="29" dur="500"/>
-                                        <p:tgtEl>
-                                          <p:spTgt spid="3">
-                                            <p:txEl>
-                                              <p:pRg st="6" end="6"/>
-                                            </p:txEl>
-                                          </p:spTgt>
-                                        </p:tgtEl>
-                                      </p:cBhvr>
-                                    </p:animEffect>
-                                  </p:childTnLst>
-                                </p:cTn>
-                              </p:par>
-                              <p:par>
-                                <p:cTn id="30" presetID="10" presetClass="entr" presetSubtype="0" fill="hold" grpId="0" nodeType="withEffect">
-                                  <p:stCondLst>
-                                    <p:cond delay="0"/>
-                                  </p:stCondLst>
-                                  <p:childTnLst>
-                                    <p:set>
-                                      <p:cBhvr>
-                                        <p:cTn id="31" dur="1" fill="hold">
-                                          <p:stCondLst>
-                                            <p:cond delay="0"/>
-                                          </p:stCondLst>
-                                        </p:cTn>
-                                        <p:tgtEl>
-                                          <p:spTgt spid="3">
-                                            <p:txEl>
-                                              <p:pRg st="7" end="7"/>
-                                            </p:txEl>
-                                          </p:spTgt>
-                                        </p:tgtEl>
-                                        <p:attrNameLst>
-                                          <p:attrName>style.visibility</p:attrName>
-                                        </p:attrNameLst>
-                                      </p:cBhvr>
-                                      <p:to>
-                                        <p:strVal val="visible"/>
-                                      </p:to>
-                                    </p:set>
-                                    <p:animEffect transition="in" filter="fade">
-                                      <p:cBhvr>
-                                        <p:cTn id="32" dur="500"/>
+                                        <p:cTn id="34" dur="500"/>
                                         <p:tgtEl>
                                           <p:spTgt spid="3">
                                             <p:txEl>
@@ -9305,26 +9096,26 @@
                     </p:cTn>
                   </p:par>
                   <p:par>
-                    <p:cTn id="33" fill="hold">
+                    <p:cTn id="35" fill="hold">
                       <p:stCondLst>
                         <p:cond delay="indefinite"/>
                       </p:stCondLst>
                       <p:childTnLst>
                         <p:par>
-                          <p:cTn id="34" fill="hold">
+                          <p:cTn id="36" fill="hold">
                             <p:stCondLst>
                               <p:cond delay="0"/>
                             </p:stCondLst>
                             <p:childTnLst>
                               <p:par>
-                                <p:cTn id="35" presetID="10" presetClass="entr" presetSubtype="0" fill="hold" grpId="0" nodeType="clickEffect">
+                                <p:cTn id="37" presetID="10" presetClass="entr" presetSubtype="0" fill="hold" grpId="0" nodeType="clickEffect">
                                   <p:stCondLst>
                                     <p:cond delay="0"/>
                                   </p:stCondLst>
                                   <p:childTnLst>
                                     <p:set>
                                       <p:cBhvr>
-                                        <p:cTn id="36" dur="1" fill="hold">
+                                        <p:cTn id="38" dur="1" fill="hold">
                                           <p:stCondLst>
                                             <p:cond delay="0"/>
                                           </p:stCondLst>
@@ -9346,7 +9137,7 @@
                                     </p:set>
                                     <p:animEffect transition="in" filter="fade">
                                       <p:cBhvr>
-                                        <p:cTn id="37" dur="500"/>
+                                        <p:cTn id="39" dur="500"/>
                                         <p:tgtEl>
                                           <p:spTgt spid="3">
                                             <p:txEl>
@@ -9427,7 +9218,7 @@
           <a:p>
             <a:r>
               <a:rPr lang="en-GB" dirty="0" smtClean="0"/>
-              <a:t>What already exists</a:t>
+              <a:t>Tackling the problems</a:t>
             </a:r>
             <a:endParaRPr lang="en-GB" dirty="0"/>
           </a:p>
@@ -9446,89 +9237,83 @@
         <p:spPr/>
         <p:txBody>
           <a:bodyPr>
-            <a:normAutofit lnSpcReduction="10000"/>
+            <a:normAutofit/>
           </a:bodyPr>
           <a:lstStyle/>
           <a:p>
             <a:r>
               <a:rPr lang="en-GB" dirty="0" smtClean="0"/>
-              <a:t>Some University courses</a:t>
-            </a:r>
-          </a:p>
-          <a:p>
-            <a:r>
-              <a:rPr lang="en-GB" dirty="0" err="1" smtClean="0"/>
-              <a:t>Minix</a:t>
-            </a:r>
-            <a:r>
-              <a:rPr lang="en-GB" dirty="0" smtClean="0"/>
-              <a:t>? </a:t>
+              <a:t>Stop trying </a:t>
+            </a:r>
+            <a:r>
+              <a:rPr lang="en-GB" dirty="0"/>
+              <a:t>to </a:t>
+            </a:r>
+            <a:r>
+              <a:rPr lang="en-GB" dirty="0" smtClean="0"/>
+              <a:t>mollycoddle students</a:t>
             </a:r>
           </a:p>
           <a:p>
             <a:pPr lvl="1"/>
             <a:r>
               <a:rPr lang="en-GB" dirty="0" smtClean="0"/>
-              <a:t>Dead as an educational aid now</a:t>
-            </a:r>
-          </a:p>
-          <a:p>
-            <a:r>
-              <a:rPr lang="en-GB" dirty="0" smtClean="0"/>
-              <a:t>Raspberry Pi, BBC </a:t>
-            </a:r>
-            <a:r>
-              <a:rPr lang="en-GB" dirty="0" err="1" smtClean="0"/>
-              <a:t>Microbit</a:t>
+              <a:t>Let them wreck some hardware with bad software</a:t>
+            </a:r>
+          </a:p>
+          <a:p>
+            <a:pPr lvl="1"/>
+            <a:r>
+              <a:rPr lang="en-GB" dirty="0" smtClean="0"/>
+              <a:t>Let them hack (in both senses of the word)</a:t>
+            </a:r>
+          </a:p>
+          <a:p>
+            <a:r>
+              <a:rPr lang="en-GB" dirty="0" smtClean="0"/>
+              <a:t>Introduce low-level ideas in a more relevant context : IoT</a:t>
+            </a:r>
+          </a:p>
+          <a:p>
+            <a:r>
+              <a:rPr lang="en-GB" dirty="0" smtClean="0"/>
+              <a:t>Start teaching practical low-level/OS dev not just theory! </a:t>
+            </a:r>
+          </a:p>
+          <a:p>
+            <a:pPr lvl="1"/>
+            <a:r>
+              <a:rPr lang="en-GB" dirty="0" smtClean="0"/>
+              <a:t>Most computer architecture and OS stuff is never actually implemented by students</a:t>
+            </a:r>
+          </a:p>
+          <a:p>
+            <a:pPr lvl="1"/>
+            <a:r>
+              <a:rPr lang="en-GB" dirty="0" smtClean="0"/>
+              <a:t>Hands-on development makes it easier to understand / visualise</a:t>
+            </a:r>
+          </a:p>
+          <a:p>
+            <a:pPr lvl="1"/>
+            <a:r>
+              <a:rPr lang="en-GB" dirty="0" smtClean="0"/>
+              <a:t>Hands-on makes it interesting and students can extend their work</a:t>
+            </a:r>
+          </a:p>
+          <a:p>
+            <a:r>
+              <a:rPr lang="en-GB" dirty="0" smtClean="0"/>
+              <a:t>Start pointing out the links between high and low level</a:t>
             </a:r>
             <a:endParaRPr lang="en-GB" dirty="0"/>
-          </a:p>
-          <a:p>
-            <a:r>
-              <a:rPr lang="en-GB" dirty="0" smtClean="0"/>
-              <a:t>Websites: </a:t>
-            </a:r>
-          </a:p>
-          <a:p>
-            <a:pPr lvl="1"/>
-            <a:r>
-              <a:rPr lang="en-GB" dirty="0" smtClean="0"/>
-              <a:t>OSDev.org, </a:t>
-            </a:r>
-          </a:p>
-          <a:p>
-            <a:pPr lvl="1"/>
-            <a:r>
-              <a:rPr lang="en-GB" dirty="0" smtClean="0"/>
-              <a:t>OSDever.net, </a:t>
-            </a:r>
-          </a:p>
-          <a:p>
-            <a:pPr lvl="1"/>
-            <a:r>
-              <a:rPr lang="en-GB" dirty="0" smtClean="0"/>
-              <a:t>JamesMolloy.co.uk, </a:t>
-            </a:r>
-          </a:p>
-          <a:p>
-            <a:pPr lvl="1"/>
-            <a:r>
-              <a:rPr lang="en-GB" dirty="0" smtClean="0"/>
-              <a:t>littleosbook.github.io</a:t>
-            </a:r>
-          </a:p>
-          <a:p>
-            <a:r>
-              <a:rPr lang="en-GB" dirty="0" smtClean="0"/>
-              <a:t>Books</a:t>
-            </a:r>
           </a:p>
         </p:txBody>
       </p:sp>
     </p:spTree>
     <p:extLst>
       <p:ext uri="{BB962C8B-B14F-4D97-AF65-F5344CB8AC3E}">
-        <p14:creationId xmlns:p14="http://schemas.microsoft.com/office/powerpoint/2010/main" val="2276420644"/>
+        <p14:creationId xmlns:p14="http://schemas.microsoft.com/office/powerpoint/2010/main" val="873230993"/>
       </p:ext>
     </p:extLst>
   </p:cSld>
@@ -9598,33 +9383,15 @@
                                   </p:childTnLst>
                                 </p:cTn>
                               </p:par>
-                            </p:childTnLst>
-                          </p:cTn>
-                        </p:par>
-                      </p:childTnLst>
-                    </p:cTn>
-                  </p:par>
-                  <p:par>
-                    <p:cTn id="8" fill="hold">
-                      <p:stCondLst>
-                        <p:cond delay="indefinite"/>
-                      </p:stCondLst>
-                      <p:childTnLst>
-                        <p:par>
-                          <p:cTn id="9" fill="hold">
-                            <p:stCondLst>
-                              <p:cond delay="0"/>
-                            </p:stCondLst>
-                            <p:childTnLst>
                               <p:par>
-                                <p:cTn id="10" presetID="10" presetClass="entr" presetSubtype="0" fill="hold" grpId="0" nodeType="clickEffect">
+                                <p:cTn id="8" presetID="10" presetClass="entr" presetSubtype="0" fill="hold" grpId="0" nodeType="withEffect">
                                   <p:stCondLst>
                                     <p:cond delay="0"/>
                                   </p:stCondLst>
                                   <p:childTnLst>
                                     <p:set>
                                       <p:cBhvr>
-                                        <p:cTn id="11" dur="1" fill="hold">
+                                        <p:cTn id="9" dur="1" fill="hold">
                                           <p:stCondLst>
                                             <p:cond delay="0"/>
                                           </p:stCondLst>
@@ -9646,7 +9413,7 @@
                                     </p:set>
                                     <p:animEffect transition="in" filter="fade">
                                       <p:cBhvr>
-                                        <p:cTn id="12" dur="500"/>
+                                        <p:cTn id="10" dur="500"/>
                                         <p:tgtEl>
                                           <p:spTgt spid="3">
                                             <p:txEl>
@@ -9660,14 +9427,14 @@
                                 </p:cTn>
                               </p:par>
                               <p:par>
-                                <p:cTn id="13" presetID="10" presetClass="entr" presetSubtype="0" fill="hold" grpId="0" nodeType="withEffect">
+                                <p:cTn id="11" presetID="10" presetClass="entr" presetSubtype="0" fill="hold" grpId="0" nodeType="withEffect">
                                   <p:stCondLst>
                                     <p:cond delay="0"/>
                                   </p:stCondLst>
                                   <p:childTnLst>
                                     <p:set>
                                       <p:cBhvr>
-                                        <p:cTn id="14" dur="1" fill="hold">
+                                        <p:cTn id="12" dur="1" fill="hold">
                                           <p:stCondLst>
                                             <p:cond delay="0"/>
                                           </p:stCondLst>
@@ -9689,7 +9456,7 @@
                                     </p:set>
                                     <p:animEffect transition="in" filter="fade">
                                       <p:cBhvr>
-                                        <p:cTn id="15" dur="500"/>
+                                        <p:cTn id="13" dur="500"/>
                                         <p:tgtEl>
                                           <p:spTgt spid="3">
                                             <p:txEl>
@@ -9709,26 +9476,26 @@
                     </p:cTn>
                   </p:par>
                   <p:par>
-                    <p:cTn id="16" fill="hold">
+                    <p:cTn id="14" fill="hold">
                       <p:stCondLst>
                         <p:cond delay="indefinite"/>
                       </p:stCondLst>
                       <p:childTnLst>
                         <p:par>
-                          <p:cTn id="17" fill="hold">
+                          <p:cTn id="15" fill="hold">
                             <p:stCondLst>
                               <p:cond delay="0"/>
                             </p:stCondLst>
                             <p:childTnLst>
                               <p:par>
-                                <p:cTn id="18" presetID="10" presetClass="entr" presetSubtype="0" fill="hold" grpId="0" nodeType="clickEffect">
+                                <p:cTn id="16" presetID="10" presetClass="entr" presetSubtype="0" fill="hold" grpId="0" nodeType="clickEffect">
                                   <p:stCondLst>
                                     <p:cond delay="0"/>
                                   </p:stCondLst>
                                   <p:childTnLst>
                                     <p:set>
                                       <p:cBhvr>
-                                        <p:cTn id="19" dur="1" fill="hold">
+                                        <p:cTn id="17" dur="1" fill="hold">
                                           <p:stCondLst>
                                             <p:cond delay="0"/>
                                           </p:stCondLst>
@@ -9750,7 +9517,7 @@
                                     </p:set>
                                     <p:animEffect transition="in" filter="fade">
                                       <p:cBhvr>
-                                        <p:cTn id="20" dur="500"/>
+                                        <p:cTn id="18" dur="500"/>
                                         <p:tgtEl>
                                           <p:spTgt spid="3">
                                             <p:txEl>
@@ -9770,26 +9537,26 @@
                     </p:cTn>
                   </p:par>
                   <p:par>
-                    <p:cTn id="21" fill="hold">
+                    <p:cTn id="19" fill="hold">
                       <p:stCondLst>
                         <p:cond delay="indefinite"/>
                       </p:stCondLst>
                       <p:childTnLst>
                         <p:par>
-                          <p:cTn id="22" fill="hold">
+                          <p:cTn id="20" fill="hold">
                             <p:stCondLst>
                               <p:cond delay="0"/>
                             </p:stCondLst>
                             <p:childTnLst>
                               <p:par>
-                                <p:cTn id="23" presetID="10" presetClass="entr" presetSubtype="0" fill="hold" grpId="0" nodeType="clickEffect">
+                                <p:cTn id="21" presetID="10" presetClass="entr" presetSubtype="0" fill="hold" grpId="0" nodeType="clickEffect">
                                   <p:stCondLst>
                                     <p:cond delay="0"/>
                                   </p:stCondLst>
                                   <p:childTnLst>
                                     <p:set>
                                       <p:cBhvr>
-                                        <p:cTn id="24" dur="1" fill="hold">
+                                        <p:cTn id="22" dur="1" fill="hold">
                                           <p:stCondLst>
                                             <p:cond delay="0"/>
                                           </p:stCondLst>
@@ -9811,7 +9578,7 @@
                                     </p:set>
                                     <p:animEffect transition="in" filter="fade">
                                       <p:cBhvr>
-                                        <p:cTn id="25" dur="500"/>
+                                        <p:cTn id="23" dur="500"/>
                                         <p:tgtEl>
                                           <p:spTgt spid="3">
                                             <p:txEl>
@@ -9825,14 +9592,14 @@
                                 </p:cTn>
                               </p:par>
                               <p:par>
-                                <p:cTn id="26" presetID="10" presetClass="entr" presetSubtype="0" fill="hold" grpId="0" nodeType="withEffect">
+                                <p:cTn id="24" presetID="10" presetClass="entr" presetSubtype="0" fill="hold" grpId="0" nodeType="withEffect">
                                   <p:stCondLst>
                                     <p:cond delay="0"/>
                                   </p:stCondLst>
                                   <p:childTnLst>
                                     <p:set>
                                       <p:cBhvr>
-                                        <p:cTn id="27" dur="1" fill="hold">
+                                        <p:cTn id="25" dur="1" fill="hold">
                                           <p:stCondLst>
                                             <p:cond delay="0"/>
                                           </p:stCondLst>
@@ -9854,7 +9621,7 @@
                                     </p:set>
                                     <p:animEffect transition="in" filter="fade">
                                       <p:cBhvr>
-                                        <p:cTn id="28" dur="500"/>
+                                        <p:cTn id="26" dur="500"/>
                                         <p:tgtEl>
                                           <p:spTgt spid="3">
                                             <p:txEl>
@@ -9868,14 +9635,14 @@
                                 </p:cTn>
                               </p:par>
                               <p:par>
-                                <p:cTn id="29" presetID="10" presetClass="entr" presetSubtype="0" fill="hold" grpId="0" nodeType="withEffect">
+                                <p:cTn id="27" presetID="10" presetClass="entr" presetSubtype="0" fill="hold" grpId="0" nodeType="withEffect">
                                   <p:stCondLst>
                                     <p:cond delay="0"/>
                                   </p:stCondLst>
                                   <p:childTnLst>
                                     <p:set>
                                       <p:cBhvr>
-                                        <p:cTn id="30" dur="1" fill="hold">
+                                        <p:cTn id="28" dur="1" fill="hold">
                                           <p:stCondLst>
                                             <p:cond delay="0"/>
                                           </p:stCondLst>
@@ -9897,7 +9664,7 @@
                                     </p:set>
                                     <p:animEffect transition="in" filter="fade">
                                       <p:cBhvr>
-                                        <p:cTn id="31" dur="500"/>
+                                        <p:cTn id="29" dur="500"/>
                                         <p:tgtEl>
                                           <p:spTgt spid="3">
                                             <p:txEl>
@@ -9911,14 +9678,14 @@
                                 </p:cTn>
                               </p:par>
                               <p:par>
-                                <p:cTn id="32" presetID="10" presetClass="entr" presetSubtype="0" fill="hold" grpId="0" nodeType="withEffect">
+                                <p:cTn id="30" presetID="10" presetClass="entr" presetSubtype="0" fill="hold" grpId="0" nodeType="withEffect">
                                   <p:stCondLst>
                                     <p:cond delay="0"/>
                                   </p:stCondLst>
                                   <p:childTnLst>
                                     <p:set>
                                       <p:cBhvr>
-                                        <p:cTn id="33" dur="1" fill="hold">
+                                        <p:cTn id="31" dur="1" fill="hold">
                                           <p:stCondLst>
                                             <p:cond delay="0"/>
                                           </p:stCondLst>
@@ -9940,54 +9707,11 @@
                                     </p:set>
                                     <p:animEffect transition="in" filter="fade">
                                       <p:cBhvr>
-                                        <p:cTn id="34" dur="500"/>
+                                        <p:cTn id="32" dur="500"/>
                                         <p:tgtEl>
                                           <p:spTgt spid="3">
                                             <p:txEl>
                                               <p:pRg st="7" end="7"/>
-                                            </p:txEl>
-                                          </p:spTgt>
-                                        </p:tgtEl>
-                                      </p:cBhvr>
-                                    </p:animEffect>
-                                  </p:childTnLst>
-                                </p:cTn>
-                              </p:par>
-                              <p:par>
-                                <p:cTn id="35" presetID="10" presetClass="entr" presetSubtype="0" fill="hold" grpId="0" nodeType="withEffect">
-                                  <p:stCondLst>
-                                    <p:cond delay="0"/>
-                                  </p:stCondLst>
-                                  <p:childTnLst>
-                                    <p:set>
-                                      <p:cBhvr>
-                                        <p:cTn id="36" dur="1" fill="hold">
-                                          <p:stCondLst>
-                                            <p:cond delay="0"/>
-                                          </p:stCondLst>
-                                        </p:cTn>
-                                        <p:tgtEl>
-                                          <p:spTgt spid="3">
-                                            <p:txEl>
-                                              <p:pRg st="8" end="8"/>
-                                            </p:txEl>
-                                          </p:spTgt>
-                                        </p:tgtEl>
-                                        <p:attrNameLst>
-                                          <p:attrName>style.visibility</p:attrName>
-                                        </p:attrNameLst>
-                                      </p:cBhvr>
-                                      <p:to>
-                                        <p:strVal val="visible"/>
-                                      </p:to>
-                                    </p:set>
-                                    <p:animEffect transition="in" filter="fade">
-                                      <p:cBhvr>
-                                        <p:cTn id="37" dur="500"/>
-                                        <p:tgtEl>
-                                          <p:spTgt spid="3">
-                                            <p:txEl>
-                                              <p:pRg st="8" end="8"/>
                                             </p:txEl>
                                           </p:spTgt>
                                         </p:tgtEl>
@@ -10003,26 +9727,26 @@
                     </p:cTn>
                   </p:par>
                   <p:par>
-                    <p:cTn id="38" fill="hold">
+                    <p:cTn id="33" fill="hold">
                       <p:stCondLst>
                         <p:cond delay="indefinite"/>
                       </p:stCondLst>
                       <p:childTnLst>
                         <p:par>
-                          <p:cTn id="39" fill="hold">
+                          <p:cTn id="34" fill="hold">
                             <p:stCondLst>
                               <p:cond delay="0"/>
                             </p:stCondLst>
                             <p:childTnLst>
                               <p:par>
-                                <p:cTn id="40" presetID="10" presetClass="entr" presetSubtype="0" fill="hold" grpId="0" nodeType="clickEffect">
+                                <p:cTn id="35" presetID="10" presetClass="entr" presetSubtype="0" fill="hold" grpId="0" nodeType="clickEffect">
                                   <p:stCondLst>
                                     <p:cond delay="0"/>
                                   </p:stCondLst>
                                   <p:childTnLst>
                                     <p:set>
                                       <p:cBhvr>
-                                        <p:cTn id="41" dur="1" fill="hold">
+                                        <p:cTn id="36" dur="1" fill="hold">
                                           <p:stCondLst>
                                             <p:cond delay="0"/>
                                           </p:stCondLst>
@@ -10030,7 +9754,7 @@
                                         <p:tgtEl>
                                           <p:spTgt spid="3">
                                             <p:txEl>
-                                              <p:pRg st="9" end="9"/>
+                                              <p:pRg st="8" end="8"/>
                                             </p:txEl>
                                           </p:spTgt>
                                         </p:tgtEl>
@@ -10044,11 +9768,11 @@
                                     </p:set>
                                     <p:animEffect transition="in" filter="fade">
                                       <p:cBhvr>
-                                        <p:cTn id="42" dur="500"/>
-                                        <p:tgtEl>
-                                          <p:spTgt spid="3">
-                                            <p:txEl>
-                                              <p:pRg st="9" end="9"/>
+                                        <p:cTn id="37" dur="500"/>
+                                        <p:tgtEl>
+                                          <p:spTgt spid="3">
+                                            <p:txEl>
+                                              <p:pRg st="8" end="8"/>
                                             </p:txEl>
                                           </p:spTgt>
                                         </p:tgtEl>
@@ -10125,7 +9849,7 @@
           <a:p>
             <a:r>
               <a:rPr lang="en-GB" dirty="0" smtClean="0"/>
-              <a:t>An alternative approach</a:t>
+              <a:t>What already exists</a:t>
             </a:r>
             <a:endParaRPr lang="en-GB" dirty="0"/>
           </a:p>
@@ -10141,67 +9865,184 @@
             <p:ph idx="1"/>
           </p:nvPr>
         </p:nvSpPr>
-        <p:spPr/>
+        <p:spPr>
+          <a:xfrm>
+            <a:off x="1120000" y="1825624"/>
+            <a:ext cx="10233800" cy="4681707"/>
+          </a:xfrm>
+        </p:spPr>
         <p:txBody>
           <a:bodyPr>
-            <a:normAutofit lnSpcReduction="10000"/>
+            <a:normAutofit fontScale="62500" lnSpcReduction="20000"/>
           </a:bodyPr>
           <a:lstStyle/>
           <a:p>
             <a:r>
               <a:rPr lang="en-GB" dirty="0" smtClean="0"/>
-              <a:t>Teach from high to low</a:t>
-            </a:r>
-          </a:p>
-          <a:p>
-            <a:endParaRPr lang="en-GB" dirty="0"/>
-          </a:p>
-          <a:p>
-            <a:r>
-              <a:rPr lang="en-GB" dirty="0" smtClean="0"/>
-              <a:t>Stop presenting low-level as a separate / totally new thing</a:t>
-            </a:r>
-          </a:p>
-          <a:p>
-            <a:r>
-              <a:rPr lang="en-GB" dirty="0" smtClean="0"/>
-              <a:t>Use high-level languages and concepts as introduction</a:t>
-            </a:r>
-          </a:p>
-          <a:p>
-            <a:r>
-              <a:rPr lang="en-GB" dirty="0" smtClean="0"/>
-              <a:t>Move into C/C++ later on / alongside</a:t>
-            </a:r>
-          </a:p>
-          <a:p>
-            <a:endParaRPr lang="en-GB" dirty="0"/>
-          </a:p>
-          <a:p>
-            <a:r>
-              <a:rPr lang="en-GB" dirty="0" smtClean="0"/>
-              <a:t>Increases interest and relevance</a:t>
-            </a:r>
-          </a:p>
-          <a:p>
-            <a:r>
-              <a:rPr lang="en-GB" dirty="0" smtClean="0"/>
-              <a:t>Decreases barriers / makes it easier for students</a:t>
-            </a:r>
-          </a:p>
-          <a:p>
-            <a:r>
-              <a:rPr lang="en-GB" dirty="0" smtClean="0"/>
-              <a:t>Allows C (and ASM and compilers) to be taught alongside</a:t>
-            </a:r>
-            <a:endParaRPr lang="en-GB" dirty="0"/>
+              <a:t>Some University </a:t>
+            </a:r>
+            <a:r>
+              <a:rPr lang="en-GB" dirty="0" smtClean="0"/>
+              <a:t>courses</a:t>
+            </a:r>
+          </a:p>
+          <a:p>
+            <a:pPr lvl="1"/>
+            <a:r>
+              <a:rPr lang="en-GB" dirty="0" smtClean="0"/>
+              <a:t>Columbia University</a:t>
+            </a:r>
+          </a:p>
+          <a:p>
+            <a:pPr lvl="1"/>
+            <a:r>
+              <a:rPr lang="en-GB" dirty="0" smtClean="0"/>
+              <a:t>Stanford University</a:t>
+            </a:r>
+            <a:endParaRPr lang="en-GB" dirty="0" smtClean="0"/>
+          </a:p>
+          <a:p>
+            <a:r>
+              <a:rPr lang="en-GB" dirty="0" smtClean="0"/>
+              <a:t>Software:</a:t>
+            </a:r>
+          </a:p>
+          <a:p>
+            <a:pPr lvl="1"/>
+            <a:r>
+              <a:rPr lang="en-GB" dirty="0" err="1" smtClean="0"/>
+              <a:t>Minix</a:t>
+            </a:r>
+            <a:r>
+              <a:rPr lang="en-GB" dirty="0" smtClean="0"/>
+              <a:t>? </a:t>
+            </a:r>
+            <a:r>
+              <a:rPr lang="en-GB" dirty="0" smtClean="0"/>
+              <a:t>Largely dead </a:t>
+            </a:r>
+            <a:r>
+              <a:rPr lang="en-GB" dirty="0" smtClean="0"/>
+              <a:t>as an educational aid </a:t>
+            </a:r>
+            <a:r>
+              <a:rPr lang="en-GB" dirty="0" smtClean="0"/>
+              <a:t>now</a:t>
+            </a:r>
+          </a:p>
+          <a:p>
+            <a:pPr lvl="1"/>
+            <a:r>
+              <a:rPr lang="en-GB" dirty="0" smtClean="0"/>
+              <a:t>Linux? If you fancy it (but most academics don’t like it, neither do I)</a:t>
+            </a:r>
+            <a:endParaRPr lang="en-GB" dirty="0" smtClean="0"/>
+          </a:p>
+          <a:p>
+            <a:pPr lvl="1"/>
+            <a:r>
+              <a:rPr lang="en-GB" dirty="0" smtClean="0"/>
+              <a:t>Others? </a:t>
+            </a:r>
+          </a:p>
+          <a:p>
+            <a:r>
+              <a:rPr lang="en-GB" dirty="0"/>
+              <a:t>Hardware:</a:t>
+            </a:r>
+          </a:p>
+          <a:p>
+            <a:pPr lvl="1"/>
+            <a:r>
+              <a:rPr lang="en-GB" dirty="0"/>
+              <a:t>MIPS FPGA (Imagination Technologies</a:t>
+            </a:r>
+            <a:r>
+              <a:rPr lang="en-GB" dirty="0" smtClean="0"/>
+              <a:t>)</a:t>
+            </a:r>
+            <a:endParaRPr lang="en-GB" dirty="0" smtClean="0"/>
+          </a:p>
+          <a:p>
+            <a:pPr lvl="1"/>
+            <a:r>
+              <a:rPr lang="en-GB" dirty="0" smtClean="0"/>
+              <a:t>Raspberry </a:t>
+            </a:r>
+            <a:r>
+              <a:rPr lang="en-GB" dirty="0" smtClean="0"/>
+              <a:t>Pi (ARM), </a:t>
+            </a:r>
+          </a:p>
+          <a:p>
+            <a:pPr lvl="1"/>
+            <a:r>
+              <a:rPr lang="en-GB" dirty="0" err="1" smtClean="0"/>
+              <a:t>Microbit</a:t>
+            </a:r>
+            <a:r>
+              <a:rPr lang="en-GB" dirty="0" smtClean="0"/>
+              <a:t> (BBC) </a:t>
+            </a:r>
+          </a:p>
+          <a:p>
+            <a:r>
+              <a:rPr lang="en-GB" dirty="0" smtClean="0"/>
+              <a:t>Websites</a:t>
+            </a:r>
+            <a:r>
+              <a:rPr lang="en-GB" dirty="0" smtClean="0"/>
+              <a:t>: </a:t>
+            </a:r>
+          </a:p>
+          <a:p>
+            <a:pPr lvl="1"/>
+            <a:r>
+              <a:rPr lang="en-GB" dirty="0" smtClean="0"/>
+              <a:t>OSDev.org, </a:t>
+            </a:r>
+          </a:p>
+          <a:p>
+            <a:pPr lvl="1"/>
+            <a:r>
+              <a:rPr lang="en-GB" dirty="0" smtClean="0"/>
+              <a:t>OSDever.net, </a:t>
+            </a:r>
+          </a:p>
+          <a:p>
+            <a:pPr lvl="1"/>
+            <a:r>
+              <a:rPr lang="en-GB" dirty="0" smtClean="0"/>
+              <a:t>JamesMolloy.co.uk, </a:t>
+            </a:r>
+          </a:p>
+          <a:p>
+            <a:pPr lvl="1"/>
+            <a:r>
+              <a:rPr lang="en-GB" dirty="0" smtClean="0"/>
+              <a:t>littleosbook.github.io</a:t>
+            </a:r>
+          </a:p>
+          <a:p>
+            <a:r>
+              <a:rPr lang="en-GB" dirty="0" smtClean="0"/>
+              <a:t>Books</a:t>
+            </a:r>
+          </a:p>
+          <a:p>
+            <a:pPr lvl="1"/>
+            <a:r>
+              <a:rPr lang="en-GB" dirty="0" smtClean="0"/>
+              <a:t>These are increasingly problematic</a:t>
+            </a:r>
+            <a:endParaRPr lang="en-GB" dirty="0" smtClean="0"/>
           </a:p>
         </p:txBody>
       </p:sp>
     </p:spTree>
     <p:extLst>
       <p:ext uri="{BB962C8B-B14F-4D97-AF65-F5344CB8AC3E}">
-        <p14:creationId xmlns:p14="http://schemas.microsoft.com/office/powerpoint/2010/main" val="1966407955"/>
+        <p14:creationId xmlns:p14="http://schemas.microsoft.com/office/powerpoint/2010/main" val="2276420644"/>
       </p:ext>
     </p:extLst>
   </p:cSld>
@@ -10271,33 +10112,15 @@
                                   </p:childTnLst>
                                 </p:cTn>
                               </p:par>
-                            </p:childTnLst>
-                          </p:cTn>
-                        </p:par>
-                      </p:childTnLst>
-                    </p:cTn>
-                  </p:par>
-                  <p:par>
-                    <p:cTn id="8" fill="hold">
-                      <p:stCondLst>
-                        <p:cond delay="indefinite"/>
-                      </p:stCondLst>
-                      <p:childTnLst>
-                        <p:par>
-                          <p:cTn id="9" fill="hold">
-                            <p:stCondLst>
-                              <p:cond delay="0"/>
-                            </p:stCondLst>
-                            <p:childTnLst>
                               <p:par>
-                                <p:cTn id="10" presetID="10" presetClass="entr" presetSubtype="0" fill="hold" grpId="0" nodeType="clickEffect">
+                                <p:cTn id="8" presetID="10" presetClass="entr" presetSubtype="0" fill="hold" grpId="0" nodeType="withEffect">
                                   <p:stCondLst>
                                     <p:cond delay="0"/>
                                   </p:stCondLst>
                                   <p:childTnLst>
                                     <p:set>
                                       <p:cBhvr>
-                                        <p:cTn id="11" dur="1" fill="hold">
+                                        <p:cTn id="9" dur="1" fill="hold">
                                           <p:stCondLst>
                                             <p:cond delay="0"/>
                                           </p:stCondLst>
@@ -10305,7 +10128,7 @@
                                         <p:tgtEl>
                                           <p:spTgt spid="3">
                                             <p:txEl>
-                                              <p:pRg st="2" end="2"/>
+                                              <p:pRg st="1" end="1"/>
                                             </p:txEl>
                                           </p:spTgt>
                                         </p:tgtEl>
@@ -10319,7 +10142,50 @@
                                     </p:set>
                                     <p:animEffect transition="in" filter="fade">
                                       <p:cBhvr>
-                                        <p:cTn id="12" dur="500"/>
+                                        <p:cTn id="10" dur="500"/>
+                                        <p:tgtEl>
+                                          <p:spTgt spid="3">
+                                            <p:txEl>
+                                              <p:pRg st="1" end="1"/>
+                                            </p:txEl>
+                                          </p:spTgt>
+                                        </p:tgtEl>
+                                      </p:cBhvr>
+                                    </p:animEffect>
+                                  </p:childTnLst>
+                                </p:cTn>
+                              </p:par>
+                              <p:par>
+                                <p:cTn id="11" presetID="10" presetClass="entr" presetSubtype="0" fill="hold" grpId="0" nodeType="withEffect">
+                                  <p:stCondLst>
+                                    <p:cond delay="0"/>
+                                  </p:stCondLst>
+                                  <p:childTnLst>
+                                    <p:set>
+                                      <p:cBhvr>
+                                        <p:cTn id="12" dur="1" fill="hold">
+                                          <p:stCondLst>
+                                            <p:cond delay="0"/>
+                                          </p:stCondLst>
+                                        </p:cTn>
+                                        <p:tgtEl>
+                                          <p:spTgt spid="3">
+                                            <p:txEl>
+                                              <p:pRg st="2" end="2"/>
+                                            </p:txEl>
+                                          </p:spTgt>
+                                        </p:tgtEl>
+                                        <p:attrNameLst>
+                                          <p:attrName>style.visibility</p:attrName>
+                                        </p:attrNameLst>
+                                      </p:cBhvr>
+                                      <p:to>
+                                        <p:strVal val="visible"/>
+                                      </p:to>
+                                    </p:set>
+                                    <p:animEffect transition="in" filter="fade">
+                                      <p:cBhvr>
+                                        <p:cTn id="13" dur="500"/>
                                         <p:tgtEl>
                                           <p:spTgt spid="3">
                                             <p:txEl>
@@ -10339,26 +10205,26 @@
                     </p:cTn>
                   </p:par>
                   <p:par>
-                    <p:cTn id="13" fill="hold">
+                    <p:cTn id="14" fill="hold">
                       <p:stCondLst>
                         <p:cond delay="indefinite"/>
                       </p:stCondLst>
                       <p:childTnLst>
                         <p:par>
-                          <p:cTn id="14" fill="hold">
+                          <p:cTn id="15" fill="hold">
                             <p:stCondLst>
                               <p:cond delay="0"/>
                             </p:stCondLst>
                             <p:childTnLst>
                               <p:par>
-                                <p:cTn id="15" presetID="10" presetClass="entr" presetSubtype="0" fill="hold" grpId="0" nodeType="clickEffect">
+                                <p:cTn id="16" presetID="10" presetClass="entr" presetSubtype="0" fill="hold" grpId="0" nodeType="clickEffect">
                                   <p:stCondLst>
                                     <p:cond delay="0"/>
                                   </p:stCondLst>
                                   <p:childTnLst>
                                     <p:set>
                                       <p:cBhvr>
-                                        <p:cTn id="16" dur="1" fill="hold">
+                                        <p:cTn id="17" dur="1" fill="hold">
                                           <p:stCondLst>
                                             <p:cond delay="0"/>
                                           </p:stCondLst>
@@ -10380,7 +10246,7 @@
                                     </p:set>
                                     <p:animEffect transition="in" filter="fade">
                                       <p:cBhvr>
-                                        <p:cTn id="17" dur="500"/>
+                                        <p:cTn id="18" dur="500"/>
                                         <p:tgtEl>
                                           <p:spTgt spid="3">
                                             <p:txEl>
@@ -10393,33 +10259,15 @@
                                   </p:childTnLst>
                                 </p:cTn>
                               </p:par>
-                            </p:childTnLst>
-                          </p:cTn>
-                        </p:par>
-                      </p:childTnLst>
-                    </p:cTn>
-                  </p:par>
-                  <p:par>
-                    <p:cTn id="18" fill="hold">
-                      <p:stCondLst>
-                        <p:cond delay="indefinite"/>
-                      </p:stCondLst>
-                      <p:childTnLst>
-                        <p:par>
-                          <p:cTn id="19" fill="hold">
-                            <p:stCondLst>
-                              <p:cond delay="0"/>
-                            </p:stCondLst>
-                            <p:childTnLst>
                               <p:par>
-                                <p:cTn id="20" presetID="10" presetClass="entr" presetSubtype="0" fill="hold" grpId="0" nodeType="clickEffect">
+                                <p:cTn id="19" presetID="10" presetClass="entr" presetSubtype="0" fill="hold" grpId="0" nodeType="withEffect">
                                   <p:stCondLst>
                                     <p:cond delay="0"/>
                                   </p:stCondLst>
                                   <p:childTnLst>
                                     <p:set>
                                       <p:cBhvr>
-                                        <p:cTn id="21" dur="1" fill="hold">
+                                        <p:cTn id="20" dur="1" fill="hold">
                                           <p:stCondLst>
                                             <p:cond delay="0"/>
                                           </p:stCondLst>
@@ -10441,7 +10289,7 @@
                                     </p:set>
                                     <p:animEffect transition="in" filter="fade">
                                       <p:cBhvr>
-                                        <p:cTn id="22" dur="500"/>
+                                        <p:cTn id="21" dur="500"/>
                                         <p:tgtEl>
                                           <p:spTgt spid="3">
                                             <p:txEl>
@@ -10454,26 +10302,51 @@
                                   </p:childTnLst>
                                 </p:cTn>
                               </p:par>
-                            </p:childTnLst>
-                          </p:cTn>
-                        </p:par>
-                      </p:childTnLst>
-                    </p:cTn>
-                  </p:par>
-                  <p:par>
-                    <p:cTn id="23" fill="hold">
-                      <p:stCondLst>
-                        <p:cond delay="indefinite"/>
-                      </p:stCondLst>
-                      <p:childTnLst>
-                        <p:par>
-                          <p:cTn id="24" fill="hold">
-                            <p:stCondLst>
-                              <p:cond delay="0"/>
-                            </p:stCondLst>
-                            <p:childTnLst>
                               <p:par>
-                                <p:cTn id="25" presetID="10" presetClass="entr" presetSubtype="0" fill="hold" grpId="0" nodeType="clickEffect">
+                                <p:cTn id="22" presetID="10" presetClass="entr" presetSubtype="0" fill="hold" grpId="0" nodeType="withEffect">
+                                  <p:stCondLst>
+                                    <p:cond delay="0"/>
+                                  </p:stCondLst>
+                                  <p:childTnLst>
+                                    <p:set>
+                                      <p:cBhvr>
+                                        <p:cTn id="23" dur="1" fill="hold">
+                                          <p:stCondLst>
+                                            <p:cond delay="0"/>
+                                          </p:stCondLst>
+                                        </p:cTn>
+                                        <p:tgtEl>
+                                          <p:spTgt spid="3">
+                                            <p:txEl>
+                                              <p:pRg st="5" end="5"/>
+                                            </p:txEl>
+                                          </p:spTgt>
+                                        </p:tgtEl>
+                                        <p:attrNameLst>
+                                          <p:attrName>style.visibility</p:attrName>
+                                        </p:attrNameLst>
+                                      </p:cBhvr>
+                                      <p:to>
+                                        <p:strVal val="visible"/>
+                                      </p:to>
+                                    </p:set>
+                                    <p:animEffect transition="in" filter="fade">
+                                      <p:cBhvr>
+                                        <p:cTn id="24" dur="500"/>
+                                        <p:tgtEl>
+                                          <p:spTgt spid="3">
+                                            <p:txEl>
+                                              <p:pRg st="5" end="5"/>
+                                            </p:txEl>
+                                          </p:spTgt>
+                                        </p:tgtEl>
+                                      </p:cBhvr>
+                                    </p:animEffect>
+                                  </p:childTnLst>
+                                </p:cTn>
+                              </p:par>
+                              <p:par>
+                                <p:cTn id="25" presetID="10" presetClass="entr" presetSubtype="0" fill="hold" grpId="0" nodeType="withEffect">
                                   <p:stCondLst>
                                     <p:cond delay="0"/>
                                   </p:stCondLst>
@@ -10576,6 +10449,135 @@
                                   </p:childTnLst>
                                 </p:cTn>
                               </p:par>
+                              <p:par>
+                                <p:cTn id="33" presetID="10" presetClass="entr" presetSubtype="0" fill="hold" grpId="0" nodeType="withEffect">
+                                  <p:stCondLst>
+                                    <p:cond delay="0"/>
+                                  </p:stCondLst>
+                                  <p:childTnLst>
+                                    <p:set>
+                                      <p:cBhvr>
+                                        <p:cTn id="34" dur="1" fill="hold">
+                                          <p:stCondLst>
+                                            <p:cond delay="0"/>
+                                          </p:stCondLst>
+                                        </p:cTn>
+                                        <p:tgtEl>
+                                          <p:spTgt spid="3">
+                                            <p:txEl>
+                                              <p:pRg st="8" end="8"/>
+                                            </p:txEl>
+                                          </p:spTgt>
+                                        </p:tgtEl>
+                                        <p:attrNameLst>
+                                          <p:attrName>style.visibility</p:attrName>
+                                        </p:attrNameLst>
+                                      </p:cBhvr>
+                                      <p:to>
+                                        <p:strVal val="visible"/>
+                                      </p:to>
+                                    </p:set>
+                                    <p:animEffect transition="in" filter="fade">
+                                      <p:cBhvr>
+                                        <p:cTn id="35" dur="500"/>
+                                        <p:tgtEl>
+                                          <p:spTgt spid="3">
+                                            <p:txEl>
+                                              <p:pRg st="8" end="8"/>
+                                            </p:txEl>
+                                          </p:spTgt>
+                                        </p:tgtEl>
+                                      </p:cBhvr>
+                                    </p:animEffect>
+                                  </p:childTnLst>
+                                </p:cTn>
+                              </p:par>
+                              <p:par>
+                                <p:cTn id="36" presetID="10" presetClass="entr" presetSubtype="0" fill="hold" grpId="0" nodeType="withEffect">
+                                  <p:stCondLst>
+                                    <p:cond delay="0"/>
+                                  </p:stCondLst>
+                                  <p:childTnLst>
+                                    <p:set>
+                                      <p:cBhvr>
+                                        <p:cTn id="37" dur="1" fill="hold">
+                                          <p:stCondLst>
+                                            <p:cond delay="0"/>
+                                          </p:stCondLst>
+                                        </p:cTn>
+                                        <p:tgtEl>
+                                          <p:spTgt spid="3">
+                                            <p:txEl>
+                                              <p:pRg st="9" end="9"/>
+                                            </p:txEl>
+                                          </p:spTgt>
+                                        </p:tgtEl>
+                                        <p:attrNameLst>
+                                          <p:attrName>style.visibility</p:attrName>
+                                        </p:attrNameLst>
+                                      </p:cBhvr>
+                                      <p:to>
+                                        <p:strVal val="visible"/>
+                                      </p:to>
+                                    </p:set>
+                                    <p:animEffect transition="in" filter="fade">
+                                      <p:cBhvr>
+                                        <p:cTn id="38" dur="500"/>
+                                        <p:tgtEl>
+                                          <p:spTgt spid="3">
+                                            <p:txEl>
+                                              <p:pRg st="9" end="9"/>
+                                            </p:txEl>
+                                          </p:spTgt>
+                                        </p:tgtEl>
+                                      </p:cBhvr>
+                                    </p:animEffect>
+                                  </p:childTnLst>
+                                </p:cTn>
+                              </p:par>
+                              <p:par>
+                                <p:cTn id="39" presetID="10" presetClass="entr" presetSubtype="0" fill="hold" grpId="0" nodeType="withEffect">
+                                  <p:stCondLst>
+                                    <p:cond delay="0"/>
+                                  </p:stCondLst>
+                                  <p:childTnLst>
+                                    <p:set>
+                                      <p:cBhvr>
+                                        <p:cTn id="40" dur="1" fill="hold">
+                                          <p:stCondLst>
+                                            <p:cond delay="0"/>
+                                          </p:stCondLst>
+                                        </p:cTn>
+                                        <p:tgtEl>
+                                          <p:spTgt spid="3">
+                                            <p:txEl>
+                                              <p:pRg st="10" end="10"/>
+                                            </p:txEl>
+                                          </p:spTgt>
+                                        </p:tgtEl>
+                                        <p:attrNameLst>
+                                          <p:attrName>style.visibility</p:attrName>
+                                        </p:attrNameLst>
+                                      </p:cBhvr>
+                                      <p:to>
+                                        <p:strVal val="visible"/>
+                                      </p:to>
+                                    </p:set>
+                                    <p:animEffect transition="in" filter="fade">
+                                      <p:cBhvr>
+                                        <p:cTn id="41" dur="500"/>
+                                        <p:tgtEl>
+                                          <p:spTgt spid="3">
+                                            <p:txEl>
+                                              <p:pRg st="10" end="10"/>
+                                            </p:txEl>
+                                          </p:spTgt>
+                                        </p:tgtEl>
+                                      </p:cBhvr>
+                                    </p:animEffect>
+                                  </p:childTnLst>
+                                </p:cTn>
+                              </p:par>
                             </p:childTnLst>
                           </p:cTn>
                         </p:par>
@@ -10583,26 +10585,26 @@
                     </p:cTn>
                   </p:par>
                   <p:par>
-                    <p:cTn id="33" fill="hold">
+                    <p:cTn id="42" fill="hold">
                       <p:stCondLst>
                         <p:cond delay="indefinite"/>
                       </p:stCondLst>
                       <p:childTnLst>
                         <p:par>
-                          <p:cTn id="34" fill="hold">
+                          <p:cTn id="43" fill="hold">
                             <p:stCondLst>
                               <p:cond delay="0"/>
                             </p:stCondLst>
                             <p:childTnLst>
                               <p:par>
-                                <p:cTn id="35" presetID="10" presetClass="entr" presetSubtype="0" fill="hold" grpId="0" nodeType="clickEffect">
+                                <p:cTn id="44" presetID="10" presetClass="entr" presetSubtype="0" fill="hold" grpId="0" nodeType="clickEffect">
                                   <p:stCondLst>
                                     <p:cond delay="0"/>
                                   </p:stCondLst>
                                   <p:childTnLst>
                                     <p:set>
                                       <p:cBhvr>
-                                        <p:cTn id="36" dur="1" fill="hold">
+                                        <p:cTn id="45" dur="1" fill="hold">
                                           <p:stCondLst>
                                             <p:cond delay="0"/>
                                           </p:stCondLst>
@@ -10610,7 +10612,7 @@
                                         <p:tgtEl>
                                           <p:spTgt spid="3">
                                             <p:txEl>
-                                              <p:pRg st="8" end="8"/>
+                                              <p:pRg st="11" end="11"/>
                                             </p:txEl>
                                           </p:spTgt>
                                         </p:tgtEl>
@@ -10624,11 +10626,287 @@
                                     </p:set>
                                     <p:animEffect transition="in" filter="fade">
                                       <p:cBhvr>
-                                        <p:cTn id="37" dur="500"/>
-                                        <p:tgtEl>
-                                          <p:spTgt spid="3">
-                                            <p:txEl>
-                                              <p:pRg st="8" end="8"/>
+                                        <p:cTn id="46" dur="500"/>
+                                        <p:tgtEl>
+                                          <p:spTgt spid="3">
+                                            <p:txEl>
+                                              <p:pRg st="11" end="11"/>
+                                            </p:txEl>
+                                          </p:spTgt>
+                                        </p:tgtEl>
+                                      </p:cBhvr>
+                                    </p:animEffect>
+                                  </p:childTnLst>
+                                </p:cTn>
+                              </p:par>
+                              <p:par>
+                                <p:cTn id="47" presetID="10" presetClass="entr" presetSubtype="0" fill="hold" grpId="0" nodeType="withEffect">
+                                  <p:stCondLst>
+                                    <p:cond delay="0"/>
+                                  </p:stCondLst>
+                                  <p:childTnLst>
+                                    <p:set>
+                                      <p:cBhvr>
+                                        <p:cTn id="48" dur="1" fill="hold">
+                                          <p:stCondLst>
+                                            <p:cond delay="0"/>
+                                          </p:stCondLst>
+                                        </p:cTn>
+                                        <p:tgtEl>
+                                          <p:spTgt spid="3">
+                                            <p:txEl>
+                                              <p:pRg st="12" end="12"/>
+                                            </p:txEl>
+                                          </p:spTgt>
+                                        </p:tgtEl>
+                                        <p:attrNameLst>
+                                          <p:attrName>style.visibility</p:attrName>
+                                        </p:attrNameLst>
+                                      </p:cBhvr>
+                                      <p:to>
+                                        <p:strVal val="visible"/>
+                                      </p:to>
+                                    </p:set>
+                                    <p:animEffect transition="in" filter="fade">
+                                      <p:cBhvr>
+                                        <p:cTn id="49" dur="500"/>
+                                        <p:tgtEl>
+                                          <p:spTgt spid="3">
+                                            <p:txEl>
+                                              <p:pRg st="12" end="12"/>
+                                            </p:txEl>
+                                          </p:spTgt>
+                                        </p:tgtEl>
+                                      </p:cBhvr>
+                                    </p:animEffect>
+                                  </p:childTnLst>
+                                </p:cTn>
+                              </p:par>
+                              <p:par>
+                                <p:cTn id="50" presetID="10" presetClass="entr" presetSubtype="0" fill="hold" grpId="0" nodeType="withEffect">
+                                  <p:stCondLst>
+                                    <p:cond delay="0"/>
+                                  </p:stCondLst>
+                                  <p:childTnLst>
+                                    <p:set>
+                                      <p:cBhvr>
+                                        <p:cTn id="51" dur="1" fill="hold">
+                                          <p:stCondLst>
+                                            <p:cond delay="0"/>
+                                          </p:stCondLst>
+                                        </p:cTn>
+                                        <p:tgtEl>
+                                          <p:spTgt spid="3">
+                                            <p:txEl>
+                                              <p:pRg st="13" end="13"/>
+                                            </p:txEl>
+                                          </p:spTgt>
+                                        </p:tgtEl>
+                                        <p:attrNameLst>
+                                          <p:attrName>style.visibility</p:attrName>
+                                        </p:attrNameLst>
+                                      </p:cBhvr>
+                                      <p:to>
+                                        <p:strVal val="visible"/>
+                                      </p:to>
+                                    </p:set>
+                                    <p:animEffect transition="in" filter="fade">
+                                      <p:cBhvr>
+                                        <p:cTn id="52" dur="500"/>
+                                        <p:tgtEl>
+                                          <p:spTgt spid="3">
+                                            <p:txEl>
+                                              <p:pRg st="13" end="13"/>
+                                            </p:txEl>
+                                          </p:spTgt>
+                                        </p:tgtEl>
+                                      </p:cBhvr>
+                                    </p:animEffect>
+                                  </p:childTnLst>
+                                </p:cTn>
+                              </p:par>
+                              <p:par>
+                                <p:cTn id="53" presetID="10" presetClass="entr" presetSubtype="0" fill="hold" grpId="0" nodeType="withEffect">
+                                  <p:stCondLst>
+                                    <p:cond delay="0"/>
+                                  </p:stCondLst>
+                                  <p:childTnLst>
+                                    <p:set>
+                                      <p:cBhvr>
+                                        <p:cTn id="54" dur="1" fill="hold">
+                                          <p:stCondLst>
+                                            <p:cond delay="0"/>
+                                          </p:stCondLst>
+                                        </p:cTn>
+                                        <p:tgtEl>
+                                          <p:spTgt spid="3">
+                                            <p:txEl>
+                                              <p:pRg st="14" end="14"/>
+                                            </p:txEl>
+                                          </p:spTgt>
+                                        </p:tgtEl>
+                                        <p:attrNameLst>
+                                          <p:attrName>style.visibility</p:attrName>
+                                        </p:attrNameLst>
+                                      </p:cBhvr>
+                                      <p:to>
+                                        <p:strVal val="visible"/>
+                                      </p:to>
+                                    </p:set>
+                                    <p:animEffect transition="in" filter="fade">
+                                      <p:cBhvr>
+                                        <p:cTn id="55" dur="500"/>
+                                        <p:tgtEl>
+                                          <p:spTgt spid="3">
+                                            <p:txEl>
+                                              <p:pRg st="14" end="14"/>
+                                            </p:txEl>
+                                          </p:spTgt>
+                                        </p:tgtEl>
+                                      </p:cBhvr>
+                                    </p:animEffect>
+                                  </p:childTnLst>
+                                </p:cTn>
+                              </p:par>
+                              <p:par>
+                                <p:cTn id="56" presetID="10" presetClass="entr" presetSubtype="0" fill="hold" grpId="0" nodeType="withEffect">
+                                  <p:stCondLst>
+                                    <p:cond delay="0"/>
+                                  </p:stCondLst>
+                                  <p:childTnLst>
+                                    <p:set>
+                                      <p:cBhvr>
+                                        <p:cTn id="57" dur="1" fill="hold">
+                                          <p:stCondLst>
+                                            <p:cond delay="0"/>
+                                          </p:stCondLst>
+                                        </p:cTn>
+                                        <p:tgtEl>
+                                          <p:spTgt spid="3">
+                                            <p:txEl>
+                                              <p:pRg st="15" end="15"/>
+                                            </p:txEl>
+                                          </p:spTgt>
+                                        </p:tgtEl>
+                                        <p:attrNameLst>
+                                          <p:attrName>style.visibility</p:attrName>
+                                        </p:attrNameLst>
+                                      </p:cBhvr>
+                                      <p:to>
+                                        <p:strVal val="visible"/>
+                                      </p:to>
+                                    </p:set>
+                                    <p:animEffect transition="in" filter="fade">
+                                      <p:cBhvr>
+                                        <p:cTn id="58" dur="500"/>
+                                        <p:tgtEl>
+                                          <p:spTgt spid="3">
+                                            <p:txEl>
+                                              <p:pRg st="15" end="15"/>
+                                            </p:txEl>
+                                          </p:spTgt>
+                                        </p:tgtEl>
+                                      </p:cBhvr>
+                                    </p:animEffect>
+                                  </p:childTnLst>
+                                </p:cTn>
+                              </p:par>
+                            </p:childTnLst>
+                          </p:cTn>
+                        </p:par>
+                      </p:childTnLst>
+                    </p:cTn>
+                  </p:par>
+                  <p:par>
+                    <p:cTn id="59" fill="hold">
+                      <p:stCondLst>
+                        <p:cond delay="indefinite"/>
+                      </p:stCondLst>
+                      <p:childTnLst>
+                        <p:par>
+                          <p:cTn id="60" fill="hold">
+                            <p:stCondLst>
+                              <p:cond delay="0"/>
+                            </p:stCondLst>
+                            <p:childTnLst>
+                              <p:par>
+                                <p:cTn id="61" presetID="10" presetClass="entr" presetSubtype="0" fill="hold" grpId="0" nodeType="clickEffect">
+                                  <p:stCondLst>
+                                    <p:cond delay="0"/>
+                                  </p:stCondLst>
+                                  <p:childTnLst>
+                                    <p:set>
+                                      <p:cBhvr>
+                                        <p:cTn id="62" dur="1" fill="hold">
+                                          <p:stCondLst>
+                                            <p:cond delay="0"/>
+                                          </p:stCondLst>
+                                        </p:cTn>
+                                        <p:tgtEl>
+                                          <p:spTgt spid="3">
+                                            <p:txEl>
+                                              <p:pRg st="16" end="16"/>
+                                            </p:txEl>
+                                          </p:spTgt>
+                                        </p:tgtEl>
+                                        <p:attrNameLst>
+                                          <p:attrName>style.visibility</p:attrName>
+                                        </p:attrNameLst>
+                                      </p:cBhvr>
+                                      <p:to>
+                                        <p:strVal val="visible"/>
+                                      </p:to>
+                                    </p:set>
+                                    <p:animEffect transition="in" filter="fade">
+                                      <p:cBhvr>
+                                        <p:cTn id="63" dur="500"/>
+                                        <p:tgtEl>
+                                          <p:spTgt spid="3">
+                                            <p:txEl>
+                                              <p:pRg st="16" end="16"/>
+                                            </p:txEl>
+                                          </p:spTgt>
+                                        </p:tgtEl>
+                                      </p:cBhvr>
+                                    </p:animEffect>
+                                  </p:childTnLst>
+                                </p:cTn>
+                              </p:par>
+                              <p:par>
+                                <p:cTn id="64" presetID="10" presetClass="entr" presetSubtype="0" fill="hold" grpId="0" nodeType="withEffect">
+                                  <p:stCondLst>
+                                    <p:cond delay="0"/>
+                                  </p:stCondLst>
+                                  <p:childTnLst>
+                                    <p:set>
+                                      <p:cBhvr>
+                                        <p:cTn id="65" dur="1" fill="hold">
+                                          <p:stCondLst>
+                                            <p:cond delay="0"/>
+                                          </p:stCondLst>
+                                        </p:cTn>
+                                        <p:tgtEl>
+                                          <p:spTgt spid="3">
+                                            <p:txEl>
+                                              <p:pRg st="17" end="17"/>
+                                            </p:txEl>
+                                          </p:spTgt>
+                                        </p:tgtEl>
+                                        <p:attrNameLst>
+                                          <p:attrName>style.visibility</p:attrName>
+                                        </p:attrNameLst>
+                                      </p:cBhvr>
+                                      <p:to>
+                                        <p:strVal val="visible"/>
+                                      </p:to>
+                                    </p:set>
+                                    <p:animEffect transition="in" filter="fade">
+                                      <p:cBhvr>
+                                        <p:cTn id="66" dur="500"/>
+                                        <p:tgtEl>
+                                          <p:spTgt spid="3">
+                                            <p:txEl>
+                                              <p:pRg st="17" end="17"/>
                                             </p:txEl>
                                           </p:spTgt>
                                         </p:tgtEl>
@@ -10705,15 +10983,7 @@
           <a:p>
             <a:r>
               <a:rPr lang="en-GB" dirty="0" smtClean="0"/>
-              <a:t>What has FlingOS™</a:t>
-            </a:r>
-            <a:r>
-              <a:rPr lang="en-GB" dirty="0"/>
-              <a:t> </a:t>
-            </a:r>
-            <a:r>
-              <a:rPr lang="en-GB" dirty="0" smtClean="0"/>
-              <a:t>created?</a:t>
+              <a:t>An alternative approach</a:t>
             </a:r>
             <a:endParaRPr lang="en-GB" dirty="0"/>
           </a:p>
@@ -10732,80 +11002,55 @@
         <p:spPr/>
         <p:txBody>
           <a:bodyPr>
-            <a:normAutofit fontScale="92500" lnSpcReduction="20000"/>
+            <a:normAutofit lnSpcReduction="10000"/>
           </a:bodyPr>
           <a:lstStyle/>
           <a:p>
             <a:r>
               <a:rPr lang="en-GB" dirty="0" smtClean="0"/>
-              <a:t>That approach</a:t>
-            </a:r>
-          </a:p>
-          <a:p>
-            <a:r>
-              <a:rPr lang="en-GB" dirty="0" smtClean="0"/>
-              <a:t>C# kernel: Open source, microkernel, some drivers, AOT compiler (for MSIL)</a:t>
-            </a:r>
-          </a:p>
-          <a:p>
-            <a:pPr lvl="1"/>
-            <a:r>
-              <a:rPr lang="en-GB" dirty="0" smtClean="0"/>
-              <a:t>Learn by example</a:t>
-            </a:r>
-          </a:p>
-          <a:p>
-            <a:r>
-              <a:rPr lang="en-GB" dirty="0" smtClean="0"/>
-              <a:t>30 articles: Free, online</a:t>
-            </a:r>
-          </a:p>
-          <a:p>
-            <a:pPr lvl="1"/>
-            <a:r>
-              <a:rPr lang="en-GB" dirty="0" smtClean="0"/>
-              <a:t>Learn by reading</a:t>
-            </a:r>
-          </a:p>
-          <a:p>
-            <a:pPr lvl="1"/>
-            <a:r>
-              <a:rPr lang="en-GB" dirty="0" smtClean="0"/>
-              <a:t>Practical approach to the subject matter</a:t>
-            </a:r>
-            <a:endParaRPr lang="en-GB" dirty="0" smtClean="0"/>
-          </a:p>
-          <a:p>
-            <a:pPr lvl="1"/>
-            <a:r>
-              <a:rPr lang="en-GB" dirty="0" smtClean="0"/>
-              <a:t>Covering history, reasoning/thinking, hardware, software, further reading</a:t>
-            </a:r>
-          </a:p>
-          <a:p>
-            <a:r>
-              <a:rPr lang="en-GB" dirty="0" smtClean="0"/>
-              <a:t>10 tutorials: Free, on YouTube</a:t>
-            </a:r>
-          </a:p>
-          <a:p>
-            <a:pPr lvl="1"/>
-            <a:r>
-              <a:rPr lang="en-GB" dirty="0" smtClean="0"/>
-              <a:t>Learn by watching/listening</a:t>
-            </a:r>
-          </a:p>
-          <a:p>
-            <a:pPr lvl="1"/>
-            <a:r>
-              <a:rPr lang="en-GB" dirty="0" smtClean="0"/>
-              <a:t>Takes you from just programming to having a (very) basic OS</a:t>
-            </a:r>
-          </a:p>
-          <a:p>
-            <a:r>
-              <a:rPr lang="en-GB" dirty="0" smtClean="0"/>
-              <a:t>Nothing to be taken in isolation</a:t>
+              <a:t>Teach from high to low</a:t>
+            </a:r>
+          </a:p>
+          <a:p>
+            <a:endParaRPr lang="en-GB" dirty="0"/>
+          </a:p>
+          <a:p>
+            <a:r>
+              <a:rPr lang="en-GB" dirty="0" smtClean="0"/>
+              <a:t>Stop presenting low-level as a separate / totally new thing</a:t>
+            </a:r>
+          </a:p>
+          <a:p>
+            <a:r>
+              <a:rPr lang="en-GB" dirty="0" smtClean="0"/>
+              <a:t>Use high-level languages and concepts as introduction</a:t>
+            </a:r>
+          </a:p>
+          <a:p>
+            <a:r>
+              <a:rPr lang="en-GB" dirty="0" smtClean="0"/>
+              <a:t>Move into C/C++ later on / alongside</a:t>
+            </a:r>
+          </a:p>
+          <a:p>
+            <a:endParaRPr lang="en-GB" dirty="0"/>
+          </a:p>
+          <a:p>
+            <a:r>
+              <a:rPr lang="en-GB" dirty="0" smtClean="0"/>
+              <a:t>Increases interest and relevance</a:t>
+            </a:r>
+          </a:p>
+          <a:p>
+            <a:r>
+              <a:rPr lang="en-GB" dirty="0" smtClean="0"/>
+              <a:t>Decreases barriers / makes it easier for students</a:t>
+            </a:r>
+          </a:p>
+          <a:p>
+            <a:r>
+              <a:rPr lang="en-GB" dirty="0" smtClean="0"/>
+              <a:t>Allows C (and ASM and compilers) to be taught alongside</a:t>
             </a:r>
             <a:endParaRPr lang="en-GB" dirty="0"/>
           </a:p>
@@ -10814,7 +11059,7 @@
     </p:spTree>
     <p:extLst>
       <p:ext uri="{BB962C8B-B14F-4D97-AF65-F5344CB8AC3E}">
-        <p14:creationId xmlns:p14="http://schemas.microsoft.com/office/powerpoint/2010/main" val="92490814"/>
+        <p14:creationId xmlns:p14="http://schemas.microsoft.com/office/powerpoint/2010/main" val="1966407955"/>
       </p:ext>
     </p:extLst>
   </p:cSld>
@@ -10918,7 +11163,7 @@
                                         <p:tgtEl>
                                           <p:spTgt spid="3">
                                             <p:txEl>
-                                              <p:pRg st="1" end="1"/>
+                                              <p:pRg st="2" end="2"/>
                                             </p:txEl>
                                           </p:spTgt>
                                         </p:tgtEl>
@@ -10933,49 +11178,6 @@
                                     <p:animEffect transition="in" filter="fade">
                                       <p:cBhvr>
                                         <p:cTn id="12" dur="500"/>
-                                        <p:tgtEl>
-                                          <p:spTgt spid="3">
-                                            <p:txEl>
-                                              <p:pRg st="1" end="1"/>
-                                            </p:txEl>
-                                          </p:spTgt>
-                                        </p:tgtEl>
-                                      </p:cBhvr>
-                                    </p:animEffect>
-                                  </p:childTnLst>
-                                </p:cTn>
-                              </p:par>
-                              <p:par>
-                                <p:cTn id="13" presetID="10" presetClass="entr" presetSubtype="0" fill="hold" grpId="0" nodeType="withEffect">
-                                  <p:stCondLst>
-                                    <p:cond delay="0"/>
-                                  </p:stCondLst>
-                                  <p:childTnLst>
-                                    <p:set>
-                                      <p:cBhvr>
-                                        <p:cTn id="14" dur="1" fill="hold">
-                                          <p:stCondLst>
-                                            <p:cond delay="0"/>
-                                          </p:stCondLst>
-                                        </p:cTn>
-                                        <p:tgtEl>
-                                          <p:spTgt spid="3">
-                                            <p:txEl>
-                                              <p:pRg st="2" end="2"/>
-                                            </p:txEl>
-                                          </p:spTgt>
-                                        </p:tgtEl>
-                                        <p:attrNameLst>
-                                          <p:attrName>style.visibility</p:attrName>
-                                        </p:attrNameLst>
-                                      </p:cBhvr>
-                                      <p:to>
-                                        <p:strVal val="visible"/>
-                                      </p:to>
-                                    </p:set>
-                                    <p:animEffect transition="in" filter="fade">
-                                      <p:cBhvr>
-                                        <p:cTn id="15" dur="500"/>
                                         <p:tgtEl>
                                           <p:spTgt spid="3">
                                             <p:txEl>
@@ -10995,26 +11197,26 @@
                     </p:cTn>
                   </p:par>
                   <p:par>
-                    <p:cTn id="16" fill="hold">
+                    <p:cTn id="13" fill="hold">
                       <p:stCondLst>
                         <p:cond delay="indefinite"/>
                       </p:stCondLst>
                       <p:childTnLst>
                         <p:par>
-                          <p:cTn id="17" fill="hold">
+                          <p:cTn id="14" fill="hold">
                             <p:stCondLst>
                               <p:cond delay="0"/>
                             </p:stCondLst>
                             <p:childTnLst>
                               <p:par>
-                                <p:cTn id="18" presetID="10" presetClass="entr" presetSubtype="0" fill="hold" grpId="0" nodeType="clickEffect">
+                                <p:cTn id="15" presetID="10" presetClass="entr" presetSubtype="0" fill="hold" grpId="0" nodeType="clickEffect">
                                   <p:stCondLst>
                                     <p:cond delay="0"/>
                                   </p:stCondLst>
                                   <p:childTnLst>
                                     <p:set>
                                       <p:cBhvr>
-                                        <p:cTn id="19" dur="1" fill="hold">
+                                        <p:cTn id="16" dur="1" fill="hold">
                                           <p:stCondLst>
                                             <p:cond delay="0"/>
                                           </p:stCondLst>
@@ -11036,140 +11238,11 @@
                                     </p:set>
                                     <p:animEffect transition="in" filter="fade">
                                       <p:cBhvr>
-                                        <p:cTn id="20" dur="500"/>
+                                        <p:cTn id="17" dur="500"/>
                                         <p:tgtEl>
                                           <p:spTgt spid="3">
                                             <p:txEl>
                                               <p:pRg st="3" end="3"/>
-                                            </p:txEl>
-                                          </p:spTgt>
-                                        </p:tgtEl>
-                                      </p:cBhvr>
-                                    </p:animEffect>
-                                  </p:childTnLst>
-                                </p:cTn>
-                              </p:par>
-                              <p:par>
-                                <p:cTn id="21" presetID="10" presetClass="entr" presetSubtype="0" fill="hold" grpId="0" nodeType="withEffect">
-                                  <p:stCondLst>
-                                    <p:cond delay="0"/>
-                                  </p:stCondLst>
-                                  <p:childTnLst>
-                                    <p:set>
-                                      <p:cBhvr>
-                                        <p:cTn id="22" dur="1" fill="hold">
-                                          <p:stCondLst>
-                                            <p:cond delay="0"/>
-                                          </p:stCondLst>
-                                        </p:cTn>
-                                        <p:tgtEl>
-                                          <p:spTgt spid="3">
-                                            <p:txEl>
-                                              <p:pRg st="4" end="4"/>
-                                            </p:txEl>
-                                          </p:spTgt>
-                                        </p:tgtEl>
-                                        <p:attrNameLst>
-                                          <p:attrName>style.visibility</p:attrName>
-                                        </p:attrNameLst>
-                                      </p:cBhvr>
-                                      <p:to>
-                                        <p:strVal val="visible"/>
-                                      </p:to>
-                                    </p:set>
-                                    <p:animEffect transition="in" filter="fade">
-                                      <p:cBhvr>
-                                        <p:cTn id="23" dur="500"/>
-                                        <p:tgtEl>
-                                          <p:spTgt spid="3">
-                                            <p:txEl>
-                                              <p:pRg st="4" end="4"/>
-                                            </p:txEl>
-                                          </p:spTgt>
-                                        </p:tgtEl>
-                                      </p:cBhvr>
-                                    </p:animEffect>
-                                  </p:childTnLst>
-                                </p:cTn>
-                              </p:par>
-                              <p:par>
-                                <p:cTn id="24" presetID="10" presetClass="entr" presetSubtype="0" fill="hold" grpId="0" nodeType="withEffect">
-                                  <p:stCondLst>
-                                    <p:cond delay="0"/>
-                                  </p:stCondLst>
-                                  <p:childTnLst>
-                                    <p:set>
-                                      <p:cBhvr>
-                                        <p:cTn id="25" dur="1" fill="hold">
-                                          <p:stCondLst>
-                                            <p:cond delay="0"/>
-                                          </p:stCondLst>
-                                        </p:cTn>
-                                        <p:tgtEl>
-                                          <p:spTgt spid="3">
-                                            <p:txEl>
-                                              <p:pRg st="5" end="5"/>
-                                            </p:txEl>
-                                          </p:spTgt>
-                                        </p:tgtEl>
-                                        <p:attrNameLst>
-                                          <p:attrName>style.visibility</p:attrName>
-                                        </p:attrNameLst>
-                                      </p:cBhvr>
-                                      <p:to>
-                                        <p:strVal val="visible"/>
-                                      </p:to>
-                                    </p:set>
-                                    <p:animEffect transition="in" filter="fade">
-                                      <p:cBhvr>
-                                        <p:cTn id="26" dur="500"/>
-                                        <p:tgtEl>
-                                          <p:spTgt spid="3">
-                                            <p:txEl>
-                                              <p:pRg st="5" end="5"/>
-                                            </p:txEl>
-                                          </p:spTgt>
-                                        </p:tgtEl>
-                                      </p:cBhvr>
-                                    </p:animEffect>
-                                  </p:childTnLst>
-                                </p:cTn>
-                              </p:par>
-                              <p:par>
-                                <p:cTn id="27" presetID="10" presetClass="entr" presetSubtype="0" fill="hold" grpId="0" nodeType="withEffect">
-                                  <p:stCondLst>
-                                    <p:cond delay="0"/>
-                                  </p:stCondLst>
-                                  <p:childTnLst>
-                                    <p:set>
-                                      <p:cBhvr>
-                                        <p:cTn id="28" dur="1" fill="hold">
-                                          <p:stCondLst>
-                                            <p:cond delay="0"/>
-                                          </p:stCondLst>
-                                        </p:cTn>
-                                        <p:tgtEl>
-                                          <p:spTgt spid="3">
-                                            <p:txEl>
-                                              <p:pRg st="6" end="6"/>
-                                            </p:txEl>
-                                          </p:spTgt>
-                                        </p:tgtEl>
-                                        <p:attrNameLst>
-                                          <p:attrName>style.visibility</p:attrName>
-                                        </p:attrNameLst>
-                                      </p:cBhvr>
-                                      <p:to>
-                                        <p:strVal val="visible"/>
-                                      </p:to>
-                                    </p:set>
-                                    <p:animEffect transition="in" filter="fade">
-                                      <p:cBhvr>
-                                        <p:cTn id="29" dur="500"/>
-                                        <p:tgtEl>
-                                          <p:spTgt spid="3">
-                                            <p:txEl>
-                                              <p:pRg st="6" end="6"/>
                                             </p:txEl>
                                           </p:spTgt>
                                         </p:tgtEl>
@@ -11185,26 +11258,26 @@
                     </p:cTn>
                   </p:par>
                   <p:par>
-                    <p:cTn id="30" fill="hold">
+                    <p:cTn id="18" fill="hold">
                       <p:stCondLst>
                         <p:cond delay="indefinite"/>
                       </p:stCondLst>
                       <p:childTnLst>
                         <p:par>
-                          <p:cTn id="31" fill="hold">
+                          <p:cTn id="19" fill="hold">
                             <p:stCondLst>
                               <p:cond delay="0"/>
                             </p:stCondLst>
                             <p:childTnLst>
                               <p:par>
-                                <p:cTn id="32" presetID="10" presetClass="entr" presetSubtype="0" fill="hold" grpId="0" nodeType="clickEffect">
+                                <p:cTn id="20" presetID="10" presetClass="entr" presetSubtype="0" fill="hold" grpId="0" nodeType="clickEffect">
                                   <p:stCondLst>
                                     <p:cond delay="0"/>
                                   </p:stCondLst>
                                   <p:childTnLst>
                                     <p:set>
                                       <p:cBhvr>
-                                        <p:cTn id="33" dur="1" fill="hold">
+                                        <p:cTn id="21" dur="1" fill="hold">
                                           <p:stCondLst>
                                             <p:cond delay="0"/>
                                           </p:stCondLst>
@@ -11212,7 +11285,7 @@
                                         <p:tgtEl>
                                           <p:spTgt spid="3">
                                             <p:txEl>
-                                              <p:pRg st="7" end="7"/>
+                                              <p:pRg st="4" end="4"/>
                                             </p:txEl>
                                           </p:spTgt>
                                         </p:tgtEl>
@@ -11226,97 +11299,11 @@
                                     </p:set>
                                     <p:animEffect transition="in" filter="fade">
                                       <p:cBhvr>
-                                        <p:cTn id="34" dur="500"/>
-                                        <p:tgtEl>
-                                          <p:spTgt spid="3">
-                                            <p:txEl>
-                                              <p:pRg st="7" end="7"/>
-                                            </p:txEl>
-                                          </p:spTgt>
-                                        </p:tgtEl>
-                                      </p:cBhvr>
-                                    </p:animEffect>
-                                  </p:childTnLst>
-                                </p:cTn>
-                              </p:par>
-                              <p:par>
-                                <p:cTn id="35" presetID="10" presetClass="entr" presetSubtype="0" fill="hold" grpId="0" nodeType="withEffect">
-                                  <p:stCondLst>
-                                    <p:cond delay="0"/>
-                                  </p:stCondLst>
-                                  <p:childTnLst>
-                                    <p:set>
-                                      <p:cBhvr>
-                                        <p:cTn id="36" dur="1" fill="hold">
-                                          <p:stCondLst>
-                                            <p:cond delay="0"/>
-                                          </p:stCondLst>
-                                        </p:cTn>
-                                        <p:tgtEl>
-                                          <p:spTgt spid="3">
-                                            <p:txEl>
-                                              <p:pRg st="8" end="8"/>
-                                            </p:txEl>
-                                          </p:spTgt>
-                                        </p:tgtEl>
-                                        <p:attrNameLst>
-                                          <p:attrName>style.visibility</p:attrName>
-                                        </p:attrNameLst>
-                                      </p:cBhvr>
-                                      <p:to>
-                                        <p:strVal val="visible"/>
-                                      </p:to>
-                                    </p:set>
-                                    <p:animEffect transition="in" filter="fade">
-                                      <p:cBhvr>
-                                        <p:cTn id="37" dur="500"/>
-                                        <p:tgtEl>
-                                          <p:spTgt spid="3">
-                                            <p:txEl>
-                                              <p:pRg st="8" end="8"/>
-                                            </p:txEl>
-                                          </p:spTgt>
-                                        </p:tgtEl>
-                                      </p:cBhvr>
-                                    </p:animEffect>
-                                  </p:childTnLst>
-                                </p:cTn>
-                              </p:par>
-                              <p:par>
-                                <p:cTn id="38" presetID="10" presetClass="entr" presetSubtype="0" fill="hold" grpId="0" nodeType="withEffect">
-                                  <p:stCondLst>
-                                    <p:cond delay="0"/>
-                                  </p:stCondLst>
-                                  <p:childTnLst>
-                                    <p:set>
-                                      <p:cBhvr>
-                                        <p:cTn id="39" dur="1" fill="hold">
-                                          <p:stCondLst>
-                                            <p:cond delay="0"/>
-                                          </p:stCondLst>
-                                        </p:cTn>
-                                        <p:tgtEl>
-                                          <p:spTgt spid="3">
-                                            <p:txEl>
-                                              <p:pRg st="9" end="9"/>
-                                            </p:txEl>
-                                          </p:spTgt>
-                                        </p:tgtEl>
-                                        <p:attrNameLst>
-                                          <p:attrName>style.visibility</p:attrName>
-                                        </p:attrNameLst>
-                                      </p:cBhvr>
-                                      <p:to>
-                                        <p:strVal val="visible"/>
-                                      </p:to>
-                                    </p:set>
-                                    <p:animEffect transition="in" filter="fade">
-                                      <p:cBhvr>
-                                        <p:cTn id="40" dur="500"/>
-                                        <p:tgtEl>
-                                          <p:spTgt spid="3">
-                                            <p:txEl>
-                                              <p:pRg st="9" end="9"/>
+                                        <p:cTn id="22" dur="500"/>
+                                        <p:tgtEl>
+                                          <p:spTgt spid="3">
+                                            <p:txEl>
+                                              <p:pRg st="4" end="4"/>
                                             </p:txEl>
                                           </p:spTgt>
                                         </p:tgtEl>
@@ -11332,26 +11319,26 @@
                     </p:cTn>
                   </p:par>
                   <p:par>
-                    <p:cTn id="41" fill="hold">
+                    <p:cTn id="23" fill="hold">
                       <p:stCondLst>
                         <p:cond delay="indefinite"/>
                       </p:stCondLst>
                       <p:childTnLst>
                         <p:par>
-                          <p:cTn id="42" fill="hold">
+                          <p:cTn id="24" fill="hold">
                             <p:stCondLst>
                               <p:cond delay="0"/>
                             </p:stCondLst>
                             <p:childTnLst>
                               <p:par>
-                                <p:cTn id="43" presetID="10" presetClass="entr" presetSubtype="0" fill="hold" grpId="0" nodeType="clickEffect">
+                                <p:cTn id="25" presetID="10" presetClass="entr" presetSubtype="0" fill="hold" grpId="0" nodeType="clickEffect">
                                   <p:stCondLst>
                                     <p:cond delay="0"/>
                                   </p:stCondLst>
                                   <p:childTnLst>
                                     <p:set>
                                       <p:cBhvr>
-                                        <p:cTn id="44" dur="1" fill="hold">
+                                        <p:cTn id="26" dur="1" fill="hold">
                                           <p:stCondLst>
                                             <p:cond delay="0"/>
                                           </p:stCondLst>
@@ -11359,7 +11346,7 @@
                                         <p:tgtEl>
                                           <p:spTgt spid="3">
                                             <p:txEl>
-                                              <p:pRg st="10" end="10"/>
+                                              <p:pRg st="6" end="6"/>
                                             </p:txEl>
                                           </p:spTgt>
                                         </p:tgtEl>
@@ -11373,11 +11360,133 @@
                                     </p:set>
                                     <p:animEffect transition="in" filter="fade">
                                       <p:cBhvr>
-                                        <p:cTn id="45" dur="500"/>
-                                        <p:tgtEl>
-                                          <p:spTgt spid="3">
-                                            <p:txEl>
-                                              <p:pRg st="10" end="10"/>
+                                        <p:cTn id="27" dur="500"/>
+                                        <p:tgtEl>
+                                          <p:spTgt spid="3">
+                                            <p:txEl>
+                                              <p:pRg st="6" end="6"/>
+                                            </p:txEl>
+                                          </p:spTgt>
+                                        </p:tgtEl>
+                                      </p:cBhvr>
+                                    </p:animEffect>
+                                  </p:childTnLst>
+                                </p:cTn>
+                              </p:par>
+                            </p:childTnLst>
+                          </p:cTn>
+                        </p:par>
+                      </p:childTnLst>
+                    </p:cTn>
+                  </p:par>
+                  <p:par>
+                    <p:cTn id="28" fill="hold">
+                      <p:stCondLst>
+                        <p:cond delay="indefinite"/>
+                      </p:stCondLst>
+                      <p:childTnLst>
+                        <p:par>
+                          <p:cTn id="29" fill="hold">
+                            <p:stCondLst>
+                              <p:cond delay="0"/>
+                            </p:stCondLst>
+                            <p:childTnLst>
+                              <p:par>
+                                <p:cTn id="30" presetID="10" presetClass="entr" presetSubtype="0" fill="hold" grpId="0" nodeType="clickEffect">
+                                  <p:stCondLst>
+                                    <p:cond delay="0"/>
+                                  </p:stCondLst>
+                                  <p:childTnLst>
+                                    <p:set>
+                                      <p:cBhvr>
+                                        <p:cTn id="31" dur="1" fill="hold">
+                                          <p:stCondLst>
+                                            <p:cond delay="0"/>
+                                          </p:stCondLst>
+                                        </p:cTn>
+                                        <p:tgtEl>
+                                          <p:spTgt spid="3">
+                                            <p:txEl>
+                                              <p:pRg st="7" end="7"/>
+                                            </p:txEl>
+                                          </p:spTgt>
+                                        </p:tgtEl>
+                                        <p:attrNameLst>
+                                          <p:attrName>style.visibility</p:attrName>
+                                        </p:attrNameLst>
+                                      </p:cBhvr>
+                                      <p:to>
+                                        <p:strVal val="visible"/>
+                                      </p:to>
+                                    </p:set>
+                                    <p:animEffect transition="in" filter="fade">
+                                      <p:cBhvr>
+                                        <p:cTn id="32" dur="500"/>
+                                        <p:tgtEl>
+                                          <p:spTgt spid="3">
+                                            <p:txEl>
+                                              <p:pRg st="7" end="7"/>
+                                            </p:txEl>
+                                          </p:spTgt>
+                                        </p:tgtEl>
+                                      </p:cBhvr>
+                                    </p:animEffect>
+                                  </p:childTnLst>
+                                </p:cTn>
+                              </p:par>
+                            </p:childTnLst>
+                          </p:cTn>
+                        </p:par>
+                      </p:childTnLst>
+                    </p:cTn>
+                  </p:par>
+                  <p:par>
+                    <p:cTn id="33" fill="hold">
+                      <p:stCondLst>
+                        <p:cond delay="indefinite"/>
+                      </p:stCondLst>
+                      <p:childTnLst>
+                        <p:par>
+                          <p:cTn id="34" fill="hold">
+                            <p:stCondLst>
+                              <p:cond delay="0"/>
+                            </p:stCondLst>
+                            <p:childTnLst>
+                              <p:par>
+                                <p:cTn id="35" presetID="10" presetClass="entr" presetSubtype="0" fill="hold" grpId="0" nodeType="clickEffect">
+                                  <p:stCondLst>
+                                    <p:cond delay="0"/>
+                                  </p:stCondLst>
+                                  <p:childTnLst>
+                                    <p:set>
+                                      <p:cBhvr>
+                                        <p:cTn id="36" dur="1" fill="hold">
+                                          <p:stCondLst>
+                                            <p:cond delay="0"/>
+                                          </p:stCondLst>
+                                        </p:cTn>
+                                        <p:tgtEl>
+                                          <p:spTgt spid="3">
+                                            <p:txEl>
+                                              <p:pRg st="8" end="8"/>
+                                            </p:txEl>
+                                          </p:spTgt>
+                                        </p:tgtEl>
+                                        <p:attrNameLst>
+                                          <p:attrName>style.visibility</p:attrName>
+                                        </p:attrNameLst>
+                                      </p:cBhvr>
+                                      <p:to>
+                                        <p:strVal val="visible"/>
+                                      </p:to>
+                                    </p:set>
+                                    <p:animEffect transition="in" filter="fade">
+                                      <p:cBhvr>
+                                        <p:cTn id="37" dur="500"/>
+                                        <p:tgtEl>
+                                          <p:spTgt spid="3">
+                                            <p:txEl>
+                                              <p:pRg st="8" end="8"/>
                                             </p:txEl>
                                           </p:spTgt>
                                         </p:tgtEl>
@@ -11454,7 +11563,7 @@
           <a:p>
             <a:r>
               <a:rPr lang="en-GB" dirty="0" smtClean="0"/>
-              <a:t>What is FlingOS™ currently doing?</a:t>
+              <a:t>Reactions to this approach</a:t>
             </a:r>
             <a:endParaRPr lang="en-GB" dirty="0"/>
           </a:p>
@@ -11477,64 +11586,49 @@
           <a:p>
             <a:r>
               <a:rPr lang="en-GB" dirty="0" smtClean="0"/>
-              <a:t>Lectures &amp; Workshops</a:t>
-            </a:r>
-          </a:p>
-          <a:p>
-            <a:pPr lvl="1"/>
-            <a:r>
-              <a:rPr lang="en-GB" dirty="0" smtClean="0"/>
-              <a:t>Teaching basic, practical OS dev</a:t>
-            </a:r>
-          </a:p>
-          <a:p>
-            <a:pPr lvl="1"/>
-            <a:r>
-              <a:rPr lang="en-GB" dirty="0" smtClean="0"/>
-              <a:t>x86 and MIPS</a:t>
-            </a:r>
-          </a:p>
-          <a:p>
-            <a:pPr lvl="1"/>
-            <a:r>
-              <a:rPr lang="en-GB" dirty="0" smtClean="0"/>
-              <a:t>10 undergrads</a:t>
-            </a:r>
-          </a:p>
-          <a:p>
-            <a:pPr lvl="1"/>
-            <a:r>
-              <a:rPr lang="en-GB" dirty="0" smtClean="0"/>
-              <a:t>10 MSc students</a:t>
-            </a:r>
-          </a:p>
-          <a:p>
-            <a:pPr lvl="1"/>
-            <a:r>
-              <a:rPr lang="en-GB" dirty="0" smtClean="0"/>
-              <a:t>Great reaction from students!</a:t>
-            </a:r>
-          </a:p>
-          <a:p>
-            <a:pPr lvl="1"/>
-            <a:r>
-              <a:rPr lang="en-GB" dirty="0" smtClean="0"/>
-              <a:t>Supported by University of Bristol EE and CS departments</a:t>
-            </a:r>
-          </a:p>
-          <a:p>
-            <a:r>
-              <a:rPr lang="en-GB" dirty="0" smtClean="0"/>
-              <a:t>Further development &amp; writing</a:t>
-            </a:r>
+              <a:t>“</a:t>
+            </a:r>
+            <a:r>
+              <a:rPr lang="en-GB" dirty="0"/>
+              <a:t>An excellent idea to my mind. </a:t>
+            </a:r>
+            <a:r>
+              <a:rPr lang="en-GB" dirty="0" smtClean="0"/>
+              <a:t>…, </a:t>
+            </a:r>
+            <a:r>
+              <a:rPr lang="en-GB" dirty="0"/>
+              <a:t>this seems like a great way to bridge the gap</a:t>
+            </a:r>
+            <a:r>
+              <a:rPr lang="en-GB" dirty="0" smtClean="0"/>
+              <a:t>.”</a:t>
+            </a:r>
+          </a:p>
+          <a:p>
             <a:endParaRPr lang="en-GB" dirty="0"/>
+          </a:p>
+          <a:p>
+            <a:r>
+              <a:rPr lang="en-GB" dirty="0"/>
+              <a:t>“Innovative, unique and forward thinking. We’re looking into this for next year.”</a:t>
+            </a:r>
+          </a:p>
+          <a:p>
+            <a:endParaRPr lang="en-GB" dirty="0" smtClean="0"/>
+          </a:p>
+          <a:p>
+            <a:r>
+              <a:rPr lang="en-GB" dirty="0" smtClean="0"/>
+              <a:t>“Excellent idea!”</a:t>
+            </a:r>
           </a:p>
         </p:txBody>
       </p:sp>
     </p:spTree>
     <p:extLst>
       <p:ext uri="{BB962C8B-B14F-4D97-AF65-F5344CB8AC3E}">
-        <p14:creationId xmlns:p14="http://schemas.microsoft.com/office/powerpoint/2010/main" val="3172912890"/>
+        <p14:creationId xmlns:p14="http://schemas.microsoft.com/office/powerpoint/2010/main" val="1148968673"/>
       </p:ext>
     </p:extLst>
   </p:cSld>
@@ -11604,15 +11698,33 @@
                                   </p:childTnLst>
                                 </p:cTn>
                               </p:par>
+                            </p:childTnLst>
+                          </p:cTn>
+                        </p:par>
+                      </p:childTnLst>
+                    </p:cTn>
+                  </p:par>
+                  <p:par>
+                    <p:cTn id="8" fill="hold">
+                      <p:stCondLst>
+                        <p:cond delay="indefinite"/>
+                      </p:stCondLst>
+                      <p:childTnLst>
+                        <p:par>
+                          <p:cTn id="9" fill="hold">
+                            <p:stCondLst>
+                              <p:cond delay="0"/>
+                            </p:stCondLst>
+                            <p:childTnLst>
                               <p:par>
-                                <p:cTn id="8" presetID="10" presetClass="entr" presetSubtype="0" fill="hold" grpId="0" nodeType="withEffect">
+                                <p:cTn id="10" presetID="10" presetClass="entr" presetSubtype="0" fill="hold" grpId="0" nodeType="clickEffect">
                                   <p:stCondLst>
                                     <p:cond delay="0"/>
                                   </p:stCondLst>
                                   <p:childTnLst>
                                     <p:set>
                                       <p:cBhvr>
-                                        <p:cTn id="9" dur="1" fill="hold">
+                                        <p:cTn id="11" dur="1" fill="hold">
                                           <p:stCondLst>
                                             <p:cond delay="0"/>
                                           </p:stCondLst>
@@ -11620,7 +11732,7 @@
                                         <p:tgtEl>
                                           <p:spTgt spid="3">
                                             <p:txEl>
-                                              <p:pRg st="1" end="1"/>
+                                              <p:pRg st="2" end="2"/>
                                             </p:txEl>
                                           </p:spTgt>
                                         </p:tgtEl>
@@ -11634,226 +11746,11 @@
                                     </p:set>
                                     <p:animEffect transition="in" filter="fade">
                                       <p:cBhvr>
-                                        <p:cTn id="10" dur="500"/>
-                                        <p:tgtEl>
-                                          <p:spTgt spid="3">
-                                            <p:txEl>
-                                              <p:pRg st="1" end="1"/>
-                                            </p:txEl>
-                                          </p:spTgt>
-                                        </p:tgtEl>
-                                      </p:cBhvr>
-                                    </p:animEffect>
-                                  </p:childTnLst>
-                                </p:cTn>
-                              </p:par>
-                              <p:par>
-                                <p:cTn id="11" presetID="10" presetClass="entr" presetSubtype="0" fill="hold" grpId="0" nodeType="withEffect">
-                                  <p:stCondLst>
-                                    <p:cond delay="0"/>
-                                  </p:stCondLst>
-                                  <p:childTnLst>
-                                    <p:set>
-                                      <p:cBhvr>
-                                        <p:cTn id="12" dur="1" fill="hold">
-                                          <p:stCondLst>
-                                            <p:cond delay="0"/>
-                                          </p:stCondLst>
-                                        </p:cTn>
+                                        <p:cTn id="12" dur="500"/>
                                         <p:tgtEl>
                                           <p:spTgt spid="3">
                                             <p:txEl>
                                               <p:pRg st="2" end="2"/>
-                                            </p:txEl>
-                                          </p:spTgt>
-                                        </p:tgtEl>
-                                        <p:attrNameLst>
-                                          <p:attrName>style.visibility</p:attrName>
-                                        </p:attrNameLst>
-                                      </p:cBhvr>
-                                      <p:to>
-                                        <p:strVal val="visible"/>
-                                      </p:to>
-                                    </p:set>
-                                    <p:animEffect transition="in" filter="fade">
-                                      <p:cBhvr>
-                                        <p:cTn id="13" dur="500"/>
-                                        <p:tgtEl>
-                                          <p:spTgt spid="3">
-                                            <p:txEl>
-                                              <p:pRg st="2" end="2"/>
-                                            </p:txEl>
-                                          </p:spTgt>
-                                        </p:tgtEl>
-                                      </p:cBhvr>
-                                    </p:animEffect>
-                                  </p:childTnLst>
-                                </p:cTn>
-                              </p:par>
-                              <p:par>
-                                <p:cTn id="14" presetID="10" presetClass="entr" presetSubtype="0" fill="hold" grpId="0" nodeType="withEffect">
-                                  <p:stCondLst>
-                                    <p:cond delay="0"/>
-                                  </p:stCondLst>
-                                  <p:childTnLst>
-                                    <p:set>
-                                      <p:cBhvr>
-                                        <p:cTn id="15" dur="1" fill="hold">
-                                          <p:stCondLst>
-                                            <p:cond delay="0"/>
-                                          </p:stCondLst>
-                                        </p:cTn>
-                                        <p:tgtEl>
-                                          <p:spTgt spid="3">
-                                            <p:txEl>
-                                              <p:pRg st="3" end="3"/>
-                                            </p:txEl>
-                                          </p:spTgt>
-                                        </p:tgtEl>
-                                        <p:attrNameLst>
-                                          <p:attrName>style.visibility</p:attrName>
-                                        </p:attrNameLst>
-                                      </p:cBhvr>
-                                      <p:to>
-                                        <p:strVal val="visible"/>
-                                      </p:to>
-                                    </p:set>
-                                    <p:animEffect transition="in" filter="fade">
-                                      <p:cBhvr>
-                                        <p:cTn id="16" dur="500"/>
-                                        <p:tgtEl>
-                                          <p:spTgt spid="3">
-                                            <p:txEl>
-                                              <p:pRg st="3" end="3"/>
-                                            </p:txEl>
-                                          </p:spTgt>
-                                        </p:tgtEl>
-                                      </p:cBhvr>
-                                    </p:animEffect>
-                                  </p:childTnLst>
-                                </p:cTn>
-                              </p:par>
-                              <p:par>
-                                <p:cTn id="17" presetID="10" presetClass="entr" presetSubtype="0" fill="hold" grpId="0" nodeType="withEffect">
-                                  <p:stCondLst>
-                                    <p:cond delay="0"/>
-                                  </p:stCondLst>
-                                  <p:childTnLst>
-                                    <p:set>
-                                      <p:cBhvr>
-                                        <p:cTn id="18" dur="1" fill="hold">
-                                          <p:stCondLst>
-                                            <p:cond delay="0"/>
-                                          </p:stCondLst>
-                                        </p:cTn>
-                                        <p:tgtEl>
-                                          <p:spTgt spid="3">
-                                            <p:txEl>
-                                              <p:pRg st="4" end="4"/>
-                                            </p:txEl>
-                                          </p:spTgt>
-                                        </p:tgtEl>
-                                        <p:attrNameLst>
-                                          <p:attrName>style.visibility</p:attrName>
-                                        </p:attrNameLst>
-                                      </p:cBhvr>
-                                      <p:to>
-                                        <p:strVal val="visible"/>
-                                      </p:to>
-                                    </p:set>
-                                    <p:animEffect transition="in" filter="fade">
-                                      <p:cBhvr>
-                                        <p:cTn id="19" dur="500"/>
-                                        <p:tgtEl>
-                                          <p:spTgt spid="3">
-                                            <p:txEl>
-                                              <p:pRg st="4" end="4"/>
-                                            </p:txEl>
-                                          </p:spTgt>
-                                        </p:tgtEl>
-                                      </p:cBhvr>
-                                    </p:animEffect>
-                                  </p:childTnLst>
-                                </p:cTn>
-                              </p:par>
-                              <p:par>
-                                <p:cTn id="20" presetID="10" presetClass="entr" presetSubtype="0" fill="hold" grpId="0" nodeType="withEffect">
-                                  <p:stCondLst>
-                                    <p:cond delay="0"/>
-                                  </p:stCondLst>
-                                  <p:childTnLst>
-                                    <p:set>
-                                      <p:cBhvr>
-                                        <p:cTn id="21" dur="1" fill="hold">
-                                          <p:stCondLst>
-                                            <p:cond delay="0"/>
-                                          </p:stCondLst>
-                                        </p:cTn>
-                                        <p:tgtEl>
-                                          <p:spTgt spid="3">
-                                            <p:txEl>
-                                              <p:pRg st="5" end="5"/>
-                                            </p:txEl>
-                                          </p:spTgt>
-                                        </p:tgtEl>
-                                        <p:attrNameLst>
-                                          <p:attrName>style.visibility</p:attrName>
-                                        </p:attrNameLst>
-                                      </p:cBhvr>
-                                      <p:to>
-                                        <p:strVal val="visible"/>
-                                      </p:to>
-                                    </p:set>
-                                    <p:animEffect transition="in" filter="fade">
-                                      <p:cBhvr>
-                                        <p:cTn id="22" dur="500"/>
-                                        <p:tgtEl>
-                                          <p:spTgt spid="3">
-                                            <p:txEl>
-                                              <p:pRg st="5" end="5"/>
-                                            </p:txEl>
-                                          </p:spTgt>
-                                        </p:tgtEl>
-                                      </p:cBhvr>
-                                    </p:animEffect>
-                                  </p:childTnLst>
-                                </p:cTn>
-                              </p:par>
-                              <p:par>
-                                <p:cTn id="23" presetID="10" presetClass="entr" presetSubtype="0" fill="hold" grpId="0" nodeType="withEffect">
-                                  <p:stCondLst>
-                                    <p:cond delay="0"/>
-                                  </p:stCondLst>
-                                  <p:childTnLst>
-                                    <p:set>
-                                      <p:cBhvr>
-                                        <p:cTn id="24" dur="1" fill="hold">
-                                          <p:stCondLst>
-                                            <p:cond delay="0"/>
-                                          </p:stCondLst>
-                                        </p:cTn>
-                                        <p:tgtEl>
-                                          <p:spTgt spid="3">
-                                            <p:txEl>
-                                              <p:pRg st="6" end="6"/>
-                                            </p:txEl>
-                                          </p:spTgt>
-                                        </p:tgtEl>
-                                        <p:attrNameLst>
-                                          <p:attrName>style.visibility</p:attrName>
-                                        </p:attrNameLst>
-                                      </p:cBhvr>
-                                      <p:to>
-                                        <p:strVal val="visible"/>
-                                      </p:to>
-                                    </p:set>
-                                    <p:animEffect transition="in" filter="fade">
-                                      <p:cBhvr>
-                                        <p:cTn id="25" dur="500"/>
-                                        <p:tgtEl>
-                                          <p:spTgt spid="3">
-                                            <p:txEl>
-                                              <p:pRg st="6" end="6"/>
                                             </p:txEl>
                                           </p:spTgt>
                                         </p:tgtEl>
@@ -11869,26 +11766,26 @@
                     </p:cTn>
                   </p:par>
                   <p:par>
-                    <p:cTn id="26" fill="hold">
+                    <p:cTn id="13" fill="hold">
                       <p:stCondLst>
                         <p:cond delay="indefinite"/>
                       </p:stCondLst>
                       <p:childTnLst>
                         <p:par>
-                          <p:cTn id="27" fill="hold">
+                          <p:cTn id="14" fill="hold">
                             <p:stCondLst>
                               <p:cond delay="0"/>
                             </p:stCondLst>
                             <p:childTnLst>
                               <p:par>
-                                <p:cTn id="28" presetID="10" presetClass="entr" presetSubtype="0" fill="hold" grpId="0" nodeType="clickEffect">
+                                <p:cTn id="15" presetID="10" presetClass="entr" presetSubtype="0" fill="hold" grpId="0" nodeType="clickEffect">
                                   <p:stCondLst>
                                     <p:cond delay="0"/>
                                   </p:stCondLst>
                                   <p:childTnLst>
                                     <p:set>
                                       <p:cBhvr>
-                                        <p:cTn id="29" dur="1" fill="hold">
+                                        <p:cTn id="16" dur="1" fill="hold">
                                           <p:stCondLst>
                                             <p:cond delay="0"/>
                                           </p:stCondLst>
@@ -11896,7 +11793,7 @@
                                         <p:tgtEl>
                                           <p:spTgt spid="3">
                                             <p:txEl>
-                                              <p:pRg st="7" end="7"/>
+                                              <p:pRg st="4" end="4"/>
                                             </p:txEl>
                                           </p:spTgt>
                                         </p:tgtEl>
@@ -11910,11 +11807,11 @@
                                     </p:set>
                                     <p:animEffect transition="in" filter="fade">
                                       <p:cBhvr>
-                                        <p:cTn id="30" dur="500"/>
-                                        <p:tgtEl>
-                                          <p:spTgt spid="3">
-                                            <p:txEl>
-                                              <p:pRg st="7" end="7"/>
+                                        <p:cTn id="17" dur="500"/>
+                                        <p:tgtEl>
+                                          <p:spTgt spid="3">
+                                            <p:txEl>
+                                              <p:pRg st="4" end="4"/>
                                             </p:txEl>
                                           </p:spTgt>
                                         </p:tgtEl>
@@ -11991,7 +11888,15 @@
           <a:p>
             <a:r>
               <a:rPr lang="en-GB" dirty="0" smtClean="0"/>
-              <a:t>Where is FlingOS™ headed?</a:t>
+              <a:t>What has FlingOS™</a:t>
+            </a:r>
+            <a:r>
+              <a:rPr lang="en-GB" dirty="0"/>
+              <a:t> </a:t>
+            </a:r>
+            <a:r>
+              <a:rPr lang="en-GB" dirty="0" smtClean="0"/>
+              <a:t>created?</a:t>
             </a:r>
             <a:endParaRPr lang="en-GB" dirty="0"/>
           </a:p>
@@ -12009,64 +11914,85 @@
         </p:nvSpPr>
         <p:spPr/>
         <p:txBody>
-          <a:bodyPr/>
+          <a:bodyPr>
+            <a:normAutofit fontScale="92500" lnSpcReduction="20000"/>
+          </a:bodyPr>
           <a:lstStyle/>
           <a:p>
             <a:r>
               <a:rPr lang="en-GB" dirty="0" smtClean="0"/>
-              <a:t>Aiming to create a complete, accessible lecture course</a:t>
-            </a:r>
-          </a:p>
-          <a:p>
-            <a:r>
-              <a:rPr lang="en-GB" dirty="0" smtClean="0"/>
-              <a:t>Aiming to reach more students (A-level and University)</a:t>
-            </a:r>
-          </a:p>
-          <a:p>
-            <a:r>
-              <a:rPr lang="en-GB" dirty="0" smtClean="0"/>
-              <a:t>Aiming to reach more industry</a:t>
-            </a:r>
-          </a:p>
-          <a:p>
-            <a:r>
-              <a:rPr lang="en-GB" dirty="0" smtClean="0"/>
-              <a:t>Growing our articles and codebase</a:t>
-            </a:r>
-          </a:p>
-          <a:p>
-            <a:r>
-              <a:rPr lang="en-GB" dirty="0" smtClean="0"/>
-              <a:t>Raising </a:t>
-            </a:r>
-            <a:r>
-              <a:rPr lang="en-GB" dirty="0"/>
-              <a:t>sponsorship for next </a:t>
-            </a:r>
-            <a:r>
-              <a:rPr lang="en-GB" dirty="0" smtClean="0"/>
-              <a:t>year</a:t>
+              <a:t>That approach</a:t>
+            </a:r>
+          </a:p>
+          <a:p>
+            <a:r>
+              <a:rPr lang="en-GB" dirty="0" smtClean="0"/>
+              <a:t>C# kernel: Open source, microkernel, some drivers, AOT compiler (for MSIL)</a:t>
             </a:r>
           </a:p>
           <a:p>
             <a:pPr lvl="1"/>
             <a:r>
               <a:rPr lang="en-GB" dirty="0" smtClean="0"/>
-              <a:t>5 interns for 12 weeks</a:t>
+              <a:t>Learn by example</a:t>
+            </a:r>
+          </a:p>
+          <a:p>
+            <a:r>
+              <a:rPr lang="en-GB" dirty="0" smtClean="0"/>
+              <a:t>30 articles: Free, online</a:t>
             </a:r>
           </a:p>
           <a:p>
             <a:pPr lvl="1"/>
             <a:r>
               <a:rPr lang="en-GB" dirty="0" smtClean="0"/>
-              <a:t>Target: £20,000</a:t>
-            </a:r>
-          </a:p>
-          <a:p>
-            <a:endParaRPr lang="en-GB" dirty="0"/>
-          </a:p>
-          <a:p>
+              <a:t>Learn by reading</a:t>
+            </a:r>
+          </a:p>
+          <a:p>
+            <a:pPr lvl="1"/>
+            <a:r>
+              <a:rPr lang="en-GB" dirty="0" smtClean="0"/>
+              <a:t>Practical approach to the subject matter</a:t>
+            </a:r>
+          </a:p>
+          <a:p>
+            <a:pPr lvl="1"/>
+            <a:r>
+              <a:rPr lang="en-GB" dirty="0" smtClean="0"/>
+              <a:t>Covering history, reasoning/thinking, hardware, software, further reading</a:t>
+            </a:r>
+          </a:p>
+          <a:p>
+            <a:r>
+              <a:rPr lang="en-GB" dirty="0" smtClean="0"/>
+              <a:t>10 tutorials: Free, on YouTube</a:t>
+            </a:r>
+          </a:p>
+          <a:p>
+            <a:pPr lvl="1"/>
+            <a:r>
+              <a:rPr lang="en-GB" dirty="0" smtClean="0"/>
+              <a:t>Learn by watching/listening</a:t>
+            </a:r>
+          </a:p>
+          <a:p>
+            <a:pPr lvl="1"/>
+            <a:r>
+              <a:rPr lang="en-GB" dirty="0" smtClean="0"/>
+              <a:t>Takes you from just programming to having a (very) basic OS</a:t>
+            </a:r>
+          </a:p>
+          <a:p>
+            <a:r>
+              <a:rPr lang="en-GB" dirty="0" smtClean="0"/>
+              <a:t>No one part to </a:t>
+            </a:r>
+            <a:r>
+              <a:rPr lang="en-GB" dirty="0" smtClean="0"/>
+              <a:t>be taken in isolation</a:t>
+            </a:r>
             <a:endParaRPr lang="en-GB" dirty="0"/>
           </a:p>
         </p:txBody>
@@ -12074,7 +12000,7 @@
     </p:spTree>
     <p:extLst>
       <p:ext uri="{BB962C8B-B14F-4D97-AF65-F5344CB8AC3E}">
-        <p14:creationId xmlns:p14="http://schemas.microsoft.com/office/powerpoint/2010/main" val="250457409"/>
+        <p14:creationId xmlns:p14="http://schemas.microsoft.com/office/powerpoint/2010/main" val="92490814"/>
       </p:ext>
     </p:extLst>
   </p:cSld>
@@ -12205,33 +12131,15 @@
                                   </p:childTnLst>
                                 </p:cTn>
                               </p:par>
-                            </p:childTnLst>
-                          </p:cTn>
-                        </p:par>
-                      </p:childTnLst>
-                    </p:cTn>
-                  </p:par>
-                  <p:par>
-                    <p:cTn id="13" fill="hold">
-                      <p:stCondLst>
-                        <p:cond delay="indefinite"/>
-                      </p:stCondLst>
-                      <p:childTnLst>
-                        <p:par>
-                          <p:cTn id="14" fill="hold">
-                            <p:stCondLst>
-                              <p:cond delay="0"/>
-                            </p:stCondLst>
-                            <p:childTnLst>
                               <p:par>
-                                <p:cTn id="15" presetID="10" presetClass="entr" presetSubtype="0" fill="hold" grpId="0" nodeType="clickEffect">
+                                <p:cTn id="13" presetID="10" presetClass="entr" presetSubtype="0" fill="hold" grpId="0" nodeType="withEffect">
                                   <p:stCondLst>
                                     <p:cond delay="0"/>
                                   </p:stCondLst>
                                   <p:childTnLst>
                                     <p:set>
                                       <p:cBhvr>
-                                        <p:cTn id="16" dur="1" fill="hold">
+                                        <p:cTn id="14" dur="1" fill="hold">
                                           <p:stCondLst>
                                             <p:cond delay="0"/>
                                           </p:stCondLst>
@@ -12253,7 +12161,7 @@
                                     </p:set>
                                     <p:animEffect transition="in" filter="fade">
                                       <p:cBhvr>
-                                        <p:cTn id="17" dur="500"/>
+                                        <p:cTn id="15" dur="500"/>
                                         <p:tgtEl>
                                           <p:spTgt spid="3">
                                             <p:txEl>
@@ -12273,26 +12181,26 @@
                     </p:cTn>
                   </p:par>
                   <p:par>
-                    <p:cTn id="18" fill="hold">
+                    <p:cTn id="16" fill="hold">
                       <p:stCondLst>
                         <p:cond delay="indefinite"/>
                       </p:stCondLst>
                       <p:childTnLst>
                         <p:par>
-                          <p:cTn id="19" fill="hold">
+                          <p:cTn id="17" fill="hold">
                             <p:stCondLst>
                               <p:cond delay="0"/>
                             </p:stCondLst>
                             <p:childTnLst>
                               <p:par>
-                                <p:cTn id="20" presetID="10" presetClass="entr" presetSubtype="0" fill="hold" grpId="0" nodeType="clickEffect">
+                                <p:cTn id="18" presetID="10" presetClass="entr" presetSubtype="0" fill="hold" grpId="0" nodeType="clickEffect">
                                   <p:stCondLst>
                                     <p:cond delay="0"/>
                                   </p:stCondLst>
                                   <p:childTnLst>
                                     <p:set>
                                       <p:cBhvr>
-                                        <p:cTn id="21" dur="1" fill="hold">
+                                        <p:cTn id="19" dur="1" fill="hold">
                                           <p:stCondLst>
                                             <p:cond delay="0"/>
                                           </p:stCondLst>
@@ -12314,11 +12222,140 @@
                                     </p:set>
                                     <p:animEffect transition="in" filter="fade">
                                       <p:cBhvr>
-                                        <p:cTn id="22" dur="500"/>
+                                        <p:cTn id="20" dur="500"/>
                                         <p:tgtEl>
                                           <p:spTgt spid="3">
                                             <p:txEl>
                                               <p:pRg st="3" end="3"/>
+                                            </p:txEl>
+                                          </p:spTgt>
+                                        </p:tgtEl>
+                                      </p:cBhvr>
+                                    </p:animEffect>
+                                  </p:childTnLst>
+                                </p:cTn>
+                              </p:par>
+                              <p:par>
+                                <p:cTn id="21" presetID="10" presetClass="entr" presetSubtype="0" fill="hold" grpId="0" nodeType="withEffect">
+                                  <p:stCondLst>
+                                    <p:cond delay="0"/>
+                                  </p:stCondLst>
+                                  <p:childTnLst>
+                                    <p:set>
+                                      <p:cBhvr>
+                                        <p:cTn id="22" dur="1" fill="hold">
+                                          <p:stCondLst>
+                                            <p:cond delay="0"/>
+                                          </p:stCondLst>
+                                        </p:cTn>
+                                        <p:tgtEl>
+                                          <p:spTgt spid="3">
+                                            <p:txEl>
+                                              <p:pRg st="4" end="4"/>
+                                            </p:txEl>
+                                          </p:spTgt>
+                                        </p:tgtEl>
+                                        <p:attrNameLst>
+                                          <p:attrName>style.visibility</p:attrName>
+                                        </p:attrNameLst>
+                                      </p:cBhvr>
+                                      <p:to>
+                                        <p:strVal val="visible"/>
+                                      </p:to>
+                                    </p:set>
+                                    <p:animEffect transition="in" filter="fade">
+                                      <p:cBhvr>
+                                        <p:cTn id="23" dur="500"/>
+                                        <p:tgtEl>
+                                          <p:spTgt spid="3">
+                                            <p:txEl>
+                                              <p:pRg st="4" end="4"/>
+                                            </p:txEl>
+                                          </p:spTgt>
+                                        </p:tgtEl>
+                                      </p:cBhvr>
+                                    </p:animEffect>
+                                  </p:childTnLst>
+                                </p:cTn>
+                              </p:par>
+                              <p:par>
+                                <p:cTn id="24" presetID="10" presetClass="entr" presetSubtype="0" fill="hold" grpId="0" nodeType="withEffect">
+                                  <p:stCondLst>
+                                    <p:cond delay="0"/>
+                                  </p:stCondLst>
+                                  <p:childTnLst>
+                                    <p:set>
+                                      <p:cBhvr>
+                                        <p:cTn id="25" dur="1" fill="hold">
+                                          <p:stCondLst>
+                                            <p:cond delay="0"/>
+                                          </p:stCondLst>
+                                        </p:cTn>
+                                        <p:tgtEl>
+                                          <p:spTgt spid="3">
+                                            <p:txEl>
+                                              <p:pRg st="5" end="5"/>
+                                            </p:txEl>
+                                          </p:spTgt>
+                                        </p:tgtEl>
+                                        <p:attrNameLst>
+                                          <p:attrName>style.visibility</p:attrName>
+                                        </p:attrNameLst>
+                                      </p:cBhvr>
+                                      <p:to>
+                                        <p:strVal val="visible"/>
+                                      </p:to>
+                                    </p:set>
+                                    <p:animEffect transition="in" filter="fade">
+                                      <p:cBhvr>
+                                        <p:cTn id="26" dur="500"/>
+                                        <p:tgtEl>
+                                          <p:spTgt spid="3">
+                                            <p:txEl>
+                                              <p:pRg st="5" end="5"/>
+                                            </p:txEl>
+                                          </p:spTgt>
+                                        </p:tgtEl>
+                                      </p:cBhvr>
+                                    </p:animEffect>
+                                  </p:childTnLst>
+                                </p:cTn>
+                              </p:par>
+                              <p:par>
+                                <p:cTn id="27" presetID="10" presetClass="entr" presetSubtype="0" fill="hold" grpId="0" nodeType="withEffect">
+                                  <p:stCondLst>
+                                    <p:cond delay="0"/>
+                                  </p:stCondLst>
+                                  <p:childTnLst>
+                                    <p:set>
+                                      <p:cBhvr>
+                                        <p:cTn id="28" dur="1" fill="hold">
+                                          <p:stCondLst>
+                                            <p:cond delay="0"/>
+                                          </p:stCondLst>
+                                        </p:cTn>
+                                        <p:tgtEl>
+                                          <p:spTgt spid="3">
+                                            <p:txEl>
+                                              <p:pRg st="6" end="6"/>
+                                            </p:txEl>
+                                          </p:spTgt>
+                                        </p:tgtEl>
+                                        <p:attrNameLst>
+                                          <p:attrName>style.visibility</p:attrName>
+                                        </p:attrNameLst>
+                                      </p:cBhvr>
+                                      <p:to>
+                                        <p:strVal val="visible"/>
+                                      </p:to>
+                                    </p:set>
+                                    <p:animEffect transition="in" filter="fade">
+                                      <p:cBhvr>
+                                        <p:cTn id="29" dur="500"/>
+                                        <p:tgtEl>
+                                          <p:spTgt spid="3">
+                                            <p:txEl>
+                                              <p:pRg st="6" end="6"/>
                                             </p:txEl>
                                           </p:spTgt>
                                         </p:tgtEl>
@@ -12334,26 +12371,26 @@
                     </p:cTn>
                   </p:par>
                   <p:par>
-                    <p:cTn id="23" fill="hold">
+                    <p:cTn id="30" fill="hold">
                       <p:stCondLst>
                         <p:cond delay="indefinite"/>
                       </p:stCondLst>
                       <p:childTnLst>
                         <p:par>
-                          <p:cTn id="24" fill="hold">
+                          <p:cTn id="31" fill="hold">
                             <p:stCondLst>
                               <p:cond delay="0"/>
                             </p:stCondLst>
                             <p:childTnLst>
                               <p:par>
-                                <p:cTn id="25" presetID="10" presetClass="entr" presetSubtype="0" fill="hold" grpId="0" nodeType="clickEffect">
+                                <p:cTn id="32" presetID="10" presetClass="entr" presetSubtype="0" fill="hold" grpId="0" nodeType="clickEffect">
                                   <p:stCondLst>
                                     <p:cond delay="0"/>
                                   </p:stCondLst>
                                   <p:childTnLst>
                                     <p:set>
                                       <p:cBhvr>
-                                        <p:cTn id="26" dur="1" fill="hold">
+                                        <p:cTn id="33" dur="1" fill="hold">
                                           <p:stCondLst>
                                             <p:cond delay="0"/>
                                           </p:stCondLst>
@@ -12361,7 +12398,7 @@
                                         <p:tgtEl>
                                           <p:spTgt spid="3">
                                             <p:txEl>
-                                              <p:pRg st="4" end="4"/>
+                                              <p:pRg st="7" end="7"/>
                                             </p:txEl>
                                           </p:spTgt>
                                         </p:tgtEl>
@@ -12375,11 +12412,11 @@
                                     </p:set>
                                     <p:animEffect transition="in" filter="fade">
                                       <p:cBhvr>
-                                        <p:cTn id="27" dur="500"/>
-                                        <p:tgtEl>
-                                          <p:spTgt spid="3">
-                                            <p:txEl>
-                                              <p:pRg st="4" end="4"/>
+                                        <p:cTn id="34" dur="500"/>
+                                        <p:tgtEl>
+                                          <p:spTgt spid="3">
+                                            <p:txEl>
+                                              <p:pRg st="7" end="7"/>
                                             </p:txEl>
                                           </p:spTgt>
                                         </p:tgtEl>
@@ -12389,14 +12426,14 @@
                                 </p:cTn>
                               </p:par>
                               <p:par>
-                                <p:cTn id="28" presetID="10" presetClass="entr" presetSubtype="0" fill="hold" grpId="0" nodeType="withEffect">
+                                <p:cTn id="35" presetID="10" presetClass="entr" presetSubtype="0" fill="hold" grpId="0" nodeType="withEffect">
                                   <p:stCondLst>
                                     <p:cond delay="0"/>
                                   </p:stCondLst>
                                   <p:childTnLst>
                                     <p:set>
                                       <p:cBhvr>
-                                        <p:cTn id="29" dur="1" fill="hold">
+                                        <p:cTn id="36" dur="1" fill="hold">
                                           <p:stCondLst>
                                             <p:cond delay="0"/>
                                           </p:stCondLst>
@@ -12404,7 +12441,7 @@
                                         <p:tgtEl>
                                           <p:spTgt spid="3">
                                             <p:txEl>
-                                              <p:pRg st="5" end="5"/>
+                                              <p:pRg st="8" end="8"/>
                                             </p:txEl>
                                           </p:spTgt>
                                         </p:tgtEl>
@@ -12418,11 +12455,11 @@
                                     </p:set>
                                     <p:animEffect transition="in" filter="fade">
                                       <p:cBhvr>
-                                        <p:cTn id="30" dur="500"/>
-                                        <p:tgtEl>
-                                          <p:spTgt spid="3">
-                                            <p:txEl>
-                                              <p:pRg st="5" end="5"/>
+                                        <p:cTn id="37" dur="500"/>
+                                        <p:tgtEl>
+                                          <p:spTgt spid="3">
+                                            <p:txEl>
+                                              <p:pRg st="8" end="8"/>
                                             </p:txEl>
                                           </p:spTgt>
                                         </p:tgtEl>
@@ -12432,14 +12469,14 @@
                                 </p:cTn>
                               </p:par>
                               <p:par>
-                                <p:cTn id="31" presetID="10" presetClass="entr" presetSubtype="0" fill="hold" grpId="0" nodeType="withEffect">
+                                <p:cTn id="38" presetID="10" presetClass="entr" presetSubtype="0" fill="hold" grpId="0" nodeType="withEffect">
                                   <p:stCondLst>
                                     <p:cond delay="0"/>
                                   </p:stCondLst>
                                   <p:childTnLst>
                                     <p:set>
                                       <p:cBhvr>
-                                        <p:cTn id="32" dur="1" fill="hold">
+                                        <p:cTn id="39" dur="1" fill="hold">
                                           <p:stCondLst>
                                             <p:cond delay="0"/>
                                           </p:stCondLst>
@@ -12447,7 +12484,7 @@
                                         <p:tgtEl>
                                           <p:spTgt spid="3">
                                             <p:txEl>
-                                              <p:pRg st="6" end="6"/>
+                                              <p:pRg st="9" end="9"/>
                                             </p:txEl>
                                           </p:spTgt>
                                         </p:tgtEl>
@@ -12461,11 +12498,72 @@
                                     </p:set>
                                     <p:animEffect transition="in" filter="fade">
                                       <p:cBhvr>
-                                        <p:cTn id="33" dur="500"/>
-                                        <p:tgtEl>
-                                          <p:spTgt spid="3">
-                                            <p:txEl>
-                                              <p:pRg st="6" end="6"/>
+                                        <p:cTn id="40" dur="500"/>
+                                        <p:tgtEl>
+                                          <p:spTgt spid="3">
+                                            <p:txEl>
+                                              <p:pRg st="9" end="9"/>
+                                            </p:txEl>
+                                          </p:spTgt>
+                                        </p:tgtEl>
+                                      </p:cBhvr>
+                                    </p:animEffect>
+                                  </p:childTnLst>
+                                </p:cTn>
+                              </p:par>
+                            </p:childTnLst>
+                          </p:cTn>
+                        </p:par>
+                      </p:childTnLst>
+                    </p:cTn>
+                  </p:par>
+                  <p:par>
+                    <p:cTn id="41" fill="hold">
+                      <p:stCondLst>
+                        <p:cond delay="indefinite"/>
+                      </p:stCondLst>
+                      <p:childTnLst>
+                        <p:par>
+                          <p:cTn id="42" fill="hold">
+                            <p:stCondLst>
+                              <p:cond delay="0"/>
+                            </p:stCondLst>
+                            <p:childTnLst>
+                              <p:par>
+                                <p:cTn id="43" presetID="10" presetClass="entr" presetSubtype="0" fill="hold" grpId="0" nodeType="clickEffect">
+                                  <p:stCondLst>
+                                    <p:cond delay="0"/>
+                                  </p:stCondLst>
+                                  <p:childTnLst>
+                                    <p:set>
+                                      <p:cBhvr>
+                                        <p:cTn id="44" dur="1" fill="hold">
+                                          <p:stCondLst>
+                                            <p:cond delay="0"/>
+                                          </p:stCondLst>
+                                        </p:cTn>
+                                        <p:tgtEl>
+                                          <p:spTgt spid="3">
+                                            <p:txEl>
+                                              <p:pRg st="10" end="10"/>
+                                            </p:txEl>
+                                          </p:spTgt>
+                                        </p:tgtEl>
+                                        <p:attrNameLst>
+                                          <p:attrName>style.visibility</p:attrName>
+                                        </p:attrNameLst>
+                                      </p:cBhvr>
+                                      <p:to>
+                                        <p:strVal val="visible"/>
+                                      </p:to>
+                                    </p:set>
+                                    <p:animEffect transition="in" filter="fade">
+                                      <p:cBhvr>
+                                        <p:cTn id="45" dur="500"/>
+                                        <p:tgtEl>
+                                          <p:spTgt spid="3">
+                                            <p:txEl>
+                                              <p:pRg st="10" end="10"/>
                                             </p:txEl>
                                           </p:spTgt>
                                         </p:tgtEl>
@@ -12570,8 +12668,8 @@
         </p:blipFill>
         <p:spPr>
           <a:xfrm>
-            <a:off x="319272" y="1997626"/>
-            <a:ext cx="11591760" cy="3933470"/>
+            <a:off x="319273" y="1997626"/>
+            <a:ext cx="11591758" cy="3933470"/>
           </a:xfrm>
           <a:prstGeom prst="rect">
             <a:avLst/>
@@ -12715,11 +12813,7 @@
           <a:p>
             <a:r>
               <a:rPr lang="en-GB" dirty="0" smtClean="0"/>
-              <a:t>How can you </a:t>
-            </a:r>
-            <a:r>
-              <a:rPr lang="en-GB" dirty="0" smtClean="0"/>
-              <a:t>help…</a:t>
+              <a:t>What is FlingOS™ currently doing?</a:t>
             </a:r>
             <a:endParaRPr lang="en-GB" dirty="0"/>
           </a:p>
@@ -12735,134 +12829,62 @@
             <p:ph idx="1"/>
           </p:nvPr>
         </p:nvSpPr>
-        <p:spPr>
-          <a:xfrm>
-            <a:off x="1120000" y="1825625"/>
-            <a:ext cx="10722812" cy="4610686"/>
-          </a:xfrm>
-        </p:spPr>
+        <p:spPr/>
         <p:txBody>
-          <a:bodyPr>
-            <a:normAutofit fontScale="85000" lnSpcReduction="20000"/>
-          </a:bodyPr>
+          <a:bodyPr/>
           <a:lstStyle/>
           <a:p>
             <a:r>
               <a:rPr lang="en-GB" dirty="0" smtClean="0"/>
-              <a:t>…yourself</a:t>
-            </a:r>
-            <a:r>
-              <a:rPr lang="en-GB" dirty="0"/>
-              <a:t>?</a:t>
-            </a:r>
-            <a:endParaRPr lang="en-GB" dirty="0" smtClean="0"/>
+              <a:t>Lectures &amp; Workshops</a:t>
+            </a:r>
           </a:p>
           <a:p>
             <a:pPr lvl="1"/>
             <a:r>
               <a:rPr lang="en-GB" dirty="0" smtClean="0"/>
-              <a:t>Use the resources (i.e. teach yourself a bit)</a:t>
+              <a:t>Teaching basic, practical OS dev</a:t>
             </a:r>
           </a:p>
           <a:p>
             <a:pPr lvl="1"/>
             <a:r>
               <a:rPr lang="en-GB" dirty="0" smtClean="0"/>
-              <a:t>Engage with low-level</a:t>
+              <a:t>x86 and MIPS</a:t>
             </a:r>
           </a:p>
           <a:p>
             <a:pPr lvl="1"/>
             <a:r>
               <a:rPr lang="en-GB" dirty="0" smtClean="0"/>
-              <a:t>Think about security / stability</a:t>
+              <a:t>10 undergrads</a:t>
             </a:r>
           </a:p>
           <a:p>
             <a:pPr lvl="1"/>
             <a:r>
               <a:rPr lang="en-GB" dirty="0" smtClean="0"/>
-              <a:t>Contribute to FlingOS or write your own blog</a:t>
-            </a:r>
-          </a:p>
-          <a:p>
-            <a:r>
-              <a:rPr lang="en-GB" dirty="0" smtClean="0"/>
-              <a:t>…others?</a:t>
+              <a:t>10 MSc students</a:t>
             </a:r>
           </a:p>
           <a:p>
             <a:pPr lvl="1"/>
             <a:r>
               <a:rPr lang="en-GB" dirty="0" smtClean="0"/>
-              <a:t>Encourage them</a:t>
+              <a:t>Great reaction from students!</a:t>
             </a:r>
           </a:p>
           <a:p>
             <a:pPr lvl="1"/>
             <a:r>
               <a:rPr lang="en-GB" dirty="0" smtClean="0"/>
-              <a:t>Get involved in outreach : </a:t>
-            </a:r>
-            <a:r>
-              <a:rPr lang="en-GB" dirty="0" err="1" smtClean="0"/>
-              <a:t>CodeClubs</a:t>
-            </a:r>
-            <a:r>
-              <a:rPr lang="en-GB" dirty="0" smtClean="0"/>
-              <a:t>, local schools</a:t>
-            </a:r>
-          </a:p>
-          <a:p>
-            <a:pPr lvl="1"/>
-            <a:r>
-              <a:rPr lang="en-GB" dirty="0" smtClean="0"/>
-              <a:t>Get your company involved:</a:t>
-            </a:r>
-          </a:p>
-          <a:p>
-            <a:pPr lvl="2"/>
-            <a:r>
-              <a:rPr lang="en-GB" dirty="0" smtClean="0"/>
-              <a:t>Sponsor communities, project and societies</a:t>
-            </a:r>
-          </a:p>
-          <a:p>
-            <a:pPr lvl="2"/>
-            <a:r>
-              <a:rPr lang="en-GB" dirty="0" smtClean="0"/>
-              <a:t>Run hackathons (e.g. via Meetu</a:t>
-            </a:r>
-            <a:r>
-              <a:rPr lang="en-GB" dirty="0" smtClean="0"/>
-              <a:t>p.com) to engage people</a:t>
-            </a:r>
-          </a:p>
-          <a:p>
-            <a:r>
-              <a:rPr lang="en-GB" dirty="0" smtClean="0"/>
-              <a:t>…FlingOS?</a:t>
-            </a:r>
-          </a:p>
-          <a:p>
-            <a:pPr lvl="1"/>
-            <a:r>
-              <a:rPr lang="en-GB" dirty="0" smtClean="0"/>
-              <a:t>Get in touch!</a:t>
-            </a:r>
-          </a:p>
-          <a:p>
-            <a:pPr lvl="1"/>
-            <a:r>
-              <a:rPr lang="en-GB" dirty="0" smtClean="0"/>
-              <a:t>Always looking for help</a:t>
-            </a:r>
-          </a:p>
-          <a:p>
-            <a:pPr lvl="1"/>
-            <a:r>
-              <a:rPr lang="en-GB" dirty="0" smtClean="0"/>
-              <a:t>Aiming to sponsors – we have strong ties with the University, students and the wider online community</a:t>
+              <a:t>Supported by University of Bristol EE and CS departments</a:t>
+            </a:r>
+          </a:p>
+          <a:p>
+            <a:r>
+              <a:rPr lang="en-GB" dirty="0" smtClean="0"/>
+              <a:t>Further development &amp; writing</a:t>
             </a:r>
             <a:endParaRPr lang="en-GB" dirty="0"/>
           </a:p>
@@ -12871,7 +12893,7 @@
     </p:spTree>
     <p:extLst>
       <p:ext uri="{BB962C8B-B14F-4D97-AF65-F5344CB8AC3E}">
-        <p14:creationId xmlns:p14="http://schemas.microsoft.com/office/powerpoint/2010/main" val="1337501945"/>
+        <p14:creationId xmlns:p14="http://schemas.microsoft.com/office/powerpoint/2010/main" val="3172912890"/>
       </p:ext>
     </p:extLst>
   </p:cSld>
@@ -13113,33 +13135,15 @@
                                   </p:childTnLst>
                                 </p:cTn>
                               </p:par>
-                            </p:childTnLst>
-                          </p:cTn>
-                        </p:par>
-                      </p:childTnLst>
-                    </p:cTn>
-                  </p:par>
-                  <p:par>
-                    <p:cTn id="20" fill="hold">
-                      <p:stCondLst>
-                        <p:cond delay="indefinite"/>
-                      </p:stCondLst>
-                      <p:childTnLst>
-                        <p:par>
-                          <p:cTn id="21" fill="hold">
-                            <p:stCondLst>
-                              <p:cond delay="0"/>
-                            </p:stCondLst>
-                            <p:childTnLst>
                               <p:par>
-                                <p:cTn id="22" presetID="10" presetClass="entr" presetSubtype="0" fill="hold" grpId="0" nodeType="clickEffect">
+                                <p:cTn id="20" presetID="10" presetClass="entr" presetSubtype="0" fill="hold" grpId="0" nodeType="withEffect">
                                   <p:stCondLst>
                                     <p:cond delay="0"/>
                                   </p:stCondLst>
                                   <p:childTnLst>
                                     <p:set>
                                       <p:cBhvr>
-                                        <p:cTn id="23" dur="1" fill="hold">
+                                        <p:cTn id="21" dur="1" fill="hold">
                                           <p:stCondLst>
                                             <p:cond delay="0"/>
                                           </p:stCondLst>
@@ -13161,7 +13165,7 @@
                                     </p:set>
                                     <p:animEffect transition="in" filter="fade">
                                       <p:cBhvr>
-                                        <p:cTn id="24" dur="500"/>
+                                        <p:cTn id="22" dur="500"/>
                                         <p:tgtEl>
                                           <p:spTgt spid="3">
                                             <p:txEl>
@@ -13175,14 +13179,14 @@
                                 </p:cTn>
                               </p:par>
                               <p:par>
-                                <p:cTn id="25" presetID="10" presetClass="entr" presetSubtype="0" fill="hold" grpId="0" nodeType="withEffect">
+                                <p:cTn id="23" presetID="10" presetClass="entr" presetSubtype="0" fill="hold" grpId="0" nodeType="withEffect">
                                   <p:stCondLst>
                                     <p:cond delay="0"/>
                                   </p:stCondLst>
                                   <p:childTnLst>
                                     <p:set>
                                       <p:cBhvr>
-                                        <p:cTn id="26" dur="1" fill="hold">
+                                        <p:cTn id="24" dur="1" fill="hold">
                                           <p:stCondLst>
                                             <p:cond delay="0"/>
                                           </p:stCondLst>
@@ -13204,183 +13208,11 @@
                                     </p:set>
                                     <p:animEffect transition="in" filter="fade">
                                       <p:cBhvr>
-                                        <p:cTn id="27" dur="500"/>
+                                        <p:cTn id="25" dur="500"/>
                                         <p:tgtEl>
                                           <p:spTgt spid="3">
                                             <p:txEl>
                                               <p:pRg st="6" end="6"/>
-                                            </p:txEl>
-                                          </p:spTgt>
-                                        </p:tgtEl>
-                                      </p:cBhvr>
-                                    </p:animEffect>
-                                  </p:childTnLst>
-                                </p:cTn>
-                              </p:par>
-                              <p:par>
-                                <p:cTn id="28" presetID="10" presetClass="entr" presetSubtype="0" fill="hold" grpId="0" nodeType="withEffect">
-                                  <p:stCondLst>
-                                    <p:cond delay="0"/>
-                                  </p:stCondLst>
-                                  <p:childTnLst>
-                                    <p:set>
-                                      <p:cBhvr>
-                                        <p:cTn id="29" dur="1" fill="hold">
-                                          <p:stCondLst>
-                                            <p:cond delay="0"/>
-                                          </p:stCondLst>
-                                        </p:cTn>
-                                        <p:tgtEl>
-                                          <p:spTgt spid="3">
-                                            <p:txEl>
-                                              <p:pRg st="7" end="7"/>
-                                            </p:txEl>
-                                          </p:spTgt>
-                                        </p:tgtEl>
-                                        <p:attrNameLst>
-                                          <p:attrName>style.visibility</p:attrName>
-                                        </p:attrNameLst>
-                                      </p:cBhvr>
-                                      <p:to>
-                                        <p:strVal val="visible"/>
-                                      </p:to>
-                                    </p:set>
-                                    <p:animEffect transition="in" filter="fade">
-                                      <p:cBhvr>
-                                        <p:cTn id="30" dur="500"/>
-                                        <p:tgtEl>
-                                          <p:spTgt spid="3">
-                                            <p:txEl>
-                                              <p:pRg st="7" end="7"/>
-                                            </p:txEl>
-                                          </p:spTgt>
-                                        </p:tgtEl>
-                                      </p:cBhvr>
-                                    </p:animEffect>
-                                  </p:childTnLst>
-                                </p:cTn>
-                              </p:par>
-                              <p:par>
-                                <p:cTn id="31" presetID="10" presetClass="entr" presetSubtype="0" fill="hold" grpId="0" nodeType="withEffect">
-                                  <p:stCondLst>
-                                    <p:cond delay="0"/>
-                                  </p:stCondLst>
-                                  <p:childTnLst>
-                                    <p:set>
-                                      <p:cBhvr>
-                                        <p:cTn id="32" dur="1" fill="hold">
-                                          <p:stCondLst>
-                                            <p:cond delay="0"/>
-                                          </p:stCondLst>
-                                        </p:cTn>
-                                        <p:tgtEl>
-                                          <p:spTgt spid="3">
-                                            <p:txEl>
-                                              <p:pRg st="8" end="8"/>
-                                            </p:txEl>
-                                          </p:spTgt>
-                                        </p:tgtEl>
-                                        <p:attrNameLst>
-                                          <p:attrName>style.visibility</p:attrName>
-                                        </p:attrNameLst>
-                                      </p:cBhvr>
-                                      <p:to>
-                                        <p:strVal val="visible"/>
-                                      </p:to>
-                                    </p:set>
-                                    <p:animEffect transition="in" filter="fade">
-                                      <p:cBhvr>
-                                        <p:cTn id="33" dur="500"/>
-                                        <p:tgtEl>
-                                          <p:spTgt spid="3">
-                                            <p:txEl>
-                                              <p:pRg st="8" end="8"/>
-                                            </p:txEl>
-                                          </p:spTgt>
-                                        </p:tgtEl>
-                                      </p:cBhvr>
-                                    </p:animEffect>
-                                  </p:childTnLst>
-                                </p:cTn>
-                              </p:par>
-                              <p:par>
-                                <p:cTn id="34" presetID="10" presetClass="entr" presetSubtype="0" fill="hold" grpId="0" nodeType="withEffect">
-                                  <p:stCondLst>
-                                    <p:cond delay="0"/>
-                                  </p:stCondLst>
-                                  <p:childTnLst>
-                                    <p:set>
-                                      <p:cBhvr>
-                                        <p:cTn id="35" dur="1" fill="hold">
-                                          <p:stCondLst>
-                                            <p:cond delay="0"/>
-                                          </p:stCondLst>
-                                        </p:cTn>
-                                        <p:tgtEl>
-                                          <p:spTgt spid="3">
-                                            <p:txEl>
-                                              <p:pRg st="9" end="9"/>
-                                            </p:txEl>
-                                          </p:spTgt>
-                                        </p:tgtEl>
-                                        <p:attrNameLst>
-                                          <p:attrName>style.visibility</p:attrName>
-                                        </p:attrNameLst>
-                                      </p:cBhvr>
-                                      <p:to>
-                                        <p:strVal val="visible"/>
-                                      </p:to>
-                                    </p:set>
-                                    <p:animEffect transition="in" filter="fade">
-                                      <p:cBhvr>
-                                        <p:cTn id="36" dur="500"/>
-                                        <p:tgtEl>
-                                          <p:spTgt spid="3">
-                                            <p:txEl>
-                                              <p:pRg st="9" end="9"/>
-                                            </p:txEl>
-                                          </p:spTgt>
-                                        </p:tgtEl>
-                                      </p:cBhvr>
-                                    </p:animEffect>
-                                  </p:childTnLst>
-                                </p:cTn>
-                              </p:par>
-                              <p:par>
-                                <p:cTn id="37" presetID="10" presetClass="entr" presetSubtype="0" fill="hold" grpId="0" nodeType="withEffect">
-                                  <p:stCondLst>
-                                    <p:cond delay="0"/>
-                                  </p:stCondLst>
-                                  <p:childTnLst>
-                                    <p:set>
-                                      <p:cBhvr>
-                                        <p:cTn id="38" dur="1" fill="hold">
-                                          <p:stCondLst>
-                                            <p:cond delay="0"/>
-                                          </p:stCondLst>
-                                        </p:cTn>
-                                        <p:tgtEl>
-                                          <p:spTgt spid="3">
-                                            <p:txEl>
-                                              <p:pRg st="10" end="10"/>
-                                            </p:txEl>
-                                          </p:spTgt>
-                                        </p:tgtEl>
-                                        <p:attrNameLst>
-                                          <p:attrName>style.visibility</p:attrName>
-                                        </p:attrNameLst>
-                                      </p:cBhvr>
-                                      <p:to>
-                                        <p:strVal val="visible"/>
-                                      </p:to>
-                                    </p:set>
-                                    <p:animEffect transition="in" filter="fade">
-                                      <p:cBhvr>
-                                        <p:cTn id="39" dur="500"/>
-                                        <p:tgtEl>
-                                          <p:spTgt spid="3">
-                                            <p:txEl>
-                                              <p:pRg st="10" end="10"/>
                                             </p:txEl>
                                           </p:spTgt>
                                         </p:tgtEl>
@@ -13396,26 +13228,26 @@
                     </p:cTn>
                   </p:par>
                   <p:par>
-                    <p:cTn id="40" fill="hold">
+                    <p:cTn id="26" fill="hold">
                       <p:stCondLst>
                         <p:cond delay="indefinite"/>
                       </p:stCondLst>
                       <p:childTnLst>
                         <p:par>
-                          <p:cTn id="41" fill="hold">
+                          <p:cTn id="27" fill="hold">
                             <p:stCondLst>
                               <p:cond delay="0"/>
                             </p:stCondLst>
                             <p:childTnLst>
                               <p:par>
-                                <p:cTn id="42" presetID="10" presetClass="entr" presetSubtype="0" fill="hold" grpId="0" nodeType="clickEffect">
+                                <p:cTn id="28" presetID="10" presetClass="entr" presetSubtype="0" fill="hold" grpId="0" nodeType="clickEffect">
                                   <p:stCondLst>
                                     <p:cond delay="0"/>
                                   </p:stCondLst>
                                   <p:childTnLst>
                                     <p:set>
                                       <p:cBhvr>
-                                        <p:cTn id="43" dur="1" fill="hold">
+                                        <p:cTn id="29" dur="1" fill="hold">
                                           <p:stCondLst>
                                             <p:cond delay="0"/>
                                           </p:stCondLst>
@@ -13423,7 +13255,7 @@
                                         <p:tgtEl>
                                           <p:spTgt spid="3">
                                             <p:txEl>
-                                              <p:pRg st="11" end="11"/>
+                                              <p:pRg st="7" end="7"/>
                                             </p:txEl>
                                           </p:spTgt>
                                         </p:tgtEl>
@@ -13437,140 +13269,11 @@
                                     </p:set>
                                     <p:animEffect transition="in" filter="fade">
                                       <p:cBhvr>
-                                        <p:cTn id="44" dur="500"/>
-                                        <p:tgtEl>
-                                          <p:spTgt spid="3">
-                                            <p:txEl>
-                                              <p:pRg st="11" end="11"/>
-                                            </p:txEl>
-                                          </p:spTgt>
-                                        </p:tgtEl>
-                                      </p:cBhvr>
-                                    </p:animEffect>
-                                  </p:childTnLst>
-                                </p:cTn>
-                              </p:par>
-                              <p:par>
-                                <p:cTn id="45" presetID="10" presetClass="entr" presetSubtype="0" fill="hold" grpId="0" nodeType="withEffect">
-                                  <p:stCondLst>
-                                    <p:cond delay="0"/>
-                                  </p:stCondLst>
-                                  <p:childTnLst>
-                                    <p:set>
-                                      <p:cBhvr>
-                                        <p:cTn id="46" dur="1" fill="hold">
-                                          <p:stCondLst>
-                                            <p:cond delay="0"/>
-                                          </p:stCondLst>
-                                        </p:cTn>
-                                        <p:tgtEl>
-                                          <p:spTgt spid="3">
-                                            <p:txEl>
-                                              <p:pRg st="12" end="12"/>
-                                            </p:txEl>
-                                          </p:spTgt>
-                                        </p:tgtEl>
-                                        <p:attrNameLst>
-                                          <p:attrName>style.visibility</p:attrName>
-                                        </p:attrNameLst>
-                                      </p:cBhvr>
-                                      <p:to>
-                                        <p:strVal val="visible"/>
-                                      </p:to>
-                                    </p:set>
-                                    <p:animEffect transition="in" filter="fade">
-                                      <p:cBhvr>
-                                        <p:cTn id="47" dur="500"/>
-                                        <p:tgtEl>
-                                          <p:spTgt spid="3">
-                                            <p:txEl>
-                                              <p:pRg st="12" end="12"/>
-                                            </p:txEl>
-                                          </p:spTgt>
-                                        </p:tgtEl>
-                                      </p:cBhvr>
-                                    </p:animEffect>
-                                  </p:childTnLst>
-                                </p:cTn>
-                              </p:par>
-                              <p:par>
-                                <p:cTn id="48" presetID="10" presetClass="entr" presetSubtype="0" fill="hold" grpId="0" nodeType="withEffect">
-                                  <p:stCondLst>
-                                    <p:cond delay="0"/>
-                                  </p:stCondLst>
-                                  <p:childTnLst>
-                                    <p:set>
-                                      <p:cBhvr>
-                                        <p:cTn id="49" dur="1" fill="hold">
-                                          <p:stCondLst>
-                                            <p:cond delay="0"/>
-                                          </p:stCondLst>
-                                        </p:cTn>
-                                        <p:tgtEl>
-                                          <p:spTgt spid="3">
-                                            <p:txEl>
-                                              <p:pRg st="13" end="13"/>
-                                            </p:txEl>
-                                          </p:spTgt>
-                                        </p:tgtEl>
-                                        <p:attrNameLst>
-                                          <p:attrName>style.visibility</p:attrName>
-                                        </p:attrNameLst>
-                                      </p:cBhvr>
-                                      <p:to>
-                                        <p:strVal val="visible"/>
-                                      </p:to>
-                                    </p:set>
-                                    <p:animEffect transition="in" filter="fade">
-                                      <p:cBhvr>
-                                        <p:cTn id="50" dur="500"/>
-                                        <p:tgtEl>
-                                          <p:spTgt spid="3">
-                                            <p:txEl>
-                                              <p:pRg st="13" end="13"/>
-                                            </p:txEl>
-                                          </p:spTgt>
-                                        </p:tgtEl>
-                                      </p:cBhvr>
-                                    </p:animEffect>
-                                  </p:childTnLst>
-                                </p:cTn>
-                              </p:par>
-                              <p:par>
-                                <p:cTn id="51" presetID="10" presetClass="entr" presetSubtype="0" fill="hold" grpId="0" nodeType="withEffect">
-                                  <p:stCondLst>
-                                    <p:cond delay="0"/>
-                                  </p:stCondLst>
-                                  <p:childTnLst>
-                                    <p:set>
-                                      <p:cBhvr>
-                                        <p:cTn id="52" dur="1" fill="hold">
-                                          <p:stCondLst>
-                                            <p:cond delay="0"/>
-                                          </p:stCondLst>
-                                        </p:cTn>
-                                        <p:tgtEl>
-                                          <p:spTgt spid="3">
-                                            <p:txEl>
-                                              <p:pRg st="14" end="14"/>
-                                            </p:txEl>
-                                          </p:spTgt>
-                                        </p:tgtEl>
-                                        <p:attrNameLst>
-                                          <p:attrName>style.visibility</p:attrName>
-                                        </p:attrNameLst>
-                                      </p:cBhvr>
-                                      <p:to>
-                                        <p:strVal val="visible"/>
-                                      </p:to>
-                                    </p:set>
-                                    <p:animEffect transition="in" filter="fade">
-                                      <p:cBhvr>
-                                        <p:cTn id="53" dur="500"/>
-                                        <p:tgtEl>
-                                          <p:spTgt spid="3">
-                                            <p:txEl>
-                                              <p:pRg st="14" end="14"/>
+                                        <p:cTn id="30" dur="500"/>
+                                        <p:tgtEl>
+                                          <p:spTgt spid="3">
+                                            <p:txEl>
+                                              <p:pRg st="7" end="7"/>
                                             </p:txEl>
                                           </p:spTgt>
                                         </p:tgtEl>
@@ -13647,6 +13350,1516 @@
           <a:p>
             <a:r>
               <a:rPr lang="en-GB" dirty="0" smtClean="0"/>
+              <a:t>Where is FlingOS™ headed?</a:t>
+            </a:r>
+            <a:endParaRPr lang="en-GB" dirty="0"/>
+          </a:p>
+        </p:txBody>
+      </p:sp>
+      <p:sp>
+        <p:nvSpPr>
+          <p:cNvPr id="3" name="Content Placeholder 2"/>
+          <p:cNvSpPr>
+            <a:spLocks noGrp="1"/>
+          </p:cNvSpPr>
+          <p:nvPr>
+            <p:ph idx="1"/>
+          </p:nvPr>
+        </p:nvSpPr>
+        <p:spPr/>
+        <p:txBody>
+          <a:bodyPr/>
+          <a:lstStyle/>
+          <a:p>
+            <a:r>
+              <a:rPr lang="en-GB" dirty="0" smtClean="0"/>
+              <a:t>Aiming to create a complete, accessible lecture course</a:t>
+            </a:r>
+          </a:p>
+          <a:p>
+            <a:r>
+              <a:rPr lang="en-GB" dirty="0" smtClean="0"/>
+              <a:t>Aiming to reach more students (A-level and University)</a:t>
+            </a:r>
+          </a:p>
+          <a:p>
+            <a:r>
+              <a:rPr lang="en-GB" dirty="0" smtClean="0"/>
+              <a:t>Aiming to reach more industry</a:t>
+            </a:r>
+          </a:p>
+          <a:p>
+            <a:r>
+              <a:rPr lang="en-GB" dirty="0" smtClean="0"/>
+              <a:t>Growing our articles and codebase</a:t>
+            </a:r>
+          </a:p>
+          <a:p>
+            <a:r>
+              <a:rPr lang="en-GB" dirty="0" smtClean="0"/>
+              <a:t>Raising </a:t>
+            </a:r>
+            <a:r>
+              <a:rPr lang="en-GB" dirty="0"/>
+              <a:t>sponsorship for next </a:t>
+            </a:r>
+            <a:r>
+              <a:rPr lang="en-GB" dirty="0" smtClean="0"/>
+              <a:t>year</a:t>
+            </a:r>
+          </a:p>
+          <a:p>
+            <a:pPr lvl="1"/>
+            <a:r>
+              <a:rPr lang="en-GB" dirty="0" smtClean="0"/>
+              <a:t>5 interns for 12 weeks</a:t>
+            </a:r>
+          </a:p>
+          <a:p>
+            <a:pPr lvl="1"/>
+            <a:r>
+              <a:rPr lang="en-GB" dirty="0" smtClean="0"/>
+              <a:t>Target: £20,000</a:t>
+            </a:r>
+          </a:p>
+          <a:p>
+            <a:endParaRPr lang="en-GB" dirty="0"/>
+          </a:p>
+          <a:p>
+            <a:endParaRPr lang="en-GB" dirty="0"/>
+          </a:p>
+        </p:txBody>
+      </p:sp>
+    </p:spTree>
+    <p:extLst>
+      <p:ext uri="{BB962C8B-B14F-4D97-AF65-F5344CB8AC3E}">
+        <p14:creationId xmlns:p14="http://schemas.microsoft.com/office/powerpoint/2010/main" val="250457409"/>
+      </p:ext>
+    </p:extLst>
+  </p:cSld>
+  <p:clrMapOvr>
+    <a:masterClrMapping/>
+  </p:clrMapOvr>
+  <p:timing>
+    <p:tnLst>
+      <p:par>
+        <p:cTn id="1" dur="indefinite" restart="never" nodeType="tmRoot">
+          <p:childTnLst>
+            <p:seq concurrent="1" nextAc="seek">
+              <p:cTn id="2" dur="indefinite" nodeType="mainSeq">
+                <p:childTnLst>
+                  <p:par>
+                    <p:cTn id="3" fill="hold">
+                      <p:stCondLst>
+                        <p:cond delay="indefinite"/>
+                      </p:stCondLst>
+                      <p:childTnLst>
+                        <p:par>
+                          <p:cTn id="4" fill="hold">
+                            <p:stCondLst>
+                              <p:cond delay="0"/>
+                            </p:stCondLst>
+                            <p:childTnLst>
+                              <p:par>
+                                <p:cTn id="5" presetID="10" presetClass="entr" presetSubtype="0" fill="hold" grpId="0" nodeType="clickEffect">
+                                  <p:stCondLst>
+                                    <p:cond delay="0"/>
+                                  </p:stCondLst>
+                                  <p:childTnLst>
+                                    <p:set>
+                                      <p:cBhvr>
+                                        <p:cTn id="6" dur="1" fill="hold">
+                                          <p:stCondLst>
+                                            <p:cond delay="0"/>
+                                          </p:stCondLst>
+                                        </p:cTn>
+                                        <p:tgtEl>
+                                          <p:spTgt spid="3">
+                                            <p:txEl>
+                                              <p:pRg st="0" end="0"/>
+                                            </p:txEl>
+                                          </p:spTgt>
+                                        </p:tgtEl>
+                                        <p:attrNameLst>
+                                          <p:attrName>style.visibility</p:attrName>
+                                        </p:attrNameLst>
+                                      </p:cBhvr>
+                                      <p:to>
+                                        <p:strVal val="visible"/>
+                                      </p:to>
+                                    </p:set>
+                                    <p:animEffect transition="in" filter="fade">
+                                      <p:cBhvr>
+                                        <p:cTn id="7" dur="500"/>
+                                        <p:tgtEl>
+                                          <p:spTgt spid="3">
+                                            <p:txEl>
+                                              <p:pRg st="0" end="0"/>
+                                            </p:txEl>
+                                          </p:spTgt>
+                                        </p:tgtEl>
+                                      </p:cBhvr>
+                                    </p:animEffect>
+                                  </p:childTnLst>
+                                </p:cTn>
+                              </p:par>
+                            </p:childTnLst>
+                          </p:cTn>
+                        </p:par>
+                      </p:childTnLst>
+                    </p:cTn>
+                  </p:par>
+                  <p:par>
+                    <p:cTn id="8" fill="hold">
+                      <p:stCondLst>
+                        <p:cond delay="indefinite"/>
+                      </p:stCondLst>
+                      <p:childTnLst>
+                        <p:par>
+                          <p:cTn id="9" fill="hold">
+                            <p:stCondLst>
+                              <p:cond delay="0"/>
+                            </p:stCondLst>
+                            <p:childTnLst>
+                              <p:par>
+                                <p:cTn id="10" presetID="10" presetClass="entr" presetSubtype="0" fill="hold" grpId="0" nodeType="clickEffect">
+                                  <p:stCondLst>
+                                    <p:cond delay="0"/>
+                                  </p:stCondLst>
+                                  <p:childTnLst>
+                                    <p:set>
+                                      <p:cBhvr>
+                                        <p:cTn id="11" dur="1" fill="hold">
+                                          <p:stCondLst>
+                                            <p:cond delay="0"/>
+                                          </p:stCondLst>
+                                        </p:cTn>
+                                        <p:tgtEl>
+                                          <p:spTgt spid="3">
+                                            <p:txEl>
+                                              <p:pRg st="1" end="1"/>
+                                            </p:txEl>
+                                          </p:spTgt>
+                                        </p:tgtEl>
+                                        <p:attrNameLst>
+                                          <p:attrName>style.visibility</p:attrName>
+                                        </p:attrNameLst>
+                                      </p:cBhvr>
+                                      <p:to>
+                                        <p:strVal val="visible"/>
+                                      </p:to>
+                                    </p:set>
+                                    <p:animEffect transition="in" filter="fade">
+                                      <p:cBhvr>
+                                        <p:cTn id="12" dur="500"/>
+                                        <p:tgtEl>
+                                          <p:spTgt spid="3">
+                                            <p:txEl>
+                                              <p:pRg st="1" end="1"/>
+                                            </p:txEl>
+                                          </p:spTgt>
+                                        </p:tgtEl>
+                                      </p:cBhvr>
+                                    </p:animEffect>
+                                  </p:childTnLst>
+                                </p:cTn>
+                              </p:par>
+                            </p:childTnLst>
+                          </p:cTn>
+                        </p:par>
+                      </p:childTnLst>
+                    </p:cTn>
+                  </p:par>
+                  <p:par>
+                    <p:cTn id="13" fill="hold">
+                      <p:stCondLst>
+                        <p:cond delay="indefinite"/>
+                      </p:stCondLst>
+                      <p:childTnLst>
+                        <p:par>
+                          <p:cTn id="14" fill="hold">
+                            <p:stCondLst>
+                              <p:cond delay="0"/>
+                            </p:stCondLst>
+                            <p:childTnLst>
+                              <p:par>
+                                <p:cTn id="15" presetID="10" presetClass="entr" presetSubtype="0" fill="hold" grpId="0" nodeType="clickEffect">
+                                  <p:stCondLst>
+                                    <p:cond delay="0"/>
+                                  </p:stCondLst>
+                                  <p:childTnLst>
+                                    <p:set>
+                                      <p:cBhvr>
+                                        <p:cTn id="16" dur="1" fill="hold">
+                                          <p:stCondLst>
+                                            <p:cond delay="0"/>
+                                          </p:stCondLst>
+                                        </p:cTn>
+                                        <p:tgtEl>
+                                          <p:spTgt spid="3">
+                                            <p:txEl>
+                                              <p:pRg st="2" end="2"/>
+                                            </p:txEl>
+                                          </p:spTgt>
+                                        </p:tgtEl>
+                                        <p:attrNameLst>
+                                          <p:attrName>style.visibility</p:attrName>
+                                        </p:attrNameLst>
+                                      </p:cBhvr>
+                                      <p:to>
+                                        <p:strVal val="visible"/>
+                                      </p:to>
+                                    </p:set>
+                                    <p:animEffect transition="in" filter="fade">
+                                      <p:cBhvr>
+                                        <p:cTn id="17" dur="500"/>
+                                        <p:tgtEl>
+                                          <p:spTgt spid="3">
+                                            <p:txEl>
+                                              <p:pRg st="2" end="2"/>
+                                            </p:txEl>
+                                          </p:spTgt>
+                                        </p:tgtEl>
+                                      </p:cBhvr>
+                                    </p:animEffect>
+                                  </p:childTnLst>
+                                </p:cTn>
+                              </p:par>
+                            </p:childTnLst>
+                          </p:cTn>
+                        </p:par>
+                      </p:childTnLst>
+                    </p:cTn>
+                  </p:par>
+                  <p:par>
+                    <p:cTn id="18" fill="hold">
+                      <p:stCondLst>
+                        <p:cond delay="indefinite"/>
+                      </p:stCondLst>
+                      <p:childTnLst>
+                        <p:par>
+                          <p:cTn id="19" fill="hold">
+                            <p:stCondLst>
+                              <p:cond delay="0"/>
+                            </p:stCondLst>
+                            <p:childTnLst>
+                              <p:par>
+                                <p:cTn id="20" presetID="10" presetClass="entr" presetSubtype="0" fill="hold" grpId="0" nodeType="clickEffect">
+                                  <p:stCondLst>
+                                    <p:cond delay="0"/>
+                                  </p:stCondLst>
+                                  <p:childTnLst>
+                                    <p:set>
+                                      <p:cBhvr>
+                                        <p:cTn id="21" dur="1" fill="hold">
+                                          <p:stCondLst>
+                                            <p:cond delay="0"/>
+                                          </p:stCondLst>
+                                        </p:cTn>
+                                        <p:tgtEl>
+                                          <p:spTgt spid="3">
+                                            <p:txEl>
+                                              <p:pRg st="3" end="3"/>
+                                            </p:txEl>
+                                          </p:spTgt>
+                                        </p:tgtEl>
+                                        <p:attrNameLst>
+                                          <p:attrName>style.visibility</p:attrName>
+                                        </p:attrNameLst>
+                                      </p:cBhvr>
+                                      <p:to>
+                                        <p:strVal val="visible"/>
+                                      </p:to>
+                                    </p:set>
+                                    <p:animEffect transition="in" filter="fade">
+                                      <p:cBhvr>
+                                        <p:cTn id="22" dur="500"/>
+                                        <p:tgtEl>
+                                          <p:spTgt spid="3">
+                                            <p:txEl>
+                                              <p:pRg st="3" end="3"/>
+                                            </p:txEl>
+                                          </p:spTgt>
+                                        </p:tgtEl>
+                                      </p:cBhvr>
+                                    </p:animEffect>
+                                  </p:childTnLst>
+                                </p:cTn>
+                              </p:par>
+                            </p:childTnLst>
+                          </p:cTn>
+                        </p:par>
+                      </p:childTnLst>
+                    </p:cTn>
+                  </p:par>
+                  <p:par>
+                    <p:cTn id="23" fill="hold">
+                      <p:stCondLst>
+                        <p:cond delay="indefinite"/>
+                      </p:stCondLst>
+                      <p:childTnLst>
+                        <p:par>
+                          <p:cTn id="24" fill="hold">
+                            <p:stCondLst>
+                              <p:cond delay="0"/>
+                            </p:stCondLst>
+                            <p:childTnLst>
+                              <p:par>
+                                <p:cTn id="25" presetID="10" presetClass="entr" presetSubtype="0" fill="hold" grpId="0" nodeType="clickEffect">
+                                  <p:stCondLst>
+                                    <p:cond delay="0"/>
+                                  </p:stCondLst>
+                                  <p:childTnLst>
+                                    <p:set>
+                                      <p:cBhvr>
+                                        <p:cTn id="26" dur="1" fill="hold">
+                                          <p:stCondLst>
+                                            <p:cond delay="0"/>
+                                          </p:stCondLst>
+                                        </p:cTn>
+                                        <p:tgtEl>
+                                          <p:spTgt spid="3">
+                                            <p:txEl>
+                                              <p:pRg st="4" end="4"/>
+                                            </p:txEl>
+                                          </p:spTgt>
+                                        </p:tgtEl>
+                                        <p:attrNameLst>
+                                          <p:attrName>style.visibility</p:attrName>
+                                        </p:attrNameLst>
+                                      </p:cBhvr>
+                                      <p:to>
+                                        <p:strVal val="visible"/>
+                                      </p:to>
+                                    </p:set>
+                                    <p:animEffect transition="in" filter="fade">
+                                      <p:cBhvr>
+                                        <p:cTn id="27" dur="500"/>
+                                        <p:tgtEl>
+                                          <p:spTgt spid="3">
+                                            <p:txEl>
+                                              <p:pRg st="4" end="4"/>
+                                            </p:txEl>
+                                          </p:spTgt>
+                                        </p:tgtEl>
+                                      </p:cBhvr>
+                                    </p:animEffect>
+                                  </p:childTnLst>
+                                </p:cTn>
+                              </p:par>
+                              <p:par>
+                                <p:cTn id="28" presetID="10" presetClass="entr" presetSubtype="0" fill="hold" grpId="0" nodeType="withEffect">
+                                  <p:stCondLst>
+                                    <p:cond delay="0"/>
+                                  </p:stCondLst>
+                                  <p:childTnLst>
+                                    <p:set>
+                                      <p:cBhvr>
+                                        <p:cTn id="29" dur="1" fill="hold">
+                                          <p:stCondLst>
+                                            <p:cond delay="0"/>
+                                          </p:stCondLst>
+                                        </p:cTn>
+                                        <p:tgtEl>
+                                          <p:spTgt spid="3">
+                                            <p:txEl>
+                                              <p:pRg st="5" end="5"/>
+                                            </p:txEl>
+                                          </p:spTgt>
+                                        </p:tgtEl>
+                                        <p:attrNameLst>
+                                          <p:attrName>style.visibility</p:attrName>
+                                        </p:attrNameLst>
+                                      </p:cBhvr>
+                                      <p:to>
+                                        <p:strVal val="visible"/>
+                                      </p:to>
+                                    </p:set>
+                                    <p:animEffect transition="in" filter="fade">
+                                      <p:cBhvr>
+                                        <p:cTn id="30" dur="500"/>
+                                        <p:tgtEl>
+                                          <p:spTgt spid="3">
+                                            <p:txEl>
+                                              <p:pRg st="5" end="5"/>
+                                            </p:txEl>
+                                          </p:spTgt>
+                                        </p:tgtEl>
+                                      </p:cBhvr>
+                                    </p:animEffect>
+                                  </p:childTnLst>
+                                </p:cTn>
+                              </p:par>
+                              <p:par>
+                                <p:cTn id="31" presetID="10" presetClass="entr" presetSubtype="0" fill="hold" grpId="0" nodeType="withEffect">
+                                  <p:stCondLst>
+                                    <p:cond delay="0"/>
+                                  </p:stCondLst>
+                                  <p:childTnLst>
+                                    <p:set>
+                                      <p:cBhvr>
+                                        <p:cTn id="32" dur="1" fill="hold">
+                                          <p:stCondLst>
+                                            <p:cond delay="0"/>
+                                          </p:stCondLst>
+                                        </p:cTn>
+                                        <p:tgtEl>
+                                          <p:spTgt spid="3">
+                                            <p:txEl>
+                                              <p:pRg st="6" end="6"/>
+                                            </p:txEl>
+                                          </p:spTgt>
+                                        </p:tgtEl>
+                                        <p:attrNameLst>
+                                          <p:attrName>style.visibility</p:attrName>
+                                        </p:attrNameLst>
+                                      </p:cBhvr>
+                                      <p:to>
+                                        <p:strVal val="visible"/>
+                                      </p:to>
+                                    </p:set>
+                                    <p:animEffect transition="in" filter="fade">
+                                      <p:cBhvr>
+                                        <p:cTn id="33" dur="500"/>
+                                        <p:tgtEl>
+                                          <p:spTgt spid="3">
+                                            <p:txEl>
+                                              <p:pRg st="6" end="6"/>
+                                            </p:txEl>
+                                          </p:spTgt>
+                                        </p:tgtEl>
+                                      </p:cBhvr>
+                                    </p:animEffect>
+                                  </p:childTnLst>
+                                </p:cTn>
+                              </p:par>
+                            </p:childTnLst>
+                          </p:cTn>
+                        </p:par>
+                      </p:childTnLst>
+                    </p:cTn>
+                  </p:par>
+                </p:childTnLst>
+              </p:cTn>
+              <p:prevCondLst>
+                <p:cond evt="onPrev" delay="0">
+                  <p:tgtEl>
+                    <p:sldTgt/>
+                  </p:tgtEl>
+                </p:cond>
+              </p:prevCondLst>
+              <p:nextCondLst>
+                <p:cond evt="onNext" delay="0">
+                  <p:tgtEl>
+                    <p:sldTgt/>
+                  </p:tgtEl>
+                </p:cond>
+              </p:nextCondLst>
+            </p:seq>
+          </p:childTnLst>
+        </p:cTn>
+      </p:par>
+    </p:tnLst>
+    <p:bldLst>
+      <p:bldP spid="3" grpId="0" build="p"/>
+    </p:bldLst>
+  </p:timing>
+</p:sld>
+</file>
+
+<file path=ppt/slides/slide22.xml><?xml version="1.0" encoding="utf-8"?>
+<p:sld xmlns:a="http://schemas.openxmlformats.org/drawingml/2006/main" xmlns:r="http://schemas.openxmlformats.org/officeDocument/2006/relationships" xmlns:p="http://schemas.openxmlformats.org/presentationml/2006/main">
+  <p:cSld>
+    <p:spTree>
+      <p:nvGrpSpPr>
+        <p:cNvPr id="1" name=""/>
+        <p:cNvGrpSpPr/>
+        <p:nvPr/>
+      </p:nvGrpSpPr>
+      <p:grpSpPr>
+        <a:xfrm>
+          <a:off x="0" y="0"/>
+          <a:ext cx="0" cy="0"/>
+          <a:chOff x="0" y="0"/>
+          <a:chExt cx="0" cy="0"/>
+        </a:xfrm>
+      </p:grpSpPr>
+      <p:sp>
+        <p:nvSpPr>
+          <p:cNvPr id="2" name="Title 1"/>
+          <p:cNvSpPr>
+            <a:spLocks noGrp="1"/>
+          </p:cNvSpPr>
+          <p:nvPr>
+            <p:ph type="title"/>
+          </p:nvPr>
+        </p:nvSpPr>
+        <p:spPr/>
+        <p:txBody>
+          <a:bodyPr/>
+          <a:lstStyle/>
+          <a:p>
+            <a:r>
+              <a:rPr lang="en-GB" dirty="0" smtClean="0"/>
+              <a:t>How can you help…</a:t>
+            </a:r>
+            <a:endParaRPr lang="en-GB" dirty="0"/>
+          </a:p>
+        </p:txBody>
+      </p:sp>
+      <p:sp>
+        <p:nvSpPr>
+          <p:cNvPr id="3" name="Content Placeholder 2"/>
+          <p:cNvSpPr>
+            <a:spLocks noGrp="1"/>
+          </p:cNvSpPr>
+          <p:nvPr>
+            <p:ph idx="1"/>
+          </p:nvPr>
+        </p:nvSpPr>
+        <p:spPr>
+          <a:xfrm>
+            <a:off x="1120000" y="1825625"/>
+            <a:ext cx="10722812" cy="4610686"/>
+          </a:xfrm>
+        </p:spPr>
+        <p:txBody>
+          <a:bodyPr>
+            <a:normAutofit fontScale="85000" lnSpcReduction="20000"/>
+          </a:bodyPr>
+          <a:lstStyle/>
+          <a:p>
+            <a:r>
+              <a:rPr lang="en-GB" dirty="0" smtClean="0"/>
+              <a:t>…yourself</a:t>
+            </a:r>
+            <a:r>
+              <a:rPr lang="en-GB" dirty="0"/>
+              <a:t>?</a:t>
+            </a:r>
+            <a:endParaRPr lang="en-GB" dirty="0" smtClean="0"/>
+          </a:p>
+          <a:p>
+            <a:pPr lvl="1"/>
+            <a:r>
+              <a:rPr lang="en-GB" dirty="0" smtClean="0"/>
+              <a:t>Use the resources (i.e. </a:t>
+            </a:r>
+            <a:r>
+              <a:rPr lang="en-GB" dirty="0" smtClean="0"/>
+              <a:t>self-teach)</a:t>
+            </a:r>
+            <a:endParaRPr lang="en-GB" dirty="0" smtClean="0"/>
+          </a:p>
+          <a:p>
+            <a:pPr lvl="1"/>
+            <a:r>
+              <a:rPr lang="en-GB" dirty="0" smtClean="0"/>
+              <a:t>Engage with low-level</a:t>
+            </a:r>
+          </a:p>
+          <a:p>
+            <a:pPr lvl="1"/>
+            <a:r>
+              <a:rPr lang="en-GB" dirty="0" smtClean="0"/>
+              <a:t>Think about security / stability</a:t>
+            </a:r>
+          </a:p>
+          <a:p>
+            <a:pPr lvl="1"/>
+            <a:r>
+              <a:rPr lang="en-GB" dirty="0" smtClean="0"/>
+              <a:t>Contribute to </a:t>
+            </a:r>
+            <a:r>
+              <a:rPr lang="en-GB" dirty="0" smtClean="0"/>
+              <a:t>community (e.g. write </a:t>
+            </a:r>
+            <a:r>
+              <a:rPr lang="en-GB" dirty="0" smtClean="0"/>
+              <a:t>your own </a:t>
+            </a:r>
+            <a:r>
+              <a:rPr lang="en-GB" dirty="0" smtClean="0"/>
+              <a:t>blog, Outreach events, </a:t>
+            </a:r>
+            <a:r>
+              <a:rPr lang="en-GB" dirty="0" err="1" smtClean="0"/>
+              <a:t>Codeclubs</a:t>
+            </a:r>
+            <a:r>
+              <a:rPr lang="en-GB" dirty="0" smtClean="0"/>
+              <a:t>, FlingOS)</a:t>
+            </a:r>
+            <a:endParaRPr lang="en-GB" dirty="0" smtClean="0"/>
+          </a:p>
+          <a:p>
+            <a:r>
+              <a:rPr lang="en-GB" dirty="0" smtClean="0"/>
+              <a:t>…others?</a:t>
+            </a:r>
+          </a:p>
+          <a:p>
+            <a:pPr lvl="1"/>
+            <a:r>
+              <a:rPr lang="en-GB" dirty="0" smtClean="0"/>
+              <a:t>Encourage them</a:t>
+            </a:r>
+          </a:p>
+          <a:p>
+            <a:pPr lvl="1"/>
+            <a:r>
+              <a:rPr lang="en-GB" dirty="0" smtClean="0"/>
+              <a:t>Get involved in outreach : </a:t>
+            </a:r>
+            <a:r>
+              <a:rPr lang="en-GB" dirty="0" err="1" smtClean="0"/>
+              <a:t>CodeClubs</a:t>
+            </a:r>
+            <a:r>
+              <a:rPr lang="en-GB" dirty="0" smtClean="0"/>
+              <a:t>, local </a:t>
+            </a:r>
+            <a:r>
+              <a:rPr lang="en-GB" dirty="0" smtClean="0"/>
+              <a:t>schools, blogs, Universities (via societies)</a:t>
+            </a:r>
+            <a:endParaRPr lang="en-GB" dirty="0" smtClean="0"/>
+          </a:p>
+          <a:p>
+            <a:pPr lvl="1"/>
+            <a:r>
+              <a:rPr lang="en-GB" dirty="0" smtClean="0"/>
+              <a:t>Get your company involved:</a:t>
+            </a:r>
+          </a:p>
+          <a:p>
+            <a:pPr lvl="2"/>
+            <a:r>
+              <a:rPr lang="en-GB" dirty="0" smtClean="0"/>
+              <a:t>Sponsor communities, project and societies</a:t>
+            </a:r>
+          </a:p>
+          <a:p>
+            <a:pPr lvl="2"/>
+            <a:r>
+              <a:rPr lang="en-GB" dirty="0" smtClean="0"/>
+              <a:t>Run hackathons (e.g. via Meetup.com) to engage people</a:t>
+            </a:r>
+          </a:p>
+          <a:p>
+            <a:r>
+              <a:rPr lang="en-GB" dirty="0" smtClean="0"/>
+              <a:t>…FlingOS?</a:t>
+            </a:r>
+          </a:p>
+          <a:p>
+            <a:pPr lvl="1"/>
+            <a:r>
+              <a:rPr lang="en-GB" dirty="0" smtClean="0"/>
+              <a:t>Get in touch!</a:t>
+            </a:r>
+          </a:p>
+          <a:p>
+            <a:pPr lvl="1"/>
+            <a:r>
+              <a:rPr lang="en-GB" dirty="0" smtClean="0"/>
+              <a:t>Always looking for help</a:t>
+            </a:r>
+          </a:p>
+          <a:p>
+            <a:pPr lvl="1"/>
+            <a:r>
+              <a:rPr lang="en-GB" dirty="0" smtClean="0"/>
+              <a:t>Looking for sponsors </a:t>
+            </a:r>
+            <a:r>
+              <a:rPr lang="en-GB" dirty="0" smtClean="0"/>
+              <a:t>– we have strong ties with the University, students and the wider online community</a:t>
+            </a:r>
+            <a:endParaRPr lang="en-GB" dirty="0"/>
+          </a:p>
+        </p:txBody>
+      </p:sp>
+    </p:spTree>
+    <p:extLst>
+      <p:ext uri="{BB962C8B-B14F-4D97-AF65-F5344CB8AC3E}">
+        <p14:creationId xmlns:p14="http://schemas.microsoft.com/office/powerpoint/2010/main" val="1337501945"/>
+      </p:ext>
+    </p:extLst>
+  </p:cSld>
+  <p:clrMapOvr>
+    <a:masterClrMapping/>
+  </p:clrMapOvr>
+  <p:timing>
+    <p:tnLst>
+      <p:par>
+        <p:cTn id="1" dur="indefinite" restart="never" nodeType="tmRoot">
+          <p:childTnLst>
+            <p:seq concurrent="1" nextAc="seek">
+              <p:cTn id="2" dur="indefinite" nodeType="mainSeq">
+                <p:childTnLst>
+                  <p:par>
+                    <p:cTn id="3" fill="hold">
+                      <p:stCondLst>
+                        <p:cond delay="indefinite"/>
+                      </p:stCondLst>
+                      <p:childTnLst>
+                        <p:par>
+                          <p:cTn id="4" fill="hold">
+                            <p:stCondLst>
+                              <p:cond delay="0"/>
+                            </p:stCondLst>
+                            <p:childTnLst>
+                              <p:par>
+                                <p:cTn id="5" presetID="10" presetClass="entr" presetSubtype="0" fill="hold" grpId="0" nodeType="clickEffect">
+                                  <p:stCondLst>
+                                    <p:cond delay="0"/>
+                                  </p:stCondLst>
+                                  <p:childTnLst>
+                                    <p:set>
+                                      <p:cBhvr>
+                                        <p:cTn id="6" dur="1" fill="hold">
+                                          <p:stCondLst>
+                                            <p:cond delay="0"/>
+                                          </p:stCondLst>
+                                        </p:cTn>
+                                        <p:tgtEl>
+                                          <p:spTgt spid="3">
+                                            <p:txEl>
+                                              <p:pRg st="0" end="0"/>
+                                            </p:txEl>
+                                          </p:spTgt>
+                                        </p:tgtEl>
+                                        <p:attrNameLst>
+                                          <p:attrName>style.visibility</p:attrName>
+                                        </p:attrNameLst>
+                                      </p:cBhvr>
+                                      <p:to>
+                                        <p:strVal val="visible"/>
+                                      </p:to>
+                                    </p:set>
+                                    <p:animEffect transition="in" filter="fade">
+                                      <p:cBhvr>
+                                        <p:cTn id="7" dur="500"/>
+                                        <p:tgtEl>
+                                          <p:spTgt spid="3">
+                                            <p:txEl>
+                                              <p:pRg st="0" end="0"/>
+                                            </p:txEl>
+                                          </p:spTgt>
+                                        </p:tgtEl>
+                                      </p:cBhvr>
+                                    </p:animEffect>
+                                  </p:childTnLst>
+                                </p:cTn>
+                              </p:par>
+                              <p:par>
+                                <p:cTn id="8" presetID="10" presetClass="entr" presetSubtype="0" fill="hold" grpId="0" nodeType="withEffect">
+                                  <p:stCondLst>
+                                    <p:cond delay="0"/>
+                                  </p:stCondLst>
+                                  <p:childTnLst>
+                                    <p:set>
+                                      <p:cBhvr>
+                                        <p:cTn id="9" dur="1" fill="hold">
+                                          <p:stCondLst>
+                                            <p:cond delay="0"/>
+                                          </p:stCondLst>
+                                        </p:cTn>
+                                        <p:tgtEl>
+                                          <p:spTgt spid="3">
+                                            <p:txEl>
+                                              <p:pRg st="1" end="1"/>
+                                            </p:txEl>
+                                          </p:spTgt>
+                                        </p:tgtEl>
+                                        <p:attrNameLst>
+                                          <p:attrName>style.visibility</p:attrName>
+                                        </p:attrNameLst>
+                                      </p:cBhvr>
+                                      <p:to>
+                                        <p:strVal val="visible"/>
+                                      </p:to>
+                                    </p:set>
+                                    <p:animEffect transition="in" filter="fade">
+                                      <p:cBhvr>
+                                        <p:cTn id="10" dur="500"/>
+                                        <p:tgtEl>
+                                          <p:spTgt spid="3">
+                                            <p:txEl>
+                                              <p:pRg st="1" end="1"/>
+                                            </p:txEl>
+                                          </p:spTgt>
+                                        </p:tgtEl>
+                                      </p:cBhvr>
+                                    </p:animEffect>
+                                  </p:childTnLst>
+                                </p:cTn>
+                              </p:par>
+                              <p:par>
+                                <p:cTn id="11" presetID="10" presetClass="entr" presetSubtype="0" fill="hold" grpId="0" nodeType="withEffect">
+                                  <p:stCondLst>
+                                    <p:cond delay="0"/>
+                                  </p:stCondLst>
+                                  <p:childTnLst>
+                                    <p:set>
+                                      <p:cBhvr>
+                                        <p:cTn id="12" dur="1" fill="hold">
+                                          <p:stCondLst>
+                                            <p:cond delay="0"/>
+                                          </p:stCondLst>
+                                        </p:cTn>
+                                        <p:tgtEl>
+                                          <p:spTgt spid="3">
+                                            <p:txEl>
+                                              <p:pRg st="2" end="2"/>
+                                            </p:txEl>
+                                          </p:spTgt>
+                                        </p:tgtEl>
+                                        <p:attrNameLst>
+                                          <p:attrName>style.visibility</p:attrName>
+                                        </p:attrNameLst>
+                                      </p:cBhvr>
+                                      <p:to>
+                                        <p:strVal val="visible"/>
+                                      </p:to>
+                                    </p:set>
+                                    <p:animEffect transition="in" filter="fade">
+                                      <p:cBhvr>
+                                        <p:cTn id="13" dur="500"/>
+                                        <p:tgtEl>
+                                          <p:spTgt spid="3">
+                                            <p:txEl>
+                                              <p:pRg st="2" end="2"/>
+                                            </p:txEl>
+                                          </p:spTgt>
+                                        </p:tgtEl>
+                                      </p:cBhvr>
+                                    </p:animEffect>
+                                  </p:childTnLst>
+                                </p:cTn>
+                              </p:par>
+                              <p:par>
+                                <p:cTn id="14" presetID="10" presetClass="entr" presetSubtype="0" fill="hold" grpId="0" nodeType="withEffect">
+                                  <p:stCondLst>
+                                    <p:cond delay="0"/>
+                                  </p:stCondLst>
+                                  <p:childTnLst>
+                                    <p:set>
+                                      <p:cBhvr>
+                                        <p:cTn id="15" dur="1" fill="hold">
+                                          <p:stCondLst>
+                                            <p:cond delay="0"/>
+                                          </p:stCondLst>
+                                        </p:cTn>
+                                        <p:tgtEl>
+                                          <p:spTgt spid="3">
+                                            <p:txEl>
+                                              <p:pRg st="3" end="3"/>
+                                            </p:txEl>
+                                          </p:spTgt>
+                                        </p:tgtEl>
+                                        <p:attrNameLst>
+                                          <p:attrName>style.visibility</p:attrName>
+                                        </p:attrNameLst>
+                                      </p:cBhvr>
+                                      <p:to>
+                                        <p:strVal val="visible"/>
+                                      </p:to>
+                                    </p:set>
+                                    <p:animEffect transition="in" filter="fade">
+                                      <p:cBhvr>
+                                        <p:cTn id="16" dur="500"/>
+                                        <p:tgtEl>
+                                          <p:spTgt spid="3">
+                                            <p:txEl>
+                                              <p:pRg st="3" end="3"/>
+                                            </p:txEl>
+                                          </p:spTgt>
+                                        </p:tgtEl>
+                                      </p:cBhvr>
+                                    </p:animEffect>
+                                  </p:childTnLst>
+                                </p:cTn>
+                              </p:par>
+                              <p:par>
+                                <p:cTn id="17" presetID="10" presetClass="entr" presetSubtype="0" fill="hold" grpId="0" nodeType="withEffect">
+                                  <p:stCondLst>
+                                    <p:cond delay="0"/>
+                                  </p:stCondLst>
+                                  <p:childTnLst>
+                                    <p:set>
+                                      <p:cBhvr>
+                                        <p:cTn id="18" dur="1" fill="hold">
+                                          <p:stCondLst>
+                                            <p:cond delay="0"/>
+                                          </p:stCondLst>
+                                        </p:cTn>
+                                        <p:tgtEl>
+                                          <p:spTgt spid="3">
+                                            <p:txEl>
+                                              <p:pRg st="4" end="4"/>
+                                            </p:txEl>
+                                          </p:spTgt>
+                                        </p:tgtEl>
+                                        <p:attrNameLst>
+                                          <p:attrName>style.visibility</p:attrName>
+                                        </p:attrNameLst>
+                                      </p:cBhvr>
+                                      <p:to>
+                                        <p:strVal val="visible"/>
+                                      </p:to>
+                                    </p:set>
+                                    <p:animEffect transition="in" filter="fade">
+                                      <p:cBhvr>
+                                        <p:cTn id="19" dur="500"/>
+                                        <p:tgtEl>
+                                          <p:spTgt spid="3">
+                                            <p:txEl>
+                                              <p:pRg st="4" end="4"/>
+                                            </p:txEl>
+                                          </p:spTgt>
+                                        </p:tgtEl>
+                                      </p:cBhvr>
+                                    </p:animEffect>
+                                  </p:childTnLst>
+                                </p:cTn>
+                              </p:par>
+                            </p:childTnLst>
+                          </p:cTn>
+                        </p:par>
+                      </p:childTnLst>
+                    </p:cTn>
+                  </p:par>
+                  <p:par>
+                    <p:cTn id="20" fill="hold">
+                      <p:stCondLst>
+                        <p:cond delay="indefinite"/>
+                      </p:stCondLst>
+                      <p:childTnLst>
+                        <p:par>
+                          <p:cTn id="21" fill="hold">
+                            <p:stCondLst>
+                              <p:cond delay="0"/>
+                            </p:stCondLst>
+                            <p:childTnLst>
+                              <p:par>
+                                <p:cTn id="22" presetID="10" presetClass="entr" presetSubtype="0" fill="hold" grpId="0" nodeType="clickEffect">
+                                  <p:stCondLst>
+                                    <p:cond delay="0"/>
+                                  </p:stCondLst>
+                                  <p:childTnLst>
+                                    <p:set>
+                                      <p:cBhvr>
+                                        <p:cTn id="23" dur="1" fill="hold">
+                                          <p:stCondLst>
+                                            <p:cond delay="0"/>
+                                          </p:stCondLst>
+                                        </p:cTn>
+                                        <p:tgtEl>
+                                          <p:spTgt spid="3">
+                                            <p:txEl>
+                                              <p:pRg st="5" end="5"/>
+                                            </p:txEl>
+                                          </p:spTgt>
+                                        </p:tgtEl>
+                                        <p:attrNameLst>
+                                          <p:attrName>style.visibility</p:attrName>
+                                        </p:attrNameLst>
+                                      </p:cBhvr>
+                                      <p:to>
+                                        <p:strVal val="visible"/>
+                                      </p:to>
+                                    </p:set>
+                                    <p:animEffect transition="in" filter="fade">
+                                      <p:cBhvr>
+                                        <p:cTn id="24" dur="500"/>
+                                        <p:tgtEl>
+                                          <p:spTgt spid="3">
+                                            <p:txEl>
+                                              <p:pRg st="5" end="5"/>
+                                            </p:txEl>
+                                          </p:spTgt>
+                                        </p:tgtEl>
+                                      </p:cBhvr>
+                                    </p:animEffect>
+                                  </p:childTnLst>
+                                </p:cTn>
+                              </p:par>
+                              <p:par>
+                                <p:cTn id="25" presetID="10" presetClass="entr" presetSubtype="0" fill="hold" grpId="0" nodeType="withEffect">
+                                  <p:stCondLst>
+                                    <p:cond delay="0"/>
+                                  </p:stCondLst>
+                                  <p:childTnLst>
+                                    <p:set>
+                                      <p:cBhvr>
+                                        <p:cTn id="26" dur="1" fill="hold">
+                                          <p:stCondLst>
+                                            <p:cond delay="0"/>
+                                          </p:stCondLst>
+                                        </p:cTn>
+                                        <p:tgtEl>
+                                          <p:spTgt spid="3">
+                                            <p:txEl>
+                                              <p:pRg st="6" end="6"/>
+                                            </p:txEl>
+                                          </p:spTgt>
+                                        </p:tgtEl>
+                                        <p:attrNameLst>
+                                          <p:attrName>style.visibility</p:attrName>
+                                        </p:attrNameLst>
+                                      </p:cBhvr>
+                                      <p:to>
+                                        <p:strVal val="visible"/>
+                                      </p:to>
+                                    </p:set>
+                                    <p:animEffect transition="in" filter="fade">
+                                      <p:cBhvr>
+                                        <p:cTn id="27" dur="500"/>
+                                        <p:tgtEl>
+                                          <p:spTgt spid="3">
+                                            <p:txEl>
+                                              <p:pRg st="6" end="6"/>
+                                            </p:txEl>
+                                          </p:spTgt>
+                                        </p:tgtEl>
+                                      </p:cBhvr>
+                                    </p:animEffect>
+                                  </p:childTnLst>
+                                </p:cTn>
+                              </p:par>
+                              <p:par>
+                                <p:cTn id="28" presetID="10" presetClass="entr" presetSubtype="0" fill="hold" grpId="0" nodeType="withEffect">
+                                  <p:stCondLst>
+                                    <p:cond delay="0"/>
+                                  </p:stCondLst>
+                                  <p:childTnLst>
+                                    <p:set>
+                                      <p:cBhvr>
+                                        <p:cTn id="29" dur="1" fill="hold">
+                                          <p:stCondLst>
+                                            <p:cond delay="0"/>
+                                          </p:stCondLst>
+                                        </p:cTn>
+                                        <p:tgtEl>
+                                          <p:spTgt spid="3">
+                                            <p:txEl>
+                                              <p:pRg st="7" end="7"/>
+                                            </p:txEl>
+                                          </p:spTgt>
+                                        </p:tgtEl>
+                                        <p:attrNameLst>
+                                          <p:attrName>style.visibility</p:attrName>
+                                        </p:attrNameLst>
+                                      </p:cBhvr>
+                                      <p:to>
+                                        <p:strVal val="visible"/>
+                                      </p:to>
+                                    </p:set>
+                                    <p:animEffect transition="in" filter="fade">
+                                      <p:cBhvr>
+                                        <p:cTn id="30" dur="500"/>
+                                        <p:tgtEl>
+                                          <p:spTgt spid="3">
+                                            <p:txEl>
+                                              <p:pRg st="7" end="7"/>
+                                            </p:txEl>
+                                          </p:spTgt>
+                                        </p:tgtEl>
+                                      </p:cBhvr>
+                                    </p:animEffect>
+                                  </p:childTnLst>
+                                </p:cTn>
+                              </p:par>
+                              <p:par>
+                                <p:cTn id="31" presetID="10" presetClass="entr" presetSubtype="0" fill="hold" grpId="0" nodeType="withEffect">
+                                  <p:stCondLst>
+                                    <p:cond delay="0"/>
+                                  </p:stCondLst>
+                                  <p:childTnLst>
+                                    <p:set>
+                                      <p:cBhvr>
+                                        <p:cTn id="32" dur="1" fill="hold">
+                                          <p:stCondLst>
+                                            <p:cond delay="0"/>
+                                          </p:stCondLst>
+                                        </p:cTn>
+                                        <p:tgtEl>
+                                          <p:spTgt spid="3">
+                                            <p:txEl>
+                                              <p:pRg st="8" end="8"/>
+                                            </p:txEl>
+                                          </p:spTgt>
+                                        </p:tgtEl>
+                                        <p:attrNameLst>
+                                          <p:attrName>style.visibility</p:attrName>
+                                        </p:attrNameLst>
+                                      </p:cBhvr>
+                                      <p:to>
+                                        <p:strVal val="visible"/>
+                                      </p:to>
+                                    </p:set>
+                                    <p:animEffect transition="in" filter="fade">
+                                      <p:cBhvr>
+                                        <p:cTn id="33" dur="500"/>
+                                        <p:tgtEl>
+                                          <p:spTgt spid="3">
+                                            <p:txEl>
+                                              <p:pRg st="8" end="8"/>
+                                            </p:txEl>
+                                          </p:spTgt>
+                                        </p:tgtEl>
+                                      </p:cBhvr>
+                                    </p:animEffect>
+                                  </p:childTnLst>
+                                </p:cTn>
+                              </p:par>
+                              <p:par>
+                                <p:cTn id="34" presetID="10" presetClass="entr" presetSubtype="0" fill="hold" grpId="0" nodeType="withEffect">
+                                  <p:stCondLst>
+                                    <p:cond delay="0"/>
+                                  </p:stCondLst>
+                                  <p:childTnLst>
+                                    <p:set>
+                                      <p:cBhvr>
+                                        <p:cTn id="35" dur="1" fill="hold">
+                                          <p:stCondLst>
+                                            <p:cond delay="0"/>
+                                          </p:stCondLst>
+                                        </p:cTn>
+                                        <p:tgtEl>
+                                          <p:spTgt spid="3">
+                                            <p:txEl>
+                                              <p:pRg st="9" end="9"/>
+                                            </p:txEl>
+                                          </p:spTgt>
+                                        </p:tgtEl>
+                                        <p:attrNameLst>
+                                          <p:attrName>style.visibility</p:attrName>
+                                        </p:attrNameLst>
+                                      </p:cBhvr>
+                                      <p:to>
+                                        <p:strVal val="visible"/>
+                                      </p:to>
+                                    </p:set>
+                                    <p:animEffect transition="in" filter="fade">
+                                      <p:cBhvr>
+                                        <p:cTn id="36" dur="500"/>
+                                        <p:tgtEl>
+                                          <p:spTgt spid="3">
+                                            <p:txEl>
+                                              <p:pRg st="9" end="9"/>
+                                            </p:txEl>
+                                          </p:spTgt>
+                                        </p:tgtEl>
+                                      </p:cBhvr>
+                                    </p:animEffect>
+                                  </p:childTnLst>
+                                </p:cTn>
+                              </p:par>
+                              <p:par>
+                                <p:cTn id="37" presetID="10" presetClass="entr" presetSubtype="0" fill="hold" grpId="0" nodeType="withEffect">
+                                  <p:stCondLst>
+                                    <p:cond delay="0"/>
+                                  </p:stCondLst>
+                                  <p:childTnLst>
+                                    <p:set>
+                                      <p:cBhvr>
+                                        <p:cTn id="38" dur="1" fill="hold">
+                                          <p:stCondLst>
+                                            <p:cond delay="0"/>
+                                          </p:stCondLst>
+                                        </p:cTn>
+                                        <p:tgtEl>
+                                          <p:spTgt spid="3">
+                                            <p:txEl>
+                                              <p:pRg st="10" end="10"/>
+                                            </p:txEl>
+                                          </p:spTgt>
+                                        </p:tgtEl>
+                                        <p:attrNameLst>
+                                          <p:attrName>style.visibility</p:attrName>
+                                        </p:attrNameLst>
+                                      </p:cBhvr>
+                                      <p:to>
+                                        <p:strVal val="visible"/>
+                                      </p:to>
+                                    </p:set>
+                                    <p:animEffect transition="in" filter="fade">
+                                      <p:cBhvr>
+                                        <p:cTn id="39" dur="500"/>
+                                        <p:tgtEl>
+                                          <p:spTgt spid="3">
+                                            <p:txEl>
+                                              <p:pRg st="10" end="10"/>
+                                            </p:txEl>
+                                          </p:spTgt>
+                                        </p:tgtEl>
+                                      </p:cBhvr>
+                                    </p:animEffect>
+                                  </p:childTnLst>
+                                </p:cTn>
+                              </p:par>
+                            </p:childTnLst>
+                          </p:cTn>
+                        </p:par>
+                      </p:childTnLst>
+                    </p:cTn>
+                  </p:par>
+                  <p:par>
+                    <p:cTn id="40" fill="hold">
+                      <p:stCondLst>
+                        <p:cond delay="indefinite"/>
+                      </p:stCondLst>
+                      <p:childTnLst>
+                        <p:par>
+                          <p:cTn id="41" fill="hold">
+                            <p:stCondLst>
+                              <p:cond delay="0"/>
+                            </p:stCondLst>
+                            <p:childTnLst>
+                              <p:par>
+                                <p:cTn id="42" presetID="10" presetClass="entr" presetSubtype="0" fill="hold" grpId="0" nodeType="clickEffect">
+                                  <p:stCondLst>
+                                    <p:cond delay="0"/>
+                                  </p:stCondLst>
+                                  <p:childTnLst>
+                                    <p:set>
+                                      <p:cBhvr>
+                                        <p:cTn id="43" dur="1" fill="hold">
+                                          <p:stCondLst>
+                                            <p:cond delay="0"/>
+                                          </p:stCondLst>
+                                        </p:cTn>
+                                        <p:tgtEl>
+                                          <p:spTgt spid="3">
+                                            <p:txEl>
+                                              <p:pRg st="11" end="11"/>
+                                            </p:txEl>
+                                          </p:spTgt>
+                                        </p:tgtEl>
+                                        <p:attrNameLst>
+                                          <p:attrName>style.visibility</p:attrName>
+                                        </p:attrNameLst>
+                                      </p:cBhvr>
+                                      <p:to>
+                                        <p:strVal val="visible"/>
+                                      </p:to>
+                                    </p:set>
+                                    <p:animEffect transition="in" filter="fade">
+                                      <p:cBhvr>
+                                        <p:cTn id="44" dur="500"/>
+                                        <p:tgtEl>
+                                          <p:spTgt spid="3">
+                                            <p:txEl>
+                                              <p:pRg st="11" end="11"/>
+                                            </p:txEl>
+                                          </p:spTgt>
+                                        </p:tgtEl>
+                                      </p:cBhvr>
+                                    </p:animEffect>
+                                  </p:childTnLst>
+                                </p:cTn>
+                              </p:par>
+                              <p:par>
+                                <p:cTn id="45" presetID="10" presetClass="entr" presetSubtype="0" fill="hold" grpId="0" nodeType="withEffect">
+                                  <p:stCondLst>
+                                    <p:cond delay="0"/>
+                                  </p:stCondLst>
+                                  <p:childTnLst>
+                                    <p:set>
+                                      <p:cBhvr>
+                                        <p:cTn id="46" dur="1" fill="hold">
+                                          <p:stCondLst>
+                                            <p:cond delay="0"/>
+                                          </p:stCondLst>
+                                        </p:cTn>
+                                        <p:tgtEl>
+                                          <p:spTgt spid="3">
+                                            <p:txEl>
+                                              <p:pRg st="12" end="12"/>
+                                            </p:txEl>
+                                          </p:spTgt>
+                                        </p:tgtEl>
+                                        <p:attrNameLst>
+                                          <p:attrName>style.visibility</p:attrName>
+                                        </p:attrNameLst>
+                                      </p:cBhvr>
+                                      <p:to>
+                                        <p:strVal val="visible"/>
+                                      </p:to>
+                                    </p:set>
+                                    <p:animEffect transition="in" filter="fade">
+                                      <p:cBhvr>
+                                        <p:cTn id="47" dur="500"/>
+                                        <p:tgtEl>
+                                          <p:spTgt spid="3">
+                                            <p:txEl>
+                                              <p:pRg st="12" end="12"/>
+                                            </p:txEl>
+                                          </p:spTgt>
+                                        </p:tgtEl>
+                                      </p:cBhvr>
+                                    </p:animEffect>
+                                  </p:childTnLst>
+                                </p:cTn>
+                              </p:par>
+                              <p:par>
+                                <p:cTn id="48" presetID="10" presetClass="entr" presetSubtype="0" fill="hold" grpId="0" nodeType="withEffect">
+                                  <p:stCondLst>
+                                    <p:cond delay="0"/>
+                                  </p:stCondLst>
+                                  <p:childTnLst>
+                                    <p:set>
+                                      <p:cBhvr>
+                                        <p:cTn id="49" dur="1" fill="hold">
+                                          <p:stCondLst>
+                                            <p:cond delay="0"/>
+                                          </p:stCondLst>
+                                        </p:cTn>
+                                        <p:tgtEl>
+                                          <p:spTgt spid="3">
+                                            <p:txEl>
+                                              <p:pRg st="13" end="13"/>
+                                            </p:txEl>
+                                          </p:spTgt>
+                                        </p:tgtEl>
+                                        <p:attrNameLst>
+                                          <p:attrName>style.visibility</p:attrName>
+                                        </p:attrNameLst>
+                                      </p:cBhvr>
+                                      <p:to>
+                                        <p:strVal val="visible"/>
+                                      </p:to>
+                                    </p:set>
+                                    <p:animEffect transition="in" filter="fade">
+                                      <p:cBhvr>
+                                        <p:cTn id="50" dur="500"/>
+                                        <p:tgtEl>
+                                          <p:spTgt spid="3">
+                                            <p:txEl>
+                                              <p:pRg st="13" end="13"/>
+                                            </p:txEl>
+                                          </p:spTgt>
+                                        </p:tgtEl>
+                                      </p:cBhvr>
+                                    </p:animEffect>
+                                  </p:childTnLst>
+                                </p:cTn>
+                              </p:par>
+                              <p:par>
+                                <p:cTn id="51" presetID="10" presetClass="entr" presetSubtype="0" fill="hold" grpId="0" nodeType="withEffect">
+                                  <p:stCondLst>
+                                    <p:cond delay="0"/>
+                                  </p:stCondLst>
+                                  <p:childTnLst>
+                                    <p:set>
+                                      <p:cBhvr>
+                                        <p:cTn id="52" dur="1" fill="hold">
+                                          <p:stCondLst>
+                                            <p:cond delay="0"/>
+                                          </p:stCondLst>
+                                        </p:cTn>
+                                        <p:tgtEl>
+                                          <p:spTgt spid="3">
+                                            <p:txEl>
+                                              <p:pRg st="14" end="14"/>
+                                            </p:txEl>
+                                          </p:spTgt>
+                                        </p:tgtEl>
+                                        <p:attrNameLst>
+                                          <p:attrName>style.visibility</p:attrName>
+                                        </p:attrNameLst>
+                                      </p:cBhvr>
+                                      <p:to>
+                                        <p:strVal val="visible"/>
+                                      </p:to>
+                                    </p:set>
+                                    <p:animEffect transition="in" filter="fade">
+                                      <p:cBhvr>
+                                        <p:cTn id="53" dur="500"/>
+                                        <p:tgtEl>
+                                          <p:spTgt spid="3">
+                                            <p:txEl>
+                                              <p:pRg st="14" end="14"/>
+                                            </p:txEl>
+                                          </p:spTgt>
+                                        </p:tgtEl>
+                                      </p:cBhvr>
+                                    </p:animEffect>
+                                  </p:childTnLst>
+                                </p:cTn>
+                              </p:par>
+                            </p:childTnLst>
+                          </p:cTn>
+                        </p:par>
+                      </p:childTnLst>
+                    </p:cTn>
+                  </p:par>
+                </p:childTnLst>
+              </p:cTn>
+              <p:prevCondLst>
+                <p:cond evt="onPrev" delay="0">
+                  <p:tgtEl>
+                    <p:sldTgt/>
+                  </p:tgtEl>
+                </p:cond>
+              </p:prevCondLst>
+              <p:nextCondLst>
+                <p:cond evt="onNext" delay="0">
+                  <p:tgtEl>
+                    <p:sldTgt/>
+                  </p:tgtEl>
+                </p:cond>
+              </p:nextCondLst>
+            </p:seq>
+          </p:childTnLst>
+        </p:cTn>
+      </p:par>
+    </p:tnLst>
+    <p:bldLst>
+      <p:bldP spid="3" grpId="0" build="p"/>
+    </p:bldLst>
+  </p:timing>
+</p:sld>
+</file>
+
+<file path=ppt/slides/slide23.xml><?xml version="1.0" encoding="utf-8"?>
+<p:sld xmlns:a="http://schemas.openxmlformats.org/drawingml/2006/main" xmlns:r="http://schemas.openxmlformats.org/officeDocument/2006/relationships" xmlns:p="http://schemas.openxmlformats.org/presentationml/2006/main">
+  <p:cSld>
+    <p:spTree>
+      <p:nvGrpSpPr>
+        <p:cNvPr id="1" name=""/>
+        <p:cNvGrpSpPr/>
+        <p:nvPr/>
+      </p:nvGrpSpPr>
+      <p:grpSpPr>
+        <a:xfrm>
+          <a:off x="0" y="0"/>
+          <a:ext cx="0" cy="0"/>
+          <a:chOff x="0" y="0"/>
+          <a:chExt cx="0" cy="0"/>
+        </a:xfrm>
+      </p:grpSpPr>
+      <p:sp>
+        <p:nvSpPr>
+          <p:cNvPr id="2" name="Title 1"/>
+          <p:cNvSpPr>
+            <a:spLocks noGrp="1"/>
+          </p:cNvSpPr>
+          <p:nvPr>
+            <p:ph type="title"/>
+          </p:nvPr>
+        </p:nvSpPr>
+        <p:spPr/>
+        <p:txBody>
+          <a:bodyPr/>
+          <a:lstStyle/>
+          <a:p>
+            <a:r>
+              <a:rPr lang="en-GB" dirty="0" smtClean="0"/>
               <a:t>Thank you</a:t>
             </a:r>
             <a:endParaRPr lang="en-GB" dirty="0"/>
@@ -14205,7 +15418,15 @@
             <a:pPr lvl="2"/>
             <a:r>
               <a:rPr lang="en-GB" dirty="0" smtClean="0"/>
-              <a:t>Simplest high-level task: HTML Website </a:t>
+              <a:t>Simple </a:t>
+            </a:r>
+            <a:r>
+              <a:rPr lang="en-GB" dirty="0" smtClean="0"/>
+              <a:t>high-level </a:t>
+            </a:r>
+            <a:r>
+              <a:rPr lang="en-GB" dirty="0" smtClean="0"/>
+              <a:t>tasks: HTML/JS website, Scratch, Python scripts</a:t>
             </a:r>
             <a:endParaRPr lang="en-GB" dirty="0"/>
           </a:p>
@@ -14213,7 +15434,23 @@
             <a:pPr lvl="2"/>
             <a:r>
               <a:rPr lang="en-GB" dirty="0" smtClean="0"/>
-              <a:t>Simplest low-level task: MBR/FAT driver</a:t>
+              <a:t>Simple(?) </a:t>
+            </a:r>
+            <a:r>
+              <a:rPr lang="en-GB" dirty="0" smtClean="0"/>
+              <a:t>low-level </a:t>
+            </a:r>
+            <a:r>
+              <a:rPr lang="en-GB" dirty="0" smtClean="0"/>
+              <a:t>tasks: Basic </a:t>
+            </a:r>
+            <a:r>
+              <a:rPr lang="en-GB" dirty="0" err="1" smtClean="0"/>
+              <a:t>bootcode</a:t>
+            </a:r>
+            <a:r>
+              <a:rPr lang="en-GB" dirty="0" smtClean="0"/>
+              <a:t>, PWM control, Serial/UART</a:t>
             </a:r>
             <a:endParaRPr lang="en-GB" dirty="0"/>
           </a:p>
@@ -14823,13 +16060,8 @@
             <a:pPr lvl="1"/>
             <a:r>
               <a:rPr lang="en-GB" dirty="0" smtClean="0"/>
-              <a:t>Increasingly </a:t>
-            </a:r>
-            <a:r>
-              <a:rPr lang="en-GB" dirty="0" smtClean="0"/>
-              <a:t>abstracted</a:t>
-            </a:r>
-            <a:endParaRPr lang="en-GB" dirty="0" smtClean="0"/>
+              <a:t>Increasingly abstracted</a:t>
+            </a:r>
           </a:p>
           <a:p>
             <a:pPr lvl="1"/>
